--- a/BriefCase/Robotics_Submission Template - GRiD 6.0.pptx
+++ b/BriefCase/Robotics_Submission Template - GRiD 6.0.pptx
@@ -1,33 +1,36 @@
 
 <file path=ppt/presentation.xml><?xml version="1.0" encoding="utf-8"?>
-<p:presentation xmlns:a="http://schemas.openxmlformats.org/drawingml/2006/main" xmlns:r="http://schemas.openxmlformats.org/officeDocument/2006/relationships" xmlns:mc="http://schemas.openxmlformats.org/markup-compatibility/2006" xmlns:mv="urn:schemas-microsoft-com:mac:vml" xmlns:p="http://schemas.openxmlformats.org/presentationml/2006/main" xmlns:c="http://schemas.openxmlformats.org/drawingml/2006/chart" xmlns:dgm="http://schemas.openxmlformats.org/drawingml/2006/diagram" xmlns:o="urn:schemas-microsoft-com:office:office" xmlns:v="urn:schemas-microsoft-com:vml" xmlns:pvml="urn:schemas-microsoft-com:office:powerpoint" xmlns:com="http://schemas.openxmlformats.org/drawingml/2006/compatibility" xmlns:p14="http://schemas.microsoft.com/office/powerpoint/2010/main" xmlns:p15="http://schemas.microsoft.com/office/powerpoint/2012/main" xmlns:ahyp="http://schemas.microsoft.com/office/drawing/2018/hyperlinkcolor" autoCompressPictures="0" embedTrueTypeFonts="1" strictFirstAndLastChars="0" saveSubsetFonts="1">
+<p:presentation xmlns:a="http://schemas.openxmlformats.org/drawingml/2006/main" xmlns:r="http://schemas.openxmlformats.org/officeDocument/2006/relationships" xmlns:p="http://schemas.openxmlformats.org/presentationml/2006/main" strictFirstAndLastChars="0" embedTrueTypeFonts="1" saveSubsetFonts="1" autoCompressPictures="0">
   <p:sldMasterIdLst>
-    <p:sldMasterId id="2147483663" r:id="rId4"/>
+    <p:sldMasterId id="2147483663" r:id="rId1"/>
   </p:sldMasterIdLst>
   <p:notesMasterIdLst>
-    <p:notesMasterId r:id="rId5"/>
+    <p:notesMasterId r:id="rId7"/>
   </p:notesMasterIdLst>
   <p:sldIdLst>
-    <p:sldId id="256" r:id="rId6"/>
-    <p:sldId id="257" r:id="rId7"/>
-    <p:sldId id="258" r:id="rId8"/>
-    <p:sldId id="259" r:id="rId9"/>
-    <p:sldId id="260" r:id="rId10"/>
-    <p:sldId id="261" r:id="rId11"/>
+    <p:sldId id="256" r:id="rId2"/>
+    <p:sldId id="260" r:id="rId3"/>
+    <p:sldId id="262" r:id="rId4"/>
+    <p:sldId id="263" r:id="rId5"/>
+    <p:sldId id="261" r:id="rId6"/>
   </p:sldIdLst>
-  <p:sldSz cy="5143500" cx="9144000"/>
+  <p:sldSz cx="9144000" cy="5143500" type="screen16x9"/>
   <p:notesSz cx="6858000" cy="9144000"/>
   <p:embeddedFontLst>
     <p:embeddedFont>
-      <p:font typeface="Roboto"/>
-      <p:regular r:id="rId12"/>
-      <p:bold r:id="rId13"/>
-      <p:italic r:id="rId14"/>
-      <p:boldItalic r:id="rId15"/>
+      <p:font typeface="Arial Rounded MT Bold" panose="020F0704030504030204" pitchFamily="34" charset="0"/>
+      <p:regular r:id="rId8"/>
+    </p:embeddedFont>
+    <p:embeddedFont>
+      <p:font typeface="Roboto" panose="02000000000000000000" pitchFamily="2" charset="0"/>
+      <p:regular r:id="rId9"/>
+      <p:bold r:id="rId10"/>
+      <p:italic r:id="rId11"/>
+      <p:boldItalic r:id="rId12"/>
     </p:embeddedFont>
   </p:embeddedFontLst>
   <p:defaultTextStyle>
-    <a:defPPr lvl="0" marR="0" rtl="0" algn="l">
+    <a:defPPr marR="0" lvl="0" algn="l" rtl="0">
       <a:lnSpc>
         <a:spcPct val="100000"/>
       </a:lnSpc>
@@ -38,7 +41,7 @@
         <a:spcPts val="0"/>
       </a:spcAft>
     </a:defPPr>
-    <a:lvl1pPr lvl="0" marR="0" rtl="0" algn="l">
+    <a:lvl1pPr marR="0" lvl="0" algn="l" rtl="0">
       <a:lnSpc>
         <a:spcPct val="100000"/>
       </a:lnSpc>
@@ -52,7 +55,7 @@
         <a:srgbClr val="000000"/>
       </a:buClr>
       <a:buFont typeface="Arial"/>
-      <a:defRPr b="0" i="0" sz="1400" u="none" cap="none" strike="noStrike">
+      <a:defRPr sz="1400" b="0" i="0" u="none" strike="noStrike" cap="none">
         <a:solidFill>
           <a:srgbClr val="000000"/>
         </a:solidFill>
@@ -62,7 +65,7 @@
         <a:sym typeface="Arial"/>
       </a:defRPr>
     </a:lvl1pPr>
-    <a:lvl2pPr lvl="1" marR="0" rtl="0" algn="l">
+    <a:lvl2pPr marR="0" lvl="1" algn="l" rtl="0">
       <a:lnSpc>
         <a:spcPct val="100000"/>
       </a:lnSpc>
@@ -76,7 +79,7 @@
         <a:srgbClr val="000000"/>
       </a:buClr>
       <a:buFont typeface="Arial"/>
-      <a:defRPr b="0" i="0" sz="1400" u="none" cap="none" strike="noStrike">
+      <a:defRPr sz="1400" b="0" i="0" u="none" strike="noStrike" cap="none">
         <a:solidFill>
           <a:srgbClr val="000000"/>
         </a:solidFill>
@@ -86,7 +89,7 @@
         <a:sym typeface="Arial"/>
       </a:defRPr>
     </a:lvl2pPr>
-    <a:lvl3pPr lvl="2" marR="0" rtl="0" algn="l">
+    <a:lvl3pPr marR="0" lvl="2" algn="l" rtl="0">
       <a:lnSpc>
         <a:spcPct val="100000"/>
       </a:lnSpc>
@@ -100,7 +103,7 @@
         <a:srgbClr val="000000"/>
       </a:buClr>
       <a:buFont typeface="Arial"/>
-      <a:defRPr b="0" i="0" sz="1400" u="none" cap="none" strike="noStrike">
+      <a:defRPr sz="1400" b="0" i="0" u="none" strike="noStrike" cap="none">
         <a:solidFill>
           <a:srgbClr val="000000"/>
         </a:solidFill>
@@ -110,7 +113,7 @@
         <a:sym typeface="Arial"/>
       </a:defRPr>
     </a:lvl3pPr>
-    <a:lvl4pPr lvl="3" marR="0" rtl="0" algn="l">
+    <a:lvl4pPr marR="0" lvl="3" algn="l" rtl="0">
       <a:lnSpc>
         <a:spcPct val="100000"/>
       </a:lnSpc>
@@ -124,7 +127,7 @@
         <a:srgbClr val="000000"/>
       </a:buClr>
       <a:buFont typeface="Arial"/>
-      <a:defRPr b="0" i="0" sz="1400" u="none" cap="none" strike="noStrike">
+      <a:defRPr sz="1400" b="0" i="0" u="none" strike="noStrike" cap="none">
         <a:solidFill>
           <a:srgbClr val="000000"/>
         </a:solidFill>
@@ -134,7 +137,7 @@
         <a:sym typeface="Arial"/>
       </a:defRPr>
     </a:lvl4pPr>
-    <a:lvl5pPr lvl="4" marR="0" rtl="0" algn="l">
+    <a:lvl5pPr marR="0" lvl="4" algn="l" rtl="0">
       <a:lnSpc>
         <a:spcPct val="100000"/>
       </a:lnSpc>
@@ -148,7 +151,7 @@
         <a:srgbClr val="000000"/>
       </a:buClr>
       <a:buFont typeface="Arial"/>
-      <a:defRPr b="0" i="0" sz="1400" u="none" cap="none" strike="noStrike">
+      <a:defRPr sz="1400" b="0" i="0" u="none" strike="noStrike" cap="none">
         <a:solidFill>
           <a:srgbClr val="000000"/>
         </a:solidFill>
@@ -158,7 +161,7 @@
         <a:sym typeface="Arial"/>
       </a:defRPr>
     </a:lvl5pPr>
-    <a:lvl6pPr lvl="5" marR="0" rtl="0" algn="l">
+    <a:lvl6pPr marR="0" lvl="5" algn="l" rtl="0">
       <a:lnSpc>
         <a:spcPct val="100000"/>
       </a:lnSpc>
@@ -172,7 +175,7 @@
         <a:srgbClr val="000000"/>
       </a:buClr>
       <a:buFont typeface="Arial"/>
-      <a:defRPr b="0" i="0" sz="1400" u="none" cap="none" strike="noStrike">
+      <a:defRPr sz="1400" b="0" i="0" u="none" strike="noStrike" cap="none">
         <a:solidFill>
           <a:srgbClr val="000000"/>
         </a:solidFill>
@@ -182,7 +185,7 @@
         <a:sym typeface="Arial"/>
       </a:defRPr>
     </a:lvl6pPr>
-    <a:lvl7pPr lvl="6" marR="0" rtl="0" algn="l">
+    <a:lvl7pPr marR="0" lvl="6" algn="l" rtl="0">
       <a:lnSpc>
         <a:spcPct val="100000"/>
       </a:lnSpc>
@@ -196,7 +199,7 @@
         <a:srgbClr val="000000"/>
       </a:buClr>
       <a:buFont typeface="Arial"/>
-      <a:defRPr b="0" i="0" sz="1400" u="none" cap="none" strike="noStrike">
+      <a:defRPr sz="1400" b="0" i="0" u="none" strike="noStrike" cap="none">
         <a:solidFill>
           <a:srgbClr val="000000"/>
         </a:solidFill>
@@ -206,7 +209,7 @@
         <a:sym typeface="Arial"/>
       </a:defRPr>
     </a:lvl7pPr>
-    <a:lvl8pPr lvl="7" marR="0" rtl="0" algn="l">
+    <a:lvl8pPr marR="0" lvl="7" algn="l" rtl="0">
       <a:lnSpc>
         <a:spcPct val="100000"/>
       </a:lnSpc>
@@ -220,7 +223,7 @@
         <a:srgbClr val="000000"/>
       </a:buClr>
       <a:buFont typeface="Arial"/>
-      <a:defRPr b="0" i="0" sz="1400" u="none" cap="none" strike="noStrike">
+      <a:defRPr sz="1400" b="0" i="0" u="none" strike="noStrike" cap="none">
         <a:solidFill>
           <a:srgbClr val="000000"/>
         </a:solidFill>
@@ -230,7 +233,7 @@
         <a:sym typeface="Arial"/>
       </a:defRPr>
     </a:lvl8pPr>
-    <a:lvl9pPr lvl="8" marR="0" rtl="0" algn="l">
+    <a:lvl9pPr marR="0" lvl="8" algn="l" rtl="0">
       <a:lnSpc>
         <a:spcPct val="100000"/>
       </a:lnSpc>
@@ -244,7 +247,7 @@
         <a:srgbClr val="000000"/>
       </a:buClr>
       <a:buFont typeface="Arial"/>
-      <a:defRPr b="0" i="0" sz="1400" u="none" cap="none" strike="noStrike">
+      <a:defRPr sz="1400" b="0" i="0" u="none" strike="noStrike" cap="none">
         <a:solidFill>
           <a:srgbClr val="000000"/>
         </a:solidFill>
@@ -257,7 +260,7 @@
   </p:defaultTextStyle>
   <p:extLst>
     <p:ext uri="{EFAFB233-063F-42B5-8137-9DF3F51BA10A}">
-      <p15:sldGuideLst>
+      <p15:sldGuideLst xmlns:p15="http://schemas.microsoft.com/office/powerpoint/2012/main">
         <p15:guide id="1" orient="horz" pos="1620">
           <p15:clr>
             <a:srgbClr val="747775"/>
@@ -275,11 +278,16 @@
 </file>
 
 <file path=ppt/notesMasters/notesMaster1.xml><?xml version="1.0" encoding="utf-8"?>
-<p:notesMaster xmlns:a="http://schemas.openxmlformats.org/drawingml/2006/main" xmlns:r="http://schemas.openxmlformats.org/officeDocument/2006/relationships" xmlns:mc="http://schemas.openxmlformats.org/markup-compatibility/2006" xmlns:mv="urn:schemas-microsoft-com:mac:vml" xmlns:p="http://schemas.openxmlformats.org/presentationml/2006/main" xmlns:c="http://schemas.openxmlformats.org/drawingml/2006/chart" xmlns:dgm="http://schemas.openxmlformats.org/drawingml/2006/diagram" xmlns:o="urn:schemas-microsoft-com:office:office" xmlns:v="urn:schemas-microsoft-com:vml" xmlns:pvml="urn:schemas-microsoft-com:office:powerpoint" xmlns:com="http://schemas.openxmlformats.org/drawingml/2006/compatibility" xmlns:p14="http://schemas.microsoft.com/office/powerpoint/2010/main" xmlns:p15="http://schemas.microsoft.com/office/powerpoint/2012/main" xmlns:ahyp="http://schemas.microsoft.com/office/drawing/2018/hyperlinkcolor">
+<p:notesMaster xmlns:a="http://schemas.openxmlformats.org/drawingml/2006/main" xmlns:r="http://schemas.openxmlformats.org/officeDocument/2006/relationships" xmlns:p="http://schemas.openxmlformats.org/presentationml/2006/main">
   <p:cSld>
+    <p:bg>
+      <p:bgRef idx="1001">
+        <a:schemeClr val="bg1"/>
+      </p:bgRef>
+    </p:bg>
     <p:spTree>
       <p:nvGrpSpPr>
-        <p:cNvPr id="2" name="Shape 2"/>
+        <p:cNvPr id="1" name="Shape 2"/>
         <p:cNvGrpSpPr/>
         <p:nvPr/>
       </p:nvGrpSpPr>
@@ -294,9 +302,11 @@
       <p:sp>
         <p:nvSpPr>
           <p:cNvPr id="3" name="Google Shape;3;n"/>
-          <p:cNvSpPr/>
+          <p:cNvSpPr>
+            <a:spLocks noGrp="1" noRot="1" noChangeAspect="1"/>
+          </p:cNvSpPr>
           <p:nvPr>
-            <p:ph idx="2" type="sldImg"/>
+            <p:ph type="sldImg" idx="2"/>
           </p:nvPr>
         </p:nvSpPr>
         <p:spPr>
@@ -305,9 +315,13 @@
             <a:ext cx="6096075" cy="3429000"/>
           </a:xfrm>
           <a:custGeom>
-            <a:rect b="b" l="l" r="r" t="t"/>
+            <a:avLst/>
+            <a:gdLst/>
+            <a:ahLst/>
+            <a:cxnLst/>
+            <a:rect l="l" t="t" r="r" b="b"/>
             <a:pathLst>
-              <a:path extrusionOk="0" h="120000" w="120000">
+              <a:path w="120000" h="120000" extrusionOk="0">
                 <a:moveTo>
                   <a:pt x="0" y="0"/>
                 </a:moveTo>
@@ -325,23 +339,25 @@
             </a:pathLst>
           </a:custGeom>
           <a:noFill/>
-          <a:ln cap="flat" cmpd="sng" w="9525">
+          <a:ln w="9525" cap="flat" cmpd="sng">
             <a:solidFill>
               <a:srgbClr val="000000"/>
             </a:solidFill>
             <a:prstDash val="solid"/>
             <a:round/>
-            <a:headEnd len="sm" w="sm" type="none"/>
-            <a:tailEnd len="sm" w="sm" type="none"/>
+            <a:headEnd type="none" w="sm" len="sm"/>
+            <a:tailEnd type="none" w="sm" len="sm"/>
           </a:ln>
         </p:spPr>
       </p:sp>
       <p:sp>
         <p:nvSpPr>
           <p:cNvPr id="4" name="Google Shape;4;n"/>
-          <p:cNvSpPr txBox="1"/>
+          <p:cNvSpPr txBox="1">
+            <a:spLocks noGrp="1"/>
+          </p:cNvSpPr>
           <p:nvPr>
-            <p:ph idx="1" type="body"/>
+            <p:ph type="body" idx="1"/>
           </p:nvPr>
         </p:nvSpPr>
         <p:spPr>
@@ -358,11 +374,11 @@
           </a:ln>
         </p:spPr>
         <p:txBody>
-          <a:bodyPr anchorCtr="0" anchor="t" bIns="91425" lIns="91425" spcFirstLastPara="1" rIns="91425" wrap="square" tIns="91425">
+          <a:bodyPr spcFirstLastPara="1" wrap="square" lIns="91425" tIns="91425" rIns="91425" bIns="91425" anchor="t" anchorCtr="0">
             <a:noAutofit/>
           </a:bodyPr>
           <a:lstStyle>
-            <a:lvl1pPr indent="-298450" lvl="0" marL="457200">
+            <a:lvl1pPr marL="457200" lvl="0" indent="-298450">
               <a:spcBef>
                 <a:spcPts val="0"/>
               </a:spcBef>
@@ -373,7 +389,7 @@
               <a:buChar char="●"/>
               <a:defRPr sz="1100"/>
             </a:lvl1pPr>
-            <a:lvl2pPr indent="-298450" lvl="1" marL="914400">
+            <a:lvl2pPr marL="914400" lvl="1" indent="-298450">
               <a:spcBef>
                 <a:spcPts val="0"/>
               </a:spcBef>
@@ -384,7 +400,7 @@
               <a:buChar char="○"/>
               <a:defRPr sz="1100"/>
             </a:lvl2pPr>
-            <a:lvl3pPr indent="-298450" lvl="2" marL="1371600">
+            <a:lvl3pPr marL="1371600" lvl="2" indent="-298450">
               <a:spcBef>
                 <a:spcPts val="0"/>
               </a:spcBef>
@@ -395,7 +411,7 @@
               <a:buChar char="■"/>
               <a:defRPr sz="1100"/>
             </a:lvl3pPr>
-            <a:lvl4pPr indent="-298450" lvl="3" marL="1828800">
+            <a:lvl4pPr marL="1828800" lvl="3" indent="-298450">
               <a:spcBef>
                 <a:spcPts val="0"/>
               </a:spcBef>
@@ -406,7 +422,7 @@
               <a:buChar char="●"/>
               <a:defRPr sz="1100"/>
             </a:lvl4pPr>
-            <a:lvl5pPr indent="-298450" lvl="4" marL="2286000">
+            <a:lvl5pPr marL="2286000" lvl="4" indent="-298450">
               <a:spcBef>
                 <a:spcPts val="0"/>
               </a:spcBef>
@@ -417,7 +433,7 @@
               <a:buChar char="○"/>
               <a:defRPr sz="1100"/>
             </a:lvl5pPr>
-            <a:lvl6pPr indent="-298450" lvl="5" marL="2743200">
+            <a:lvl6pPr marL="2743200" lvl="5" indent="-298450">
               <a:spcBef>
                 <a:spcPts val="0"/>
               </a:spcBef>
@@ -428,7 +444,7 @@
               <a:buChar char="■"/>
               <a:defRPr sz="1100"/>
             </a:lvl6pPr>
-            <a:lvl7pPr indent="-298450" lvl="6" marL="3200400">
+            <a:lvl7pPr marL="3200400" lvl="6" indent="-298450">
               <a:spcBef>
                 <a:spcPts val="0"/>
               </a:spcBef>
@@ -439,7 +455,7 @@
               <a:buChar char="●"/>
               <a:defRPr sz="1100"/>
             </a:lvl7pPr>
-            <a:lvl8pPr indent="-298450" lvl="7" marL="3657600">
+            <a:lvl8pPr marL="3657600" lvl="7" indent="-298450">
               <a:spcBef>
                 <a:spcPts val="0"/>
               </a:spcBef>
@@ -450,7 +466,7 @@
               <a:buChar char="○"/>
               <a:defRPr sz="1100"/>
             </a:lvl8pPr>
-            <a:lvl9pPr indent="-298450" lvl="8" marL="4114800">
+            <a:lvl9pPr marL="4114800" lvl="8" indent="-298450">
               <a:spcBef>
                 <a:spcPts val="0"/>
               </a:spcBef>
@@ -462,14 +478,16 @@
               <a:defRPr sz="1100"/>
             </a:lvl9pPr>
           </a:lstStyle>
-          <a:p/>
+          <a:p>
+            <a:endParaRPr/>
+          </a:p>
         </p:txBody>
       </p:sp>
     </p:spTree>
   </p:cSld>
-  <p:clrMap accent1="accent1" accent2="accent2" accent3="accent3" accent4="accent4" accent5="accent5" accent6="accent6" bg1="lt1" bg2="dk2" tx1="dk1" tx2="lt2" folHlink="folHlink" hlink="hlink"/>
+  <p:clrMap bg1="lt1" tx1="dk1" bg2="dk2" tx2="lt2" accent1="accent1" accent2="accent2" accent3="accent3" accent4="accent4" accent5="accent5" accent6="accent6" hlink="hlink" folHlink="folHlink"/>
   <p:notesStyle>
-    <a:defPPr lvl="0" marR="0" rtl="0" algn="l">
+    <a:defPPr marR="0" lvl="0" algn="l" rtl="0">
       <a:lnSpc>
         <a:spcPct val="100000"/>
       </a:lnSpc>
@@ -480,7 +498,7 @@
         <a:spcPts val="0"/>
       </a:spcAft>
     </a:defPPr>
-    <a:lvl1pPr lvl="0" marR="0" rtl="0" algn="l">
+    <a:lvl1pPr marR="0" lvl="0" algn="l" rtl="0">
       <a:lnSpc>
         <a:spcPct val="100000"/>
       </a:lnSpc>
@@ -494,7 +512,7 @@
         <a:srgbClr val="000000"/>
       </a:buClr>
       <a:buFont typeface="Arial"/>
-      <a:defRPr b="0" i="0" sz="1400" u="none" cap="none" strike="noStrike">
+      <a:defRPr sz="1400" b="0" i="0" u="none" strike="noStrike" cap="none">
         <a:solidFill>
           <a:srgbClr val="000000"/>
         </a:solidFill>
@@ -504,7 +522,7 @@
         <a:sym typeface="Arial"/>
       </a:defRPr>
     </a:lvl1pPr>
-    <a:lvl2pPr lvl="1" marR="0" rtl="0" algn="l">
+    <a:lvl2pPr marR="0" lvl="1" algn="l" rtl="0">
       <a:lnSpc>
         <a:spcPct val="100000"/>
       </a:lnSpc>
@@ -518,7 +536,7 @@
         <a:srgbClr val="000000"/>
       </a:buClr>
       <a:buFont typeface="Arial"/>
-      <a:defRPr b="0" i="0" sz="1400" u="none" cap="none" strike="noStrike">
+      <a:defRPr sz="1400" b="0" i="0" u="none" strike="noStrike" cap="none">
         <a:solidFill>
           <a:srgbClr val="000000"/>
         </a:solidFill>
@@ -528,7 +546,7 @@
         <a:sym typeface="Arial"/>
       </a:defRPr>
     </a:lvl2pPr>
-    <a:lvl3pPr lvl="2" marR="0" rtl="0" algn="l">
+    <a:lvl3pPr marR="0" lvl="2" algn="l" rtl="0">
       <a:lnSpc>
         <a:spcPct val="100000"/>
       </a:lnSpc>
@@ -542,7 +560,7 @@
         <a:srgbClr val="000000"/>
       </a:buClr>
       <a:buFont typeface="Arial"/>
-      <a:defRPr b="0" i="0" sz="1400" u="none" cap="none" strike="noStrike">
+      <a:defRPr sz="1400" b="0" i="0" u="none" strike="noStrike" cap="none">
         <a:solidFill>
           <a:srgbClr val="000000"/>
         </a:solidFill>
@@ -552,7 +570,7 @@
         <a:sym typeface="Arial"/>
       </a:defRPr>
     </a:lvl3pPr>
-    <a:lvl4pPr lvl="3" marR="0" rtl="0" algn="l">
+    <a:lvl4pPr marR="0" lvl="3" algn="l" rtl="0">
       <a:lnSpc>
         <a:spcPct val="100000"/>
       </a:lnSpc>
@@ -566,7 +584,7 @@
         <a:srgbClr val="000000"/>
       </a:buClr>
       <a:buFont typeface="Arial"/>
-      <a:defRPr b="0" i="0" sz="1400" u="none" cap="none" strike="noStrike">
+      <a:defRPr sz="1400" b="0" i="0" u="none" strike="noStrike" cap="none">
         <a:solidFill>
           <a:srgbClr val="000000"/>
         </a:solidFill>
@@ -576,7 +594,7 @@
         <a:sym typeface="Arial"/>
       </a:defRPr>
     </a:lvl4pPr>
-    <a:lvl5pPr lvl="4" marR="0" rtl="0" algn="l">
+    <a:lvl5pPr marR="0" lvl="4" algn="l" rtl="0">
       <a:lnSpc>
         <a:spcPct val="100000"/>
       </a:lnSpc>
@@ -590,7 +608,7 @@
         <a:srgbClr val="000000"/>
       </a:buClr>
       <a:buFont typeface="Arial"/>
-      <a:defRPr b="0" i="0" sz="1400" u="none" cap="none" strike="noStrike">
+      <a:defRPr sz="1400" b="0" i="0" u="none" strike="noStrike" cap="none">
         <a:solidFill>
           <a:srgbClr val="000000"/>
         </a:solidFill>
@@ -600,7 +618,7 @@
         <a:sym typeface="Arial"/>
       </a:defRPr>
     </a:lvl5pPr>
-    <a:lvl6pPr lvl="5" marR="0" rtl="0" algn="l">
+    <a:lvl6pPr marR="0" lvl="5" algn="l" rtl="0">
       <a:lnSpc>
         <a:spcPct val="100000"/>
       </a:lnSpc>
@@ -614,7 +632,7 @@
         <a:srgbClr val="000000"/>
       </a:buClr>
       <a:buFont typeface="Arial"/>
-      <a:defRPr b="0" i="0" sz="1400" u="none" cap="none" strike="noStrike">
+      <a:defRPr sz="1400" b="0" i="0" u="none" strike="noStrike" cap="none">
         <a:solidFill>
           <a:srgbClr val="000000"/>
         </a:solidFill>
@@ -624,7 +642,7 @@
         <a:sym typeface="Arial"/>
       </a:defRPr>
     </a:lvl6pPr>
-    <a:lvl7pPr lvl="6" marR="0" rtl="0" algn="l">
+    <a:lvl7pPr marR="0" lvl="6" algn="l" rtl="0">
       <a:lnSpc>
         <a:spcPct val="100000"/>
       </a:lnSpc>
@@ -638,7 +656,7 @@
         <a:srgbClr val="000000"/>
       </a:buClr>
       <a:buFont typeface="Arial"/>
-      <a:defRPr b="0" i="0" sz="1400" u="none" cap="none" strike="noStrike">
+      <a:defRPr sz="1400" b="0" i="0" u="none" strike="noStrike" cap="none">
         <a:solidFill>
           <a:srgbClr val="000000"/>
         </a:solidFill>
@@ -648,7 +666,7 @@
         <a:sym typeface="Arial"/>
       </a:defRPr>
     </a:lvl7pPr>
-    <a:lvl8pPr lvl="7" marR="0" rtl="0" algn="l">
+    <a:lvl8pPr marR="0" lvl="7" algn="l" rtl="0">
       <a:lnSpc>
         <a:spcPct val="100000"/>
       </a:lnSpc>
@@ -662,7 +680,7 @@
         <a:srgbClr val="000000"/>
       </a:buClr>
       <a:buFont typeface="Arial"/>
-      <a:defRPr b="0" i="0" sz="1400" u="none" cap="none" strike="noStrike">
+      <a:defRPr sz="1400" b="0" i="0" u="none" strike="noStrike" cap="none">
         <a:solidFill>
           <a:srgbClr val="000000"/>
         </a:solidFill>
@@ -672,7 +690,7 @@
         <a:sym typeface="Arial"/>
       </a:defRPr>
     </a:lvl8pPr>
-    <a:lvl9pPr lvl="8" marR="0" rtl="0" algn="l">
+    <a:lvl9pPr marR="0" lvl="8" algn="l" rtl="0">
       <a:lnSpc>
         <a:spcPct val="100000"/>
       </a:lnSpc>
@@ -686,7 +704,7 @@
         <a:srgbClr val="000000"/>
       </a:buClr>
       <a:buFont typeface="Arial"/>
-      <a:defRPr b="0" i="0" sz="1400" u="none" cap="none" strike="noStrike">
+      <a:defRPr sz="1400" b="0" i="0" u="none" strike="noStrike" cap="none">
         <a:solidFill>
           <a:srgbClr val="000000"/>
         </a:solidFill>
@@ -701,11 +719,11 @@
 </file>
 
 <file path=ppt/notesSlides/notesSlide1.xml><?xml version="1.0" encoding="utf-8"?>
-<p:notes xmlns:a="http://schemas.openxmlformats.org/drawingml/2006/main" xmlns:r="http://schemas.openxmlformats.org/officeDocument/2006/relationships" xmlns:mc="http://schemas.openxmlformats.org/markup-compatibility/2006" xmlns:mv="urn:schemas-microsoft-com:mac:vml" xmlns:p="http://schemas.openxmlformats.org/presentationml/2006/main" xmlns:c="http://schemas.openxmlformats.org/drawingml/2006/chart" xmlns:dgm="http://schemas.openxmlformats.org/drawingml/2006/diagram" xmlns:o="urn:schemas-microsoft-com:office:office" xmlns:v="urn:schemas-microsoft-com:vml" xmlns:pvml="urn:schemas-microsoft-com:office:powerpoint" xmlns:com="http://schemas.openxmlformats.org/drawingml/2006/compatibility" xmlns:p14="http://schemas.microsoft.com/office/powerpoint/2010/main" xmlns:p15="http://schemas.microsoft.com/office/powerpoint/2012/main" xmlns:ahyp="http://schemas.microsoft.com/office/drawing/2018/hyperlinkcolor" showMasterPhAnim="0" showMasterSp="0">
+<p:notes xmlns:a="http://schemas.openxmlformats.org/drawingml/2006/main" xmlns:r="http://schemas.openxmlformats.org/officeDocument/2006/relationships" xmlns:p="http://schemas.openxmlformats.org/presentationml/2006/main" showMasterSp="0" showMasterPhAnim="0">
   <p:cSld>
     <p:spTree>
       <p:nvGrpSpPr>
-        <p:cNvPr id="70" name="Shape 70"/>
+        <p:cNvPr id="1" name="Shape 70"/>
         <p:cNvGrpSpPr/>
         <p:nvPr/>
       </p:nvGrpSpPr>
@@ -720,20 +738,26 @@
       <p:sp>
         <p:nvSpPr>
           <p:cNvPr id="71" name="Google Shape;71;p:notes"/>
-          <p:cNvSpPr/>
+          <p:cNvSpPr>
+            <a:spLocks noGrp="1" noRot="1" noChangeAspect="1"/>
+          </p:cNvSpPr>
           <p:nvPr>
-            <p:ph idx="2" type="sldImg"/>
+            <p:ph type="sldImg" idx="2"/>
           </p:nvPr>
         </p:nvSpPr>
         <p:spPr>
           <a:xfrm>
-            <a:off x="381300" y="685800"/>
-            <a:ext cx="6096075" cy="3429000"/>
+            <a:off x="381000" y="685800"/>
+            <a:ext cx="6096000" cy="3429000"/>
           </a:xfrm>
           <a:custGeom>
-            <a:rect b="b" l="l" r="r" t="t"/>
+            <a:avLst/>
+            <a:gdLst/>
+            <a:ahLst/>
+            <a:cxnLst/>
+            <a:rect l="l" t="t" r="r" b="b"/>
             <a:pathLst>
-              <a:path extrusionOk="0" h="120000" w="120000">
+              <a:path w="120000" h="120000" extrusionOk="0">
                 <a:moveTo>
                   <a:pt x="0" y="0"/>
                 </a:moveTo>
@@ -755,9 +779,11 @@
       <p:sp>
         <p:nvSpPr>
           <p:cNvPr id="72" name="Google Shape;72;p:notes"/>
-          <p:cNvSpPr txBox="1"/>
+          <p:cNvSpPr txBox="1">
+            <a:spLocks noGrp="1"/>
+          </p:cNvSpPr>
           <p:nvPr>
-            <p:ph idx="1" type="body"/>
+            <p:ph type="body" idx="1"/>
           </p:nvPr>
         </p:nvSpPr>
         <p:spPr>
@@ -770,12 +796,12 @@
           </a:prstGeom>
         </p:spPr>
         <p:txBody>
-          <a:bodyPr anchorCtr="0" anchor="t" bIns="91425" lIns="91425" spcFirstLastPara="1" rIns="91425" wrap="square" tIns="91425">
+          <a:bodyPr spcFirstLastPara="1" wrap="square" lIns="91425" tIns="91425" rIns="91425" bIns="91425" anchor="t" anchorCtr="0">
             <a:noAutofit/>
           </a:bodyPr>
           <a:lstStyle/>
           <a:p>
-            <a:pPr indent="0" lvl="0" marL="0" rtl="0" algn="l">
+            <a:pPr marL="0" lvl="0" indent="0" algn="l" rtl="0">
               <a:spcBef>
                 <a:spcPts val="0"/>
               </a:spcBef>
@@ -801,308 +827,11 @@
 </file>
 
 <file path=ppt/notesSlides/notesSlide2.xml><?xml version="1.0" encoding="utf-8"?>
-<p:notes xmlns:a="http://schemas.openxmlformats.org/drawingml/2006/main" xmlns:r="http://schemas.openxmlformats.org/officeDocument/2006/relationships" xmlns:mc="http://schemas.openxmlformats.org/markup-compatibility/2006" xmlns:mv="urn:schemas-microsoft-com:mac:vml" xmlns:p="http://schemas.openxmlformats.org/presentationml/2006/main" xmlns:c="http://schemas.openxmlformats.org/drawingml/2006/chart" xmlns:dgm="http://schemas.openxmlformats.org/drawingml/2006/diagram" xmlns:o="urn:schemas-microsoft-com:office:office" xmlns:v="urn:schemas-microsoft-com:vml" xmlns:pvml="urn:schemas-microsoft-com:office:powerpoint" xmlns:com="http://schemas.openxmlformats.org/drawingml/2006/compatibility" xmlns:p14="http://schemas.microsoft.com/office/powerpoint/2010/main" xmlns:p15="http://schemas.microsoft.com/office/powerpoint/2012/main" xmlns:ahyp="http://schemas.microsoft.com/office/drawing/2018/hyperlinkcolor" showMasterPhAnim="0" showMasterSp="0">
+<p:notes xmlns:a="http://schemas.openxmlformats.org/drawingml/2006/main" xmlns:r="http://schemas.openxmlformats.org/officeDocument/2006/relationships" xmlns:p="http://schemas.openxmlformats.org/presentationml/2006/main" showMasterSp="0" showMasterPhAnim="0">
   <p:cSld>
     <p:spTree>
       <p:nvGrpSpPr>
-        <p:cNvPr id="75" name="Shape 75"/>
-        <p:cNvGrpSpPr/>
-        <p:nvPr/>
-      </p:nvGrpSpPr>
-      <p:grpSpPr>
-        <a:xfrm>
-          <a:off x="0" y="0"/>
-          <a:ext cx="0" cy="0"/>
-          <a:chOff x="0" y="0"/>
-          <a:chExt cx="0" cy="0"/>
-        </a:xfrm>
-      </p:grpSpPr>
-      <p:sp>
-        <p:nvSpPr>
-          <p:cNvPr id="76" name="Google Shape;76;g2f21ab6bcb7_0_0:notes"/>
-          <p:cNvSpPr/>
-          <p:nvPr>
-            <p:ph idx="2" type="sldImg"/>
-          </p:nvPr>
-        </p:nvSpPr>
-        <p:spPr>
-          <a:xfrm>
-            <a:off x="381300" y="685800"/>
-            <a:ext cx="6096000" cy="3429000"/>
-          </a:xfrm>
-          <a:custGeom>
-            <a:rect b="b" l="l" r="r" t="t"/>
-            <a:pathLst>
-              <a:path extrusionOk="0" h="120000" w="120000">
-                <a:moveTo>
-                  <a:pt x="0" y="0"/>
-                </a:moveTo>
-                <a:lnTo>
-                  <a:pt x="120000" y="0"/>
-                </a:lnTo>
-                <a:lnTo>
-                  <a:pt x="120000" y="120000"/>
-                </a:lnTo>
-                <a:lnTo>
-                  <a:pt x="0" y="120000"/>
-                </a:lnTo>
-                <a:close/>
-              </a:path>
-            </a:pathLst>
-          </a:custGeom>
-        </p:spPr>
-      </p:sp>
-      <p:sp>
-        <p:nvSpPr>
-          <p:cNvPr id="77" name="Google Shape;77;g2f21ab6bcb7_0_0:notes"/>
-          <p:cNvSpPr txBox="1"/>
-          <p:nvPr>
-            <p:ph idx="1" type="body"/>
-          </p:nvPr>
-        </p:nvSpPr>
-        <p:spPr>
-          <a:xfrm>
-            <a:off x="685800" y="4343400"/>
-            <a:ext cx="5486400" cy="4114800"/>
-          </a:xfrm>
-          <a:prstGeom prst="rect">
-            <a:avLst/>
-          </a:prstGeom>
-        </p:spPr>
-        <p:txBody>
-          <a:bodyPr anchorCtr="0" anchor="t" bIns="91425" lIns="91425" spcFirstLastPara="1" rIns="91425" wrap="square" tIns="91425">
-            <a:noAutofit/>
-          </a:bodyPr>
-          <a:lstStyle/>
-          <a:p>
-            <a:pPr indent="0" lvl="0" marL="0" rtl="0" algn="l">
-              <a:spcBef>
-                <a:spcPts val="0"/>
-              </a:spcBef>
-              <a:spcAft>
-                <a:spcPts val="0"/>
-              </a:spcAft>
-              <a:buNone/>
-            </a:pPr>
-            <a:r>
-              <a:t/>
-            </a:r>
-            <a:endParaRPr/>
-          </a:p>
-        </p:txBody>
-      </p:sp>
-    </p:spTree>
-  </p:cSld>
-  <p:clrMapOvr>
-    <a:masterClrMapping/>
-  </p:clrMapOvr>
-</p:notes>
-</file>
-
-<file path=ppt/notesSlides/notesSlide3.xml><?xml version="1.0" encoding="utf-8"?>
-<p:notes xmlns:a="http://schemas.openxmlformats.org/drawingml/2006/main" xmlns:r="http://schemas.openxmlformats.org/officeDocument/2006/relationships" xmlns:mc="http://schemas.openxmlformats.org/markup-compatibility/2006" xmlns:mv="urn:schemas-microsoft-com:mac:vml" xmlns:p="http://schemas.openxmlformats.org/presentationml/2006/main" xmlns:c="http://schemas.openxmlformats.org/drawingml/2006/chart" xmlns:dgm="http://schemas.openxmlformats.org/drawingml/2006/diagram" xmlns:o="urn:schemas-microsoft-com:office:office" xmlns:v="urn:schemas-microsoft-com:vml" xmlns:pvml="urn:schemas-microsoft-com:office:powerpoint" xmlns:com="http://schemas.openxmlformats.org/drawingml/2006/compatibility" xmlns:p14="http://schemas.microsoft.com/office/powerpoint/2010/main" xmlns:p15="http://schemas.microsoft.com/office/powerpoint/2012/main" xmlns:ahyp="http://schemas.microsoft.com/office/drawing/2018/hyperlinkcolor" showMasterPhAnim="0" showMasterSp="0">
-  <p:cSld>
-    <p:spTree>
-      <p:nvGrpSpPr>
-        <p:cNvPr id="81" name="Shape 81"/>
-        <p:cNvGrpSpPr/>
-        <p:nvPr/>
-      </p:nvGrpSpPr>
-      <p:grpSpPr>
-        <a:xfrm>
-          <a:off x="0" y="0"/>
-          <a:ext cx="0" cy="0"/>
-          <a:chOff x="0" y="0"/>
-          <a:chExt cx="0" cy="0"/>
-        </a:xfrm>
-      </p:grpSpPr>
-      <p:sp>
-        <p:nvSpPr>
-          <p:cNvPr id="82" name="Google Shape;82;g2f21ab6bcb7_0_6:notes"/>
-          <p:cNvSpPr/>
-          <p:nvPr>
-            <p:ph idx="2" type="sldImg"/>
-          </p:nvPr>
-        </p:nvSpPr>
-        <p:spPr>
-          <a:xfrm>
-            <a:off x="381300" y="685800"/>
-            <a:ext cx="6096000" cy="3429000"/>
-          </a:xfrm>
-          <a:custGeom>
-            <a:rect b="b" l="l" r="r" t="t"/>
-            <a:pathLst>
-              <a:path extrusionOk="0" h="120000" w="120000">
-                <a:moveTo>
-                  <a:pt x="0" y="0"/>
-                </a:moveTo>
-                <a:lnTo>
-                  <a:pt x="120000" y="0"/>
-                </a:lnTo>
-                <a:lnTo>
-                  <a:pt x="120000" y="120000"/>
-                </a:lnTo>
-                <a:lnTo>
-                  <a:pt x="0" y="120000"/>
-                </a:lnTo>
-                <a:close/>
-              </a:path>
-            </a:pathLst>
-          </a:custGeom>
-        </p:spPr>
-      </p:sp>
-      <p:sp>
-        <p:nvSpPr>
-          <p:cNvPr id="83" name="Google Shape;83;g2f21ab6bcb7_0_6:notes"/>
-          <p:cNvSpPr txBox="1"/>
-          <p:nvPr>
-            <p:ph idx="1" type="body"/>
-          </p:nvPr>
-        </p:nvSpPr>
-        <p:spPr>
-          <a:xfrm>
-            <a:off x="685800" y="4343400"/>
-            <a:ext cx="5486400" cy="4114800"/>
-          </a:xfrm>
-          <a:prstGeom prst="rect">
-            <a:avLst/>
-          </a:prstGeom>
-        </p:spPr>
-        <p:txBody>
-          <a:bodyPr anchorCtr="0" anchor="t" bIns="91425" lIns="91425" spcFirstLastPara="1" rIns="91425" wrap="square" tIns="91425">
-            <a:noAutofit/>
-          </a:bodyPr>
-          <a:lstStyle/>
-          <a:p>
-            <a:pPr indent="0" lvl="0" marL="0" rtl="0" algn="l">
-              <a:spcBef>
-                <a:spcPts val="0"/>
-              </a:spcBef>
-              <a:spcAft>
-                <a:spcPts val="0"/>
-              </a:spcAft>
-              <a:buNone/>
-            </a:pPr>
-            <a:r>
-              <a:t/>
-            </a:r>
-            <a:endParaRPr/>
-          </a:p>
-        </p:txBody>
-      </p:sp>
-    </p:spTree>
-  </p:cSld>
-  <p:clrMapOvr>
-    <a:masterClrMapping/>
-  </p:clrMapOvr>
-</p:notes>
-</file>
-
-<file path=ppt/notesSlides/notesSlide4.xml><?xml version="1.0" encoding="utf-8"?>
-<p:notes xmlns:a="http://schemas.openxmlformats.org/drawingml/2006/main" xmlns:r="http://schemas.openxmlformats.org/officeDocument/2006/relationships" xmlns:mc="http://schemas.openxmlformats.org/markup-compatibility/2006" xmlns:mv="urn:schemas-microsoft-com:mac:vml" xmlns:p="http://schemas.openxmlformats.org/presentationml/2006/main" xmlns:c="http://schemas.openxmlformats.org/drawingml/2006/chart" xmlns:dgm="http://schemas.openxmlformats.org/drawingml/2006/diagram" xmlns:o="urn:schemas-microsoft-com:office:office" xmlns:v="urn:schemas-microsoft-com:vml" xmlns:pvml="urn:schemas-microsoft-com:office:powerpoint" xmlns:com="http://schemas.openxmlformats.org/drawingml/2006/compatibility" xmlns:p14="http://schemas.microsoft.com/office/powerpoint/2010/main" xmlns:p15="http://schemas.microsoft.com/office/powerpoint/2012/main" xmlns:ahyp="http://schemas.microsoft.com/office/drawing/2018/hyperlinkcolor" showMasterPhAnim="0" showMasterSp="0">
-  <p:cSld>
-    <p:spTree>
-      <p:nvGrpSpPr>
-        <p:cNvPr id="87" name="Shape 87"/>
-        <p:cNvGrpSpPr/>
-        <p:nvPr/>
-      </p:nvGrpSpPr>
-      <p:grpSpPr>
-        <a:xfrm>
-          <a:off x="0" y="0"/>
-          <a:ext cx="0" cy="0"/>
-          <a:chOff x="0" y="0"/>
-          <a:chExt cx="0" cy="0"/>
-        </a:xfrm>
-      </p:grpSpPr>
-      <p:sp>
-        <p:nvSpPr>
-          <p:cNvPr id="88" name="Google Shape;88;g2f21ab6bcb7_0_12:notes"/>
-          <p:cNvSpPr/>
-          <p:nvPr>
-            <p:ph idx="2" type="sldImg"/>
-          </p:nvPr>
-        </p:nvSpPr>
-        <p:spPr>
-          <a:xfrm>
-            <a:off x="381300" y="685800"/>
-            <a:ext cx="6096000" cy="3429000"/>
-          </a:xfrm>
-          <a:custGeom>
-            <a:rect b="b" l="l" r="r" t="t"/>
-            <a:pathLst>
-              <a:path extrusionOk="0" h="120000" w="120000">
-                <a:moveTo>
-                  <a:pt x="0" y="0"/>
-                </a:moveTo>
-                <a:lnTo>
-                  <a:pt x="120000" y="0"/>
-                </a:lnTo>
-                <a:lnTo>
-                  <a:pt x="120000" y="120000"/>
-                </a:lnTo>
-                <a:lnTo>
-                  <a:pt x="0" y="120000"/>
-                </a:lnTo>
-                <a:close/>
-              </a:path>
-            </a:pathLst>
-          </a:custGeom>
-        </p:spPr>
-      </p:sp>
-      <p:sp>
-        <p:nvSpPr>
-          <p:cNvPr id="89" name="Google Shape;89;g2f21ab6bcb7_0_12:notes"/>
-          <p:cNvSpPr txBox="1"/>
-          <p:nvPr>
-            <p:ph idx="1" type="body"/>
-          </p:nvPr>
-        </p:nvSpPr>
-        <p:spPr>
-          <a:xfrm>
-            <a:off x="685800" y="4343400"/>
-            <a:ext cx="5486400" cy="4114800"/>
-          </a:xfrm>
-          <a:prstGeom prst="rect">
-            <a:avLst/>
-          </a:prstGeom>
-        </p:spPr>
-        <p:txBody>
-          <a:bodyPr anchorCtr="0" anchor="t" bIns="91425" lIns="91425" spcFirstLastPara="1" rIns="91425" wrap="square" tIns="91425">
-            <a:noAutofit/>
-          </a:bodyPr>
-          <a:lstStyle/>
-          <a:p>
-            <a:pPr indent="0" lvl="0" marL="0" rtl="0" algn="l">
-              <a:spcBef>
-                <a:spcPts val="0"/>
-              </a:spcBef>
-              <a:spcAft>
-                <a:spcPts val="0"/>
-              </a:spcAft>
-              <a:buNone/>
-            </a:pPr>
-            <a:r>
-              <a:t/>
-            </a:r>
-            <a:endParaRPr/>
-          </a:p>
-        </p:txBody>
-      </p:sp>
-    </p:spTree>
-  </p:cSld>
-  <p:clrMapOvr>
-    <a:masterClrMapping/>
-  </p:clrMapOvr>
-</p:notes>
-</file>
-
-<file path=ppt/notesSlides/notesSlide5.xml><?xml version="1.0" encoding="utf-8"?>
-<p:notes xmlns:a="http://schemas.openxmlformats.org/drawingml/2006/main" xmlns:r="http://schemas.openxmlformats.org/officeDocument/2006/relationships" xmlns:mc="http://schemas.openxmlformats.org/markup-compatibility/2006" xmlns:mv="urn:schemas-microsoft-com:mac:vml" xmlns:p="http://schemas.openxmlformats.org/presentationml/2006/main" xmlns:c="http://schemas.openxmlformats.org/drawingml/2006/chart" xmlns:dgm="http://schemas.openxmlformats.org/drawingml/2006/diagram" xmlns:o="urn:schemas-microsoft-com:office:office" xmlns:v="urn:schemas-microsoft-com:vml" xmlns:pvml="urn:schemas-microsoft-com:office:powerpoint" xmlns:com="http://schemas.openxmlformats.org/drawingml/2006/compatibility" xmlns:p14="http://schemas.microsoft.com/office/powerpoint/2010/main" xmlns:p15="http://schemas.microsoft.com/office/powerpoint/2012/main" xmlns:ahyp="http://schemas.microsoft.com/office/drawing/2018/hyperlinkcolor" showMasterPhAnim="0" showMasterSp="0">
-  <p:cSld>
-    <p:spTree>
-      <p:nvGrpSpPr>
-        <p:cNvPr id="93" name="Shape 93"/>
+        <p:cNvPr id="1" name="Shape 93"/>
         <p:cNvGrpSpPr/>
         <p:nvPr/>
       </p:nvGrpSpPr>
@@ -1117,20 +846,26 @@
       <p:sp>
         <p:nvSpPr>
           <p:cNvPr id="94" name="Google Shape;94;g2f21ab6bcb7_0_50:notes"/>
-          <p:cNvSpPr/>
+          <p:cNvSpPr>
+            <a:spLocks noGrp="1" noRot="1" noChangeAspect="1"/>
+          </p:cNvSpPr>
           <p:nvPr>
-            <p:ph idx="2" type="sldImg"/>
+            <p:ph type="sldImg" idx="2"/>
           </p:nvPr>
         </p:nvSpPr>
         <p:spPr>
           <a:xfrm>
-            <a:off x="381300" y="685800"/>
+            <a:off x="381000" y="685800"/>
             <a:ext cx="6096000" cy="3429000"/>
           </a:xfrm>
           <a:custGeom>
-            <a:rect b="b" l="l" r="r" t="t"/>
+            <a:avLst/>
+            <a:gdLst/>
+            <a:ahLst/>
+            <a:cxnLst/>
+            <a:rect l="l" t="t" r="r" b="b"/>
             <a:pathLst>
-              <a:path extrusionOk="0" h="120000" w="120000">
+              <a:path w="120000" h="120000" extrusionOk="0">
                 <a:moveTo>
                   <a:pt x="0" y="0"/>
                 </a:moveTo>
@@ -1152,9 +887,11 @@
       <p:sp>
         <p:nvSpPr>
           <p:cNvPr id="95" name="Google Shape;95;g2f21ab6bcb7_0_50:notes"/>
-          <p:cNvSpPr txBox="1"/>
+          <p:cNvSpPr txBox="1">
+            <a:spLocks noGrp="1"/>
+          </p:cNvSpPr>
           <p:nvPr>
-            <p:ph idx="1" type="body"/>
+            <p:ph type="body" idx="1"/>
           </p:nvPr>
         </p:nvSpPr>
         <p:spPr>
@@ -1167,12 +904,12 @@
           </a:prstGeom>
         </p:spPr>
         <p:txBody>
-          <a:bodyPr anchorCtr="0" anchor="t" bIns="91425" lIns="91425" spcFirstLastPara="1" rIns="91425" wrap="square" tIns="91425">
+          <a:bodyPr spcFirstLastPara="1" wrap="square" lIns="91425" tIns="91425" rIns="91425" bIns="91425" anchor="t" anchorCtr="0">
             <a:noAutofit/>
           </a:bodyPr>
           <a:lstStyle/>
           <a:p>
-            <a:pPr indent="0" lvl="0" marL="0" rtl="0" algn="l">
+            <a:pPr marL="0" lvl="0" indent="0" algn="l" rtl="0">
               <a:spcBef>
                 <a:spcPts val="0"/>
               </a:spcBef>
@@ -1181,9 +918,6 @@
               </a:spcAft>
               <a:buNone/>
             </a:pPr>
-            <a:r>
-              <a:t/>
-            </a:r>
             <a:endParaRPr/>
           </a:p>
         </p:txBody>
@@ -1196,12 +930,266 @@
 </p:notes>
 </file>
 
-<file path=ppt/notesSlides/notesSlide6.xml><?xml version="1.0" encoding="utf-8"?>
-<p:notes xmlns:a="http://schemas.openxmlformats.org/drawingml/2006/main" xmlns:r="http://schemas.openxmlformats.org/officeDocument/2006/relationships" xmlns:mc="http://schemas.openxmlformats.org/markup-compatibility/2006" xmlns:mv="urn:schemas-microsoft-com:mac:vml" xmlns:p="http://schemas.openxmlformats.org/presentationml/2006/main" xmlns:c="http://schemas.openxmlformats.org/drawingml/2006/chart" xmlns:dgm="http://schemas.openxmlformats.org/drawingml/2006/diagram" xmlns:o="urn:schemas-microsoft-com:office:office" xmlns:v="urn:schemas-microsoft-com:vml" xmlns:pvml="urn:schemas-microsoft-com:office:powerpoint" xmlns:com="http://schemas.openxmlformats.org/drawingml/2006/compatibility" xmlns:p14="http://schemas.microsoft.com/office/powerpoint/2010/main" xmlns:p15="http://schemas.microsoft.com/office/powerpoint/2012/main" xmlns:ahyp="http://schemas.microsoft.com/office/drawing/2018/hyperlinkcolor" showMasterPhAnim="0" showMasterSp="0">
+<file path=ppt/notesSlides/notesSlide3.xml><?xml version="1.0" encoding="utf-8"?>
+<p:notes xmlns:a="http://schemas.openxmlformats.org/drawingml/2006/main" xmlns:r="http://schemas.openxmlformats.org/officeDocument/2006/relationships" xmlns:p="http://schemas.openxmlformats.org/presentationml/2006/main" showMasterSp="0" showMasterPhAnim="0">
   <p:cSld>
     <p:spTree>
       <p:nvGrpSpPr>
-        <p:cNvPr id="97" name="Shape 97"/>
+        <p:cNvPr id="1" name="Shape 93">
+          <a:extLst>
+            <a:ext uri="{FF2B5EF4-FFF2-40B4-BE49-F238E27FC236}">
+              <a16:creationId xmlns:a16="http://schemas.microsoft.com/office/drawing/2014/main" id="{26787683-A138-7830-E850-B0A2AD8EB427}"/>
+            </a:ext>
+          </a:extLst>
+        </p:cNvPr>
+        <p:cNvGrpSpPr/>
+        <p:nvPr/>
+      </p:nvGrpSpPr>
+      <p:grpSpPr>
+        <a:xfrm>
+          <a:off x="0" y="0"/>
+          <a:ext cx="0" cy="0"/>
+          <a:chOff x="0" y="0"/>
+          <a:chExt cx="0" cy="0"/>
+        </a:xfrm>
+      </p:grpSpPr>
+      <p:sp>
+        <p:nvSpPr>
+          <p:cNvPr id="94" name="Google Shape;94;g2f21ab6bcb7_0_50:notes">
+            <a:extLst>
+              <a:ext uri="{FF2B5EF4-FFF2-40B4-BE49-F238E27FC236}">
+                <a16:creationId xmlns:a16="http://schemas.microsoft.com/office/drawing/2014/main" id="{247E5EC6-3661-080A-6F64-173424813E2B}"/>
+              </a:ext>
+            </a:extLst>
+          </p:cNvPr>
+          <p:cNvSpPr>
+            <a:spLocks noGrp="1" noRot="1" noChangeAspect="1"/>
+          </p:cNvSpPr>
+          <p:nvPr>
+            <p:ph type="sldImg" idx="2"/>
+          </p:nvPr>
+        </p:nvSpPr>
+        <p:spPr>
+          <a:xfrm>
+            <a:off x="381000" y="685800"/>
+            <a:ext cx="6096000" cy="3429000"/>
+          </a:xfrm>
+          <a:custGeom>
+            <a:avLst/>
+            <a:gdLst/>
+            <a:ahLst/>
+            <a:cxnLst/>
+            <a:rect l="l" t="t" r="r" b="b"/>
+            <a:pathLst>
+              <a:path w="120000" h="120000" extrusionOk="0">
+                <a:moveTo>
+                  <a:pt x="0" y="0"/>
+                </a:moveTo>
+                <a:lnTo>
+                  <a:pt x="120000" y="0"/>
+                </a:lnTo>
+                <a:lnTo>
+                  <a:pt x="120000" y="120000"/>
+                </a:lnTo>
+                <a:lnTo>
+                  <a:pt x="0" y="120000"/>
+                </a:lnTo>
+                <a:close/>
+              </a:path>
+            </a:pathLst>
+          </a:custGeom>
+        </p:spPr>
+      </p:sp>
+      <p:sp>
+        <p:nvSpPr>
+          <p:cNvPr id="95" name="Google Shape;95;g2f21ab6bcb7_0_50:notes">
+            <a:extLst>
+              <a:ext uri="{FF2B5EF4-FFF2-40B4-BE49-F238E27FC236}">
+                <a16:creationId xmlns:a16="http://schemas.microsoft.com/office/drawing/2014/main" id="{324ACCFD-81D2-5C2C-C8B1-3A2CC2C33606}"/>
+              </a:ext>
+            </a:extLst>
+          </p:cNvPr>
+          <p:cNvSpPr txBox="1">
+            <a:spLocks noGrp="1"/>
+          </p:cNvSpPr>
+          <p:nvPr>
+            <p:ph type="body" idx="1"/>
+          </p:nvPr>
+        </p:nvSpPr>
+        <p:spPr>
+          <a:xfrm>
+            <a:off x="685800" y="4343400"/>
+            <a:ext cx="5486400" cy="4114800"/>
+          </a:xfrm>
+          <a:prstGeom prst="rect">
+            <a:avLst/>
+          </a:prstGeom>
+        </p:spPr>
+        <p:txBody>
+          <a:bodyPr spcFirstLastPara="1" wrap="square" lIns="91425" tIns="91425" rIns="91425" bIns="91425" anchor="t" anchorCtr="0">
+            <a:noAutofit/>
+          </a:bodyPr>
+          <a:lstStyle/>
+          <a:p>
+            <a:pPr marL="0" lvl="0" indent="0" algn="l" rtl="0">
+              <a:spcBef>
+                <a:spcPts val="0"/>
+              </a:spcBef>
+              <a:spcAft>
+                <a:spcPts val="0"/>
+              </a:spcAft>
+              <a:buNone/>
+            </a:pPr>
+            <a:endParaRPr/>
+          </a:p>
+        </p:txBody>
+      </p:sp>
+    </p:spTree>
+    <p:extLst>
+      <p:ext uri="{BB962C8B-B14F-4D97-AF65-F5344CB8AC3E}">
+        <p14:creationId xmlns:p14="http://schemas.microsoft.com/office/powerpoint/2010/main" val="1293432922"/>
+      </p:ext>
+    </p:extLst>
+  </p:cSld>
+  <p:clrMapOvr>
+    <a:masterClrMapping/>
+  </p:clrMapOvr>
+</p:notes>
+</file>
+
+<file path=ppt/notesSlides/notesSlide4.xml><?xml version="1.0" encoding="utf-8"?>
+<p:notes xmlns:a="http://schemas.openxmlformats.org/drawingml/2006/main" xmlns:r="http://schemas.openxmlformats.org/officeDocument/2006/relationships" xmlns:p="http://schemas.openxmlformats.org/presentationml/2006/main" showMasterSp="0" showMasterPhAnim="0">
+  <p:cSld>
+    <p:spTree>
+      <p:nvGrpSpPr>
+        <p:cNvPr id="1" name="Shape 93">
+          <a:extLst>
+            <a:ext uri="{FF2B5EF4-FFF2-40B4-BE49-F238E27FC236}">
+              <a16:creationId xmlns:a16="http://schemas.microsoft.com/office/drawing/2014/main" id="{AF2913B8-E965-FB8B-1AF3-EE73401CB3B8}"/>
+            </a:ext>
+          </a:extLst>
+        </p:cNvPr>
+        <p:cNvGrpSpPr/>
+        <p:nvPr/>
+      </p:nvGrpSpPr>
+      <p:grpSpPr>
+        <a:xfrm>
+          <a:off x="0" y="0"/>
+          <a:ext cx="0" cy="0"/>
+          <a:chOff x="0" y="0"/>
+          <a:chExt cx="0" cy="0"/>
+        </a:xfrm>
+      </p:grpSpPr>
+      <p:sp>
+        <p:nvSpPr>
+          <p:cNvPr id="94" name="Google Shape;94;g2f21ab6bcb7_0_50:notes">
+            <a:extLst>
+              <a:ext uri="{FF2B5EF4-FFF2-40B4-BE49-F238E27FC236}">
+                <a16:creationId xmlns:a16="http://schemas.microsoft.com/office/drawing/2014/main" id="{5F4F0704-20AA-5FA7-0779-A4D008F54E64}"/>
+              </a:ext>
+            </a:extLst>
+          </p:cNvPr>
+          <p:cNvSpPr>
+            <a:spLocks noGrp="1" noRot="1" noChangeAspect="1"/>
+          </p:cNvSpPr>
+          <p:nvPr>
+            <p:ph type="sldImg" idx="2"/>
+          </p:nvPr>
+        </p:nvSpPr>
+        <p:spPr>
+          <a:xfrm>
+            <a:off x="381000" y="685800"/>
+            <a:ext cx="6096000" cy="3429000"/>
+          </a:xfrm>
+          <a:custGeom>
+            <a:avLst/>
+            <a:gdLst/>
+            <a:ahLst/>
+            <a:cxnLst/>
+            <a:rect l="l" t="t" r="r" b="b"/>
+            <a:pathLst>
+              <a:path w="120000" h="120000" extrusionOk="0">
+                <a:moveTo>
+                  <a:pt x="0" y="0"/>
+                </a:moveTo>
+                <a:lnTo>
+                  <a:pt x="120000" y="0"/>
+                </a:lnTo>
+                <a:lnTo>
+                  <a:pt x="120000" y="120000"/>
+                </a:lnTo>
+                <a:lnTo>
+                  <a:pt x="0" y="120000"/>
+                </a:lnTo>
+                <a:close/>
+              </a:path>
+            </a:pathLst>
+          </a:custGeom>
+        </p:spPr>
+      </p:sp>
+      <p:sp>
+        <p:nvSpPr>
+          <p:cNvPr id="95" name="Google Shape;95;g2f21ab6bcb7_0_50:notes">
+            <a:extLst>
+              <a:ext uri="{FF2B5EF4-FFF2-40B4-BE49-F238E27FC236}">
+                <a16:creationId xmlns:a16="http://schemas.microsoft.com/office/drawing/2014/main" id="{6975FC10-99E1-47FF-A7D3-84FAAF8D477F}"/>
+              </a:ext>
+            </a:extLst>
+          </p:cNvPr>
+          <p:cNvSpPr txBox="1">
+            <a:spLocks noGrp="1"/>
+          </p:cNvSpPr>
+          <p:nvPr>
+            <p:ph type="body" idx="1"/>
+          </p:nvPr>
+        </p:nvSpPr>
+        <p:spPr>
+          <a:xfrm>
+            <a:off x="685800" y="4343400"/>
+            <a:ext cx="5486400" cy="4114800"/>
+          </a:xfrm>
+          <a:prstGeom prst="rect">
+            <a:avLst/>
+          </a:prstGeom>
+        </p:spPr>
+        <p:txBody>
+          <a:bodyPr spcFirstLastPara="1" wrap="square" lIns="91425" tIns="91425" rIns="91425" bIns="91425" anchor="t" anchorCtr="0">
+            <a:noAutofit/>
+          </a:bodyPr>
+          <a:lstStyle/>
+          <a:p>
+            <a:pPr marL="0" lvl="0" indent="0" algn="l" rtl="0">
+              <a:spcBef>
+                <a:spcPts val="0"/>
+              </a:spcBef>
+              <a:spcAft>
+                <a:spcPts val="0"/>
+              </a:spcAft>
+              <a:buNone/>
+            </a:pPr>
+            <a:endParaRPr/>
+          </a:p>
+        </p:txBody>
+      </p:sp>
+    </p:spTree>
+    <p:extLst>
+      <p:ext uri="{BB962C8B-B14F-4D97-AF65-F5344CB8AC3E}">
+        <p14:creationId xmlns:p14="http://schemas.microsoft.com/office/powerpoint/2010/main" val="3050649452"/>
+      </p:ext>
+    </p:extLst>
+  </p:cSld>
+  <p:clrMapOvr>
+    <a:masterClrMapping/>
+  </p:clrMapOvr>
+</p:notes>
+</file>
+
+<file path=ppt/notesSlides/notesSlide5.xml><?xml version="1.0" encoding="utf-8"?>
+<p:notes xmlns:a="http://schemas.openxmlformats.org/drawingml/2006/main" xmlns:r="http://schemas.openxmlformats.org/officeDocument/2006/relationships" xmlns:p="http://schemas.openxmlformats.org/presentationml/2006/main" showMasterSp="0" showMasterPhAnim="0">
+  <p:cSld>
+    <p:spTree>
+      <p:nvGrpSpPr>
+        <p:cNvPr id="1" name="Shape 97"/>
         <p:cNvGrpSpPr/>
         <p:nvPr/>
       </p:nvGrpSpPr>
@@ -1216,20 +1204,26 @@
       <p:sp>
         <p:nvSpPr>
           <p:cNvPr id="98" name="Google Shape;98;g2f21ab6bcb7_0_75:notes"/>
-          <p:cNvSpPr/>
+          <p:cNvSpPr>
+            <a:spLocks noGrp="1" noRot="1" noChangeAspect="1"/>
+          </p:cNvSpPr>
           <p:nvPr>
-            <p:ph idx="2" type="sldImg"/>
+            <p:ph type="sldImg" idx="2"/>
           </p:nvPr>
         </p:nvSpPr>
         <p:spPr>
           <a:xfrm>
-            <a:off x="381300" y="685800"/>
+            <a:off x="381000" y="685800"/>
             <a:ext cx="6096000" cy="3429000"/>
           </a:xfrm>
           <a:custGeom>
-            <a:rect b="b" l="l" r="r" t="t"/>
+            <a:avLst/>
+            <a:gdLst/>
+            <a:ahLst/>
+            <a:cxnLst/>
+            <a:rect l="l" t="t" r="r" b="b"/>
             <a:pathLst>
-              <a:path extrusionOk="0" h="120000" w="120000">
+              <a:path w="120000" h="120000" extrusionOk="0">
                 <a:moveTo>
                   <a:pt x="0" y="0"/>
                 </a:moveTo>
@@ -1251,9 +1245,11 @@
       <p:sp>
         <p:nvSpPr>
           <p:cNvPr id="99" name="Google Shape;99;g2f21ab6bcb7_0_75:notes"/>
-          <p:cNvSpPr txBox="1"/>
+          <p:cNvSpPr txBox="1">
+            <a:spLocks noGrp="1"/>
+          </p:cNvSpPr>
           <p:nvPr>
-            <p:ph idx="1" type="body"/>
+            <p:ph type="body" idx="1"/>
           </p:nvPr>
         </p:nvSpPr>
         <p:spPr>
@@ -1266,12 +1262,12 @@
           </a:prstGeom>
         </p:spPr>
         <p:txBody>
-          <a:bodyPr anchorCtr="0" anchor="t" bIns="91425" lIns="91425" spcFirstLastPara="1" rIns="91425" wrap="square" tIns="91425">
+          <a:bodyPr spcFirstLastPara="1" wrap="square" lIns="91425" tIns="91425" rIns="91425" bIns="91425" anchor="t" anchorCtr="0">
             <a:noAutofit/>
           </a:bodyPr>
           <a:lstStyle/>
           <a:p>
-            <a:pPr indent="0" lvl="0" marL="0" rtl="0" algn="l">
+            <a:pPr marL="0" lvl="0" indent="0" algn="l" rtl="0">
               <a:spcBef>
                 <a:spcPts val="0"/>
               </a:spcBef>
@@ -1280,9 +1276,6 @@
               </a:spcAft>
               <a:buNone/>
             </a:pPr>
-            <a:r>
-              <a:t/>
-            </a:r>
             <a:endParaRPr/>
           </a:p>
         </p:txBody>
@@ -1296,11 +1289,11 @@
 </file>
 
 <file path=ppt/slideLayouts/slideLayout1.xml><?xml version="1.0" encoding="utf-8"?>
-<p:sldLayout xmlns:a="http://schemas.openxmlformats.org/drawingml/2006/main" xmlns:r="http://schemas.openxmlformats.org/officeDocument/2006/relationships" xmlns:mc="http://schemas.openxmlformats.org/markup-compatibility/2006" xmlns:mv="urn:schemas-microsoft-com:mac:vml" xmlns:p="http://schemas.openxmlformats.org/presentationml/2006/main" xmlns:c="http://schemas.openxmlformats.org/drawingml/2006/chart" xmlns:dgm="http://schemas.openxmlformats.org/drawingml/2006/diagram" xmlns:o="urn:schemas-microsoft-com:office:office" xmlns:v="urn:schemas-microsoft-com:vml" xmlns:pvml="urn:schemas-microsoft-com:office:powerpoint" xmlns:com="http://schemas.openxmlformats.org/drawingml/2006/compatibility" xmlns:p14="http://schemas.microsoft.com/office/powerpoint/2010/main" xmlns:p15="http://schemas.microsoft.com/office/powerpoint/2012/main" xmlns:ahyp="http://schemas.microsoft.com/office/drawing/2018/hyperlinkcolor" matchingName="Title slide" type="title">
+<p:sldLayout xmlns:a="http://schemas.openxmlformats.org/drawingml/2006/main" xmlns:r="http://schemas.openxmlformats.org/officeDocument/2006/relationships" xmlns:p="http://schemas.openxmlformats.org/presentationml/2006/main" matchingName="Title slide" type="title">
   <p:cSld name="TITLE">
     <p:spTree>
       <p:nvGrpSpPr>
-        <p:cNvPr id="9" name="Shape 9"/>
+        <p:cNvPr id="1" name="Shape 9"/>
         <p:cNvGrpSpPr/>
         <p:nvPr/>
       </p:nvGrpSpPr>
@@ -1315,7 +1308,9 @@
       <p:sp>
         <p:nvSpPr>
           <p:cNvPr id="10" name="Google Shape;10;p2"/>
-          <p:cNvSpPr txBox="1"/>
+          <p:cNvSpPr txBox="1">
+            <a:spLocks noGrp="1"/>
+          </p:cNvSpPr>
           <p:nvPr>
             <p:ph type="ctrTitle"/>
           </p:nvPr>
@@ -1330,7 +1325,7 @@
           </a:prstGeom>
         </p:spPr>
         <p:txBody>
-          <a:bodyPr anchorCtr="0" anchor="b" bIns="91425" lIns="91425" spcFirstLastPara="1" rIns="91425" wrap="square" tIns="91425">
+          <a:bodyPr spcFirstLastPara="1" wrap="square" lIns="91425" tIns="91425" rIns="91425" bIns="91425" anchor="b" anchorCtr="0">
             <a:normAutofit/>
           </a:bodyPr>
           <a:lstStyle>
@@ -1434,15 +1429,19 @@
               <a:defRPr sz="5200"/>
             </a:lvl9pPr>
           </a:lstStyle>
-          <a:p/>
+          <a:p>
+            <a:endParaRPr/>
+          </a:p>
         </p:txBody>
       </p:sp>
       <p:sp>
         <p:nvSpPr>
           <p:cNvPr id="11" name="Google Shape;11;p2"/>
-          <p:cNvSpPr txBox="1"/>
+          <p:cNvSpPr txBox="1">
+            <a:spLocks noGrp="1"/>
+          </p:cNvSpPr>
           <p:nvPr>
-            <p:ph idx="1" type="subTitle"/>
+            <p:ph type="subTitle" idx="1"/>
           </p:nvPr>
         </p:nvSpPr>
         <p:spPr>
@@ -1455,7 +1454,7 @@
           </a:prstGeom>
         </p:spPr>
         <p:txBody>
-          <a:bodyPr anchorCtr="0" anchor="t" bIns="91425" lIns="91425" spcFirstLastPara="1" rIns="91425" wrap="square" tIns="91425">
+          <a:bodyPr spcFirstLastPara="1" wrap="square" lIns="91425" tIns="91425" rIns="91425" bIns="91425" anchor="t" anchorCtr="0">
             <a:normAutofit/>
           </a:bodyPr>
           <a:lstStyle>
@@ -1586,15 +1585,19 @@
               <a:defRPr sz="2800"/>
             </a:lvl9pPr>
           </a:lstStyle>
-          <a:p/>
+          <a:p>
+            <a:endParaRPr/>
+          </a:p>
         </p:txBody>
       </p:sp>
       <p:sp>
         <p:nvSpPr>
           <p:cNvPr id="12" name="Google Shape;12;p2"/>
-          <p:cNvSpPr txBox="1"/>
+          <p:cNvSpPr txBox="1">
+            <a:spLocks noGrp="1"/>
+          </p:cNvSpPr>
           <p:nvPr>
-            <p:ph idx="12" type="sldNum"/>
+            <p:ph type="sldNum" idx="12"/>
           </p:nvPr>
         </p:nvSpPr>
         <p:spPr>
@@ -1607,7 +1610,7 @@
           </a:prstGeom>
         </p:spPr>
         <p:txBody>
-          <a:bodyPr anchorCtr="0" anchor="ctr" bIns="91425" lIns="91425" spcFirstLastPara="1" rIns="91425" wrap="square" tIns="91425">
+          <a:bodyPr spcFirstLastPara="1" wrap="square" lIns="91425" tIns="91425" rIns="91425" bIns="91425" anchor="ctr" anchorCtr="0">
             <a:normAutofit/>
           </a:bodyPr>
           <a:lstStyle>
@@ -1649,7 +1652,7 @@
             </a:lvl9pPr>
           </a:lstStyle>
           <a:p>
-            <a:pPr indent="0" lvl="0" marL="0" rtl="0" algn="r">
+            <a:pPr marL="0" lvl="0" indent="0" algn="r" rtl="0">
               <a:spcBef>
                 <a:spcPts val="0"/>
               </a:spcBef>
@@ -1675,11 +1678,11 @@
 </file>
 
 <file path=ppt/slideLayouts/slideLayout10.xml><?xml version="1.0" encoding="utf-8"?>
-<p:sldLayout xmlns:a="http://schemas.openxmlformats.org/drawingml/2006/main" xmlns:r="http://schemas.openxmlformats.org/officeDocument/2006/relationships" xmlns:mc="http://schemas.openxmlformats.org/markup-compatibility/2006" xmlns:mv="urn:schemas-microsoft-com:mac:vml" xmlns:p="http://schemas.openxmlformats.org/presentationml/2006/main" xmlns:c="http://schemas.openxmlformats.org/drawingml/2006/chart" xmlns:dgm="http://schemas.openxmlformats.org/drawingml/2006/diagram" xmlns:o="urn:schemas-microsoft-com:office:office" xmlns:v="urn:schemas-microsoft-com:vml" xmlns:pvml="urn:schemas-microsoft-com:office:powerpoint" xmlns:com="http://schemas.openxmlformats.org/drawingml/2006/compatibility" xmlns:p14="http://schemas.microsoft.com/office/powerpoint/2010/main" xmlns:p15="http://schemas.microsoft.com/office/powerpoint/2012/main" xmlns:ahyp="http://schemas.microsoft.com/office/drawing/2018/hyperlinkcolor" matchingName="Big number">
-  <p:cSld name="BIG_NUMBER">
+<p:sldLayout xmlns:a="http://schemas.openxmlformats.org/drawingml/2006/main" xmlns:r="http://schemas.openxmlformats.org/officeDocument/2006/relationships" xmlns:p="http://schemas.openxmlformats.org/presentationml/2006/main" matchingName="Blank" type="blank">
+  <p:cSld name="BLANK">
     <p:spTree>
       <p:nvGrpSpPr>
-        <p:cNvPr id="44" name="Shape 44"/>
+        <p:cNvPr id="1" name="Shape 48"/>
         <p:cNvGrpSpPr/>
         <p:nvPr/>
       </p:nvGrpSpPr>
@@ -1693,264 +1696,12 @@
       </p:grpSpPr>
       <p:sp>
         <p:nvSpPr>
-          <p:cNvPr id="45" name="Google Shape;45;p11"/>
-          <p:cNvSpPr txBox="1"/>
+          <p:cNvPr id="49" name="Google Shape;49;p12"/>
+          <p:cNvSpPr txBox="1">
+            <a:spLocks noGrp="1"/>
+          </p:cNvSpPr>
           <p:nvPr>
-            <p:ph hasCustomPrompt="1" type="title"/>
-          </p:nvPr>
-        </p:nvSpPr>
-        <p:spPr>
-          <a:xfrm>
-            <a:off x="311700" y="1106125"/>
-            <a:ext cx="8520600" cy="1963500"/>
-          </a:xfrm>
-          <a:prstGeom prst="rect">
-            <a:avLst/>
-          </a:prstGeom>
-        </p:spPr>
-        <p:txBody>
-          <a:bodyPr anchorCtr="0" anchor="b" bIns="91425" lIns="91425" spcFirstLastPara="1" rIns="91425" wrap="square" tIns="91425">
-            <a:normAutofit/>
-          </a:bodyPr>
-          <a:lstStyle>
-            <a:lvl1pPr lvl="0" algn="ctr">
-              <a:spcBef>
-                <a:spcPts val="0"/>
-              </a:spcBef>
-              <a:spcAft>
-                <a:spcPts val="0"/>
-              </a:spcAft>
-              <a:buSzPts val="12000"/>
-              <a:buNone/>
-              <a:defRPr sz="12000"/>
-            </a:lvl1pPr>
-            <a:lvl2pPr lvl="1" algn="ctr">
-              <a:spcBef>
-                <a:spcPts val="0"/>
-              </a:spcBef>
-              <a:spcAft>
-                <a:spcPts val="0"/>
-              </a:spcAft>
-              <a:buSzPts val="12000"/>
-              <a:buNone/>
-              <a:defRPr sz="12000"/>
-            </a:lvl2pPr>
-            <a:lvl3pPr lvl="2" algn="ctr">
-              <a:spcBef>
-                <a:spcPts val="0"/>
-              </a:spcBef>
-              <a:spcAft>
-                <a:spcPts val="0"/>
-              </a:spcAft>
-              <a:buSzPts val="12000"/>
-              <a:buNone/>
-              <a:defRPr sz="12000"/>
-            </a:lvl3pPr>
-            <a:lvl4pPr lvl="3" algn="ctr">
-              <a:spcBef>
-                <a:spcPts val="0"/>
-              </a:spcBef>
-              <a:spcAft>
-                <a:spcPts val="0"/>
-              </a:spcAft>
-              <a:buSzPts val="12000"/>
-              <a:buNone/>
-              <a:defRPr sz="12000"/>
-            </a:lvl4pPr>
-            <a:lvl5pPr lvl="4" algn="ctr">
-              <a:spcBef>
-                <a:spcPts val="0"/>
-              </a:spcBef>
-              <a:spcAft>
-                <a:spcPts val="0"/>
-              </a:spcAft>
-              <a:buSzPts val="12000"/>
-              <a:buNone/>
-              <a:defRPr sz="12000"/>
-            </a:lvl5pPr>
-            <a:lvl6pPr lvl="5" algn="ctr">
-              <a:spcBef>
-                <a:spcPts val="0"/>
-              </a:spcBef>
-              <a:spcAft>
-                <a:spcPts val="0"/>
-              </a:spcAft>
-              <a:buSzPts val="12000"/>
-              <a:buNone/>
-              <a:defRPr sz="12000"/>
-            </a:lvl6pPr>
-            <a:lvl7pPr lvl="6" algn="ctr">
-              <a:spcBef>
-                <a:spcPts val="0"/>
-              </a:spcBef>
-              <a:spcAft>
-                <a:spcPts val="0"/>
-              </a:spcAft>
-              <a:buSzPts val="12000"/>
-              <a:buNone/>
-              <a:defRPr sz="12000"/>
-            </a:lvl7pPr>
-            <a:lvl8pPr lvl="7" algn="ctr">
-              <a:spcBef>
-                <a:spcPts val="0"/>
-              </a:spcBef>
-              <a:spcAft>
-                <a:spcPts val="0"/>
-              </a:spcAft>
-              <a:buSzPts val="12000"/>
-              <a:buNone/>
-              <a:defRPr sz="12000"/>
-            </a:lvl8pPr>
-            <a:lvl9pPr lvl="8" algn="ctr">
-              <a:spcBef>
-                <a:spcPts val="0"/>
-              </a:spcBef>
-              <a:spcAft>
-                <a:spcPts val="0"/>
-              </a:spcAft>
-              <a:buSzPts val="12000"/>
-              <a:buNone/>
-              <a:defRPr sz="12000"/>
-            </a:lvl9pPr>
-          </a:lstStyle>
-          <a:p>
-            <a:r>
-              <a:t>xx%</a:t>
-            </a:r>
-          </a:p>
-        </p:txBody>
-      </p:sp>
-      <p:sp>
-        <p:nvSpPr>
-          <p:cNvPr id="46" name="Google Shape;46;p11"/>
-          <p:cNvSpPr txBox="1"/>
-          <p:nvPr>
-            <p:ph idx="1" type="body"/>
-          </p:nvPr>
-        </p:nvSpPr>
-        <p:spPr>
-          <a:xfrm>
-            <a:off x="311700" y="3152225"/>
-            <a:ext cx="8520600" cy="1300800"/>
-          </a:xfrm>
-          <a:prstGeom prst="rect">
-            <a:avLst/>
-          </a:prstGeom>
-        </p:spPr>
-        <p:txBody>
-          <a:bodyPr anchorCtr="0" anchor="t" bIns="91425" lIns="91425" spcFirstLastPara="1" rIns="91425" wrap="square" tIns="91425">
-            <a:normAutofit/>
-          </a:bodyPr>
-          <a:lstStyle>
-            <a:lvl1pPr indent="-342900" lvl="0" marL="457200" algn="ctr">
-              <a:spcBef>
-                <a:spcPts val="0"/>
-              </a:spcBef>
-              <a:spcAft>
-                <a:spcPts val="0"/>
-              </a:spcAft>
-              <a:buSzPts val="1800"/>
-              <a:buChar char="●"/>
-              <a:defRPr/>
-            </a:lvl1pPr>
-            <a:lvl2pPr indent="-317500" lvl="1" marL="914400" algn="ctr">
-              <a:spcBef>
-                <a:spcPts val="0"/>
-              </a:spcBef>
-              <a:spcAft>
-                <a:spcPts val="0"/>
-              </a:spcAft>
-              <a:buSzPts val="1400"/>
-              <a:buChar char="○"/>
-              <a:defRPr/>
-            </a:lvl2pPr>
-            <a:lvl3pPr indent="-317500" lvl="2" marL="1371600" algn="ctr">
-              <a:spcBef>
-                <a:spcPts val="0"/>
-              </a:spcBef>
-              <a:spcAft>
-                <a:spcPts val="0"/>
-              </a:spcAft>
-              <a:buSzPts val="1400"/>
-              <a:buChar char="■"/>
-              <a:defRPr/>
-            </a:lvl3pPr>
-            <a:lvl4pPr indent="-317500" lvl="3" marL="1828800" algn="ctr">
-              <a:spcBef>
-                <a:spcPts val="0"/>
-              </a:spcBef>
-              <a:spcAft>
-                <a:spcPts val="0"/>
-              </a:spcAft>
-              <a:buSzPts val="1400"/>
-              <a:buChar char="●"/>
-              <a:defRPr/>
-            </a:lvl4pPr>
-            <a:lvl5pPr indent="-317500" lvl="4" marL="2286000" algn="ctr">
-              <a:spcBef>
-                <a:spcPts val="0"/>
-              </a:spcBef>
-              <a:spcAft>
-                <a:spcPts val="0"/>
-              </a:spcAft>
-              <a:buSzPts val="1400"/>
-              <a:buChar char="○"/>
-              <a:defRPr/>
-            </a:lvl5pPr>
-            <a:lvl6pPr indent="-317500" lvl="5" marL="2743200" algn="ctr">
-              <a:spcBef>
-                <a:spcPts val="0"/>
-              </a:spcBef>
-              <a:spcAft>
-                <a:spcPts val="0"/>
-              </a:spcAft>
-              <a:buSzPts val="1400"/>
-              <a:buChar char="■"/>
-              <a:defRPr/>
-            </a:lvl6pPr>
-            <a:lvl7pPr indent="-317500" lvl="6" marL="3200400" algn="ctr">
-              <a:spcBef>
-                <a:spcPts val="0"/>
-              </a:spcBef>
-              <a:spcAft>
-                <a:spcPts val="0"/>
-              </a:spcAft>
-              <a:buSzPts val="1400"/>
-              <a:buChar char="●"/>
-              <a:defRPr/>
-            </a:lvl7pPr>
-            <a:lvl8pPr indent="-317500" lvl="7" marL="3657600" algn="ctr">
-              <a:spcBef>
-                <a:spcPts val="0"/>
-              </a:spcBef>
-              <a:spcAft>
-                <a:spcPts val="0"/>
-              </a:spcAft>
-              <a:buSzPts val="1400"/>
-              <a:buChar char="○"/>
-              <a:defRPr/>
-            </a:lvl8pPr>
-            <a:lvl9pPr indent="-317500" lvl="8" marL="4114800" algn="ctr">
-              <a:spcBef>
-                <a:spcPts val="0"/>
-              </a:spcBef>
-              <a:spcAft>
-                <a:spcPts val="0"/>
-              </a:spcAft>
-              <a:buSzPts val="1400"/>
-              <a:buChar char="■"/>
-              <a:defRPr/>
-            </a:lvl9pPr>
-          </a:lstStyle>
-          <a:p/>
-        </p:txBody>
-      </p:sp>
-      <p:sp>
-        <p:nvSpPr>
-          <p:cNvPr id="47" name="Google Shape;47;p11"/>
-          <p:cNvSpPr txBox="1"/>
-          <p:nvPr>
-            <p:ph idx="12" type="sldNum"/>
+            <p:ph type="sldNum" idx="12"/>
           </p:nvPr>
         </p:nvSpPr>
         <p:spPr>
@@ -1963,7 +1714,7 @@
           </a:prstGeom>
         </p:spPr>
         <p:txBody>
-          <a:bodyPr anchorCtr="0" anchor="ctr" bIns="91425" lIns="91425" spcFirstLastPara="1" rIns="91425" wrap="square" tIns="91425">
+          <a:bodyPr spcFirstLastPara="1" wrap="square" lIns="91425" tIns="91425" rIns="91425" bIns="91425" anchor="ctr" anchorCtr="0">
             <a:normAutofit/>
           </a:bodyPr>
           <a:lstStyle>
@@ -2005,7 +1756,7 @@
             </a:lvl9pPr>
           </a:lstStyle>
           <a:p>
-            <a:pPr indent="0" lvl="0" marL="0" rtl="0" algn="r">
+            <a:pPr marL="0" lvl="0" indent="0" algn="r" rtl="0">
               <a:spcBef>
                 <a:spcPts val="0"/>
               </a:spcBef>
@@ -2031,113 +1782,11 @@
 </file>
 
 <file path=ppt/slideLayouts/slideLayout11.xml><?xml version="1.0" encoding="utf-8"?>
-<p:sldLayout xmlns:a="http://schemas.openxmlformats.org/drawingml/2006/main" xmlns:r="http://schemas.openxmlformats.org/officeDocument/2006/relationships" xmlns:mc="http://schemas.openxmlformats.org/markup-compatibility/2006" xmlns:mv="urn:schemas-microsoft-com:mac:vml" xmlns:p="http://schemas.openxmlformats.org/presentationml/2006/main" xmlns:c="http://schemas.openxmlformats.org/drawingml/2006/chart" xmlns:dgm="http://schemas.openxmlformats.org/drawingml/2006/diagram" xmlns:o="urn:schemas-microsoft-com:office:office" xmlns:v="urn:schemas-microsoft-com:vml" xmlns:pvml="urn:schemas-microsoft-com:office:powerpoint" xmlns:com="http://schemas.openxmlformats.org/drawingml/2006/compatibility" xmlns:p14="http://schemas.microsoft.com/office/powerpoint/2010/main" xmlns:p15="http://schemas.microsoft.com/office/powerpoint/2012/main" xmlns:ahyp="http://schemas.microsoft.com/office/drawing/2018/hyperlinkcolor" matchingName="Blank" type="blank">
-  <p:cSld name="BLANK">
-    <p:spTree>
-      <p:nvGrpSpPr>
-        <p:cNvPr id="48" name="Shape 48"/>
-        <p:cNvGrpSpPr/>
-        <p:nvPr/>
-      </p:nvGrpSpPr>
-      <p:grpSpPr>
-        <a:xfrm>
-          <a:off x="0" y="0"/>
-          <a:ext cx="0" cy="0"/>
-          <a:chOff x="0" y="0"/>
-          <a:chExt cx="0" cy="0"/>
-        </a:xfrm>
-      </p:grpSpPr>
-      <p:sp>
-        <p:nvSpPr>
-          <p:cNvPr id="49" name="Google Shape;49;p12"/>
-          <p:cNvSpPr txBox="1"/>
-          <p:nvPr>
-            <p:ph idx="12" type="sldNum"/>
-          </p:nvPr>
-        </p:nvSpPr>
-        <p:spPr>
-          <a:xfrm>
-            <a:off x="8472458" y="4663217"/>
-            <a:ext cx="548700" cy="393600"/>
-          </a:xfrm>
-          <a:prstGeom prst="rect">
-            <a:avLst/>
-          </a:prstGeom>
-        </p:spPr>
-        <p:txBody>
-          <a:bodyPr anchorCtr="0" anchor="ctr" bIns="91425" lIns="91425" spcFirstLastPara="1" rIns="91425" wrap="square" tIns="91425">
-            <a:normAutofit/>
-          </a:bodyPr>
-          <a:lstStyle>
-            <a:lvl1pPr lvl="0">
-              <a:buNone/>
-              <a:defRPr/>
-            </a:lvl1pPr>
-            <a:lvl2pPr lvl="1">
-              <a:buNone/>
-              <a:defRPr/>
-            </a:lvl2pPr>
-            <a:lvl3pPr lvl="2">
-              <a:buNone/>
-              <a:defRPr/>
-            </a:lvl3pPr>
-            <a:lvl4pPr lvl="3">
-              <a:buNone/>
-              <a:defRPr/>
-            </a:lvl4pPr>
-            <a:lvl5pPr lvl="4">
-              <a:buNone/>
-              <a:defRPr/>
-            </a:lvl5pPr>
-            <a:lvl6pPr lvl="5">
-              <a:buNone/>
-              <a:defRPr/>
-            </a:lvl6pPr>
-            <a:lvl7pPr lvl="6">
-              <a:buNone/>
-              <a:defRPr/>
-            </a:lvl7pPr>
-            <a:lvl8pPr lvl="7">
-              <a:buNone/>
-              <a:defRPr/>
-            </a:lvl8pPr>
-            <a:lvl9pPr lvl="8">
-              <a:buNone/>
-              <a:defRPr/>
-            </a:lvl9pPr>
-          </a:lstStyle>
-          <a:p>
-            <a:pPr indent="0" lvl="0" marL="0" rtl="0" algn="r">
-              <a:spcBef>
-                <a:spcPts val="0"/>
-              </a:spcBef>
-              <a:spcAft>
-                <a:spcPts val="0"/>
-              </a:spcAft>
-              <a:buNone/>
-            </a:pPr>
-            <a:fld id="{00000000-1234-1234-1234-123412341234}" type="slidenum">
-              <a:rPr lang="en"/>
-              <a:t>‹#›</a:t>
-            </a:fld>
-            <a:endParaRPr/>
-          </a:p>
-        </p:txBody>
-      </p:sp>
-    </p:spTree>
-  </p:cSld>
-  <p:clrMapOvr>
-    <a:masterClrMapping/>
-  </p:clrMapOvr>
-</p:sldLayout>
-</file>
-
-<file path=ppt/slideLayouts/slideLayout12.xml><?xml version="1.0" encoding="utf-8"?>
-<p:sldLayout xmlns:a="http://schemas.openxmlformats.org/drawingml/2006/main" xmlns:r="http://schemas.openxmlformats.org/officeDocument/2006/relationships" xmlns:mc="http://schemas.openxmlformats.org/markup-compatibility/2006" xmlns:mv="urn:schemas-microsoft-com:mac:vml" xmlns:p="http://schemas.openxmlformats.org/presentationml/2006/main" xmlns:c="http://schemas.openxmlformats.org/drawingml/2006/chart" xmlns:dgm="http://schemas.openxmlformats.org/drawingml/2006/diagram" xmlns:o="urn:schemas-microsoft-com:office:office" xmlns:v="urn:schemas-microsoft-com:vml" xmlns:pvml="urn:schemas-microsoft-com:office:powerpoint" xmlns:com="http://schemas.openxmlformats.org/drawingml/2006/compatibility" xmlns:p14="http://schemas.microsoft.com/office/powerpoint/2010/main" xmlns:p15="http://schemas.microsoft.com/office/powerpoint/2012/main" xmlns:ahyp="http://schemas.microsoft.com/office/drawing/2018/hyperlinkcolor" matchingName="Section header 1 1 1">
+<p:sldLayout xmlns:a="http://schemas.openxmlformats.org/drawingml/2006/main" xmlns:r="http://schemas.openxmlformats.org/officeDocument/2006/relationships" xmlns:p="http://schemas.openxmlformats.org/presentationml/2006/main" matchingName="Section header 1 1 1">
   <p:cSld name="SECTION_HEADER_1_1_1">
     <p:spTree>
       <p:nvGrpSpPr>
-        <p:cNvPr id="50" name="Shape 50"/>
+        <p:cNvPr id="1" name="Shape 50"/>
         <p:cNvGrpSpPr/>
         <p:nvPr/>
       </p:nvGrpSpPr>
@@ -2159,7 +1808,7 @@
           <a:blip r:embed="rId2">
             <a:alphaModFix/>
           </a:blip>
-          <a:srcRect b="0" l="0" r="0" t="0"/>
+          <a:srcRect/>
           <a:stretch/>
         </p:blipFill>
         <p:spPr>
@@ -2179,9 +1828,11 @@
       <p:sp>
         <p:nvSpPr>
           <p:cNvPr id="52" name="Google Shape;52;p13"/>
-          <p:cNvSpPr/>
+          <p:cNvSpPr>
+            <a:spLocks noGrp="1"/>
+          </p:cNvSpPr>
           <p:nvPr>
-            <p:ph idx="2" type="pic"/>
+            <p:ph type="pic" idx="2"/>
           </p:nvPr>
         </p:nvSpPr>
         <p:spPr>
@@ -2218,12 +1869,12 @@
           </a:ln>
         </p:spPr>
         <p:txBody>
-          <a:bodyPr anchorCtr="0" anchor="t" bIns="91425" lIns="91425" spcFirstLastPara="1" rIns="91425" wrap="square" tIns="91425">
+          <a:bodyPr spcFirstLastPara="1" wrap="square" lIns="91425" tIns="91425" rIns="91425" bIns="91425" anchor="t" anchorCtr="0">
             <a:spAutoFit/>
           </a:bodyPr>
           <a:lstStyle/>
           <a:p>
-            <a:pPr indent="0" lvl="0" marL="0" rtl="0" algn="ctr">
+            <a:pPr marL="0" lvl="0" indent="0" algn="ctr" rtl="0">
               <a:lnSpc>
                 <a:spcPct val="115000"/>
               </a:lnSpc>
@@ -2236,7 +1887,7 @@
               <a:buNone/>
             </a:pPr>
             <a:r>
-              <a:rPr b="1" lang="en" sz="1700">
+              <a:rPr lang="en" sz="1700" b="1">
                 <a:solidFill>
                   <a:srgbClr val="FFDE14"/>
                 </a:solidFill>
@@ -2247,7 +1898,7 @@
               </a:rPr>
               <a:t>Name</a:t>
             </a:r>
-            <a:endParaRPr b="1" sz="1700">
+            <a:endParaRPr sz="1700" b="1">
               <a:solidFill>
                 <a:srgbClr val="FFDE14"/>
               </a:solidFill>
@@ -2258,7 +1909,7 @@
             </a:endParaRPr>
           </a:p>
           <a:p>
-            <a:pPr indent="0" lvl="0" marL="0" rtl="0" algn="ctr">
+            <a:pPr marL="0" lvl="0" indent="0" algn="ctr" rtl="0">
               <a:lnSpc>
                 <a:spcPct val="115000"/>
               </a:lnSpc>
@@ -2297,9 +1948,11 @@
       <p:sp>
         <p:nvSpPr>
           <p:cNvPr id="54" name="Google Shape;54;p13"/>
-          <p:cNvSpPr/>
+          <p:cNvSpPr>
+            <a:spLocks noGrp="1"/>
+          </p:cNvSpPr>
           <p:nvPr>
-            <p:ph idx="3" type="pic"/>
+            <p:ph type="pic" idx="3"/>
           </p:nvPr>
         </p:nvSpPr>
         <p:spPr>
@@ -2336,12 +1989,12 @@
           </a:ln>
         </p:spPr>
         <p:txBody>
-          <a:bodyPr anchorCtr="0" anchor="t" bIns="91425" lIns="91425" spcFirstLastPara="1" rIns="91425" wrap="square" tIns="91425">
+          <a:bodyPr spcFirstLastPara="1" wrap="square" lIns="91425" tIns="91425" rIns="91425" bIns="91425" anchor="t" anchorCtr="0">
             <a:spAutoFit/>
           </a:bodyPr>
           <a:lstStyle/>
           <a:p>
-            <a:pPr indent="0" lvl="0" marL="0" rtl="0" algn="ctr">
+            <a:pPr marL="0" lvl="0" indent="0" algn="ctr" rtl="0">
               <a:lnSpc>
                 <a:spcPct val="115000"/>
               </a:lnSpc>
@@ -2354,7 +2007,7 @@
               <a:buNone/>
             </a:pPr>
             <a:r>
-              <a:rPr b="1" lang="en" sz="1700">
+              <a:rPr lang="en" sz="1700" b="1">
                 <a:solidFill>
                   <a:srgbClr val="FFDE14"/>
                 </a:solidFill>
@@ -2365,7 +2018,7 @@
               </a:rPr>
               <a:t>Name</a:t>
             </a:r>
-            <a:endParaRPr b="1" sz="1700">
+            <a:endParaRPr sz="1700" b="1">
               <a:solidFill>
                 <a:srgbClr val="FFDE14"/>
               </a:solidFill>
@@ -2376,7 +2029,7 @@
             </a:endParaRPr>
           </a:p>
           <a:p>
-            <a:pPr indent="0" lvl="0" marL="0" rtl="0" algn="ctr">
+            <a:pPr marL="0" lvl="0" indent="0" algn="ctr" rtl="0">
               <a:lnSpc>
                 <a:spcPct val="115000"/>
               </a:lnSpc>
@@ -2415,9 +2068,11 @@
       <p:sp>
         <p:nvSpPr>
           <p:cNvPr id="56" name="Google Shape;56;p13"/>
-          <p:cNvSpPr/>
+          <p:cNvSpPr>
+            <a:spLocks noGrp="1"/>
+          </p:cNvSpPr>
           <p:nvPr>
-            <p:ph idx="4" type="pic"/>
+            <p:ph type="pic" idx="4"/>
           </p:nvPr>
         </p:nvSpPr>
         <p:spPr>
@@ -2454,12 +2109,12 @@
           </a:ln>
         </p:spPr>
         <p:txBody>
-          <a:bodyPr anchorCtr="0" anchor="t" bIns="91425" lIns="91425" spcFirstLastPara="1" rIns="91425" wrap="square" tIns="91425">
+          <a:bodyPr spcFirstLastPara="1" wrap="square" lIns="91425" tIns="91425" rIns="91425" bIns="91425" anchor="t" anchorCtr="0">
             <a:spAutoFit/>
           </a:bodyPr>
           <a:lstStyle/>
           <a:p>
-            <a:pPr indent="0" lvl="0" marL="0" rtl="0" algn="ctr">
+            <a:pPr marL="0" lvl="0" indent="0" algn="ctr" rtl="0">
               <a:lnSpc>
                 <a:spcPct val="115000"/>
               </a:lnSpc>
@@ -2472,7 +2127,7 @@
               <a:buNone/>
             </a:pPr>
             <a:r>
-              <a:rPr b="1" lang="en" sz="1700">
+              <a:rPr lang="en" sz="1700" b="1">
                 <a:solidFill>
                   <a:srgbClr val="FFDE14"/>
                 </a:solidFill>
@@ -2483,7 +2138,7 @@
               </a:rPr>
               <a:t>Name</a:t>
             </a:r>
-            <a:endParaRPr b="1" sz="1700">
+            <a:endParaRPr sz="1700" b="1">
               <a:solidFill>
                 <a:srgbClr val="FFDE14"/>
               </a:solidFill>
@@ -2494,7 +2149,7 @@
             </a:endParaRPr>
           </a:p>
           <a:p>
-            <a:pPr indent="0" lvl="0" marL="0" rtl="0" algn="ctr">
+            <a:pPr marL="0" lvl="0" indent="0" algn="ctr" rtl="0">
               <a:lnSpc>
                 <a:spcPct val="115000"/>
               </a:lnSpc>
@@ -2533,7 +2188,9 @@
       <p:sp>
         <p:nvSpPr>
           <p:cNvPr id="58" name="Google Shape;58;p13"/>
-          <p:cNvSpPr txBox="1"/>
+          <p:cNvSpPr txBox="1">
+            <a:spLocks noGrp="1"/>
+          </p:cNvSpPr>
           <p:nvPr>
             <p:ph type="title"/>
           </p:nvPr>
@@ -2548,11 +2205,11 @@
           </a:prstGeom>
         </p:spPr>
         <p:txBody>
-          <a:bodyPr anchorCtr="0" anchor="t" bIns="91425" lIns="91425" spcFirstLastPara="1" rIns="91425" wrap="square" tIns="91425">
+          <a:bodyPr spcFirstLastPara="1" wrap="square" lIns="91425" tIns="91425" rIns="91425" bIns="91425" anchor="t" anchorCtr="0">
             <a:normAutofit/>
           </a:bodyPr>
           <a:lstStyle>
-            <a:lvl1pPr lvl="0" rtl="0" algn="ctr">
+            <a:lvl1pPr lvl="0" algn="ctr" rtl="0">
               <a:spcBef>
                 <a:spcPts val="0"/>
               </a:spcBef>
@@ -2565,7 +2222,7 @@
               <a:buSzPts val="3400"/>
               <a:buFont typeface="Roboto"/>
               <a:buNone/>
-              <a:defRPr b="1" sz="3400">
+              <a:defRPr sz="3400" b="1">
                 <a:solidFill>
                   <a:srgbClr val="FFDE14"/>
                 </a:solidFill>
@@ -2575,7 +2232,7 @@
                 <a:sym typeface="Roboto"/>
               </a:defRPr>
             </a:lvl1pPr>
-            <a:lvl2pPr lvl="1" rtl="0" algn="ctr">
+            <a:lvl2pPr lvl="1" algn="ctr" rtl="0">
               <a:spcBef>
                 <a:spcPts val="0"/>
               </a:spcBef>
@@ -2586,7 +2243,7 @@
               <a:buNone/>
               <a:defRPr sz="3400"/>
             </a:lvl2pPr>
-            <a:lvl3pPr lvl="2" rtl="0" algn="ctr">
+            <a:lvl3pPr lvl="2" algn="ctr" rtl="0">
               <a:spcBef>
                 <a:spcPts val="0"/>
               </a:spcBef>
@@ -2597,7 +2254,7 @@
               <a:buNone/>
               <a:defRPr sz="3400"/>
             </a:lvl3pPr>
-            <a:lvl4pPr lvl="3" rtl="0" algn="ctr">
+            <a:lvl4pPr lvl="3" algn="ctr" rtl="0">
               <a:spcBef>
                 <a:spcPts val="0"/>
               </a:spcBef>
@@ -2608,7 +2265,7 @@
               <a:buNone/>
               <a:defRPr sz="3400"/>
             </a:lvl4pPr>
-            <a:lvl5pPr lvl="4" rtl="0" algn="ctr">
+            <a:lvl5pPr lvl="4" algn="ctr" rtl="0">
               <a:spcBef>
                 <a:spcPts val="0"/>
               </a:spcBef>
@@ -2619,7 +2276,7 @@
               <a:buNone/>
               <a:defRPr sz="3400"/>
             </a:lvl5pPr>
-            <a:lvl6pPr lvl="5" rtl="0" algn="ctr">
+            <a:lvl6pPr lvl="5" algn="ctr" rtl="0">
               <a:spcBef>
                 <a:spcPts val="0"/>
               </a:spcBef>
@@ -2630,7 +2287,7 @@
               <a:buNone/>
               <a:defRPr sz="3400"/>
             </a:lvl6pPr>
-            <a:lvl7pPr lvl="6" rtl="0" algn="ctr">
+            <a:lvl7pPr lvl="6" algn="ctr" rtl="0">
               <a:spcBef>
                 <a:spcPts val="0"/>
               </a:spcBef>
@@ -2641,7 +2298,7 @@
               <a:buNone/>
               <a:defRPr sz="3400"/>
             </a:lvl7pPr>
-            <a:lvl8pPr lvl="7" rtl="0" algn="ctr">
+            <a:lvl8pPr lvl="7" algn="ctr" rtl="0">
               <a:spcBef>
                 <a:spcPts val="0"/>
               </a:spcBef>
@@ -2652,7 +2309,7 @@
               <a:buNone/>
               <a:defRPr sz="3400"/>
             </a:lvl8pPr>
-            <a:lvl9pPr lvl="8" rtl="0" algn="ctr">
+            <a:lvl9pPr lvl="8" algn="ctr" rtl="0">
               <a:spcBef>
                 <a:spcPts val="0"/>
               </a:spcBef>
@@ -2664,7 +2321,9 @@
               <a:defRPr sz="3400"/>
             </a:lvl9pPr>
           </a:lstStyle>
-          <a:p/>
+          <a:p>
+            <a:endParaRPr/>
+          </a:p>
         </p:txBody>
       </p:sp>
     </p:spTree>
@@ -2675,12 +2334,12 @@
 </p:sldLayout>
 </file>
 
-<file path=ppt/slideLayouts/slideLayout13.xml><?xml version="1.0" encoding="utf-8"?>
-<p:sldLayout xmlns:a="http://schemas.openxmlformats.org/drawingml/2006/main" xmlns:r="http://schemas.openxmlformats.org/officeDocument/2006/relationships" xmlns:mc="http://schemas.openxmlformats.org/markup-compatibility/2006" xmlns:mv="urn:schemas-microsoft-com:mac:vml" xmlns:p="http://schemas.openxmlformats.org/presentationml/2006/main" xmlns:c="http://schemas.openxmlformats.org/drawingml/2006/chart" xmlns:dgm="http://schemas.openxmlformats.org/drawingml/2006/diagram" xmlns:o="urn:schemas-microsoft-com:office:office" xmlns:v="urn:schemas-microsoft-com:vml" xmlns:pvml="urn:schemas-microsoft-com:office:powerpoint" xmlns:com="http://schemas.openxmlformats.org/drawingml/2006/compatibility" xmlns:p14="http://schemas.microsoft.com/office/powerpoint/2010/main" xmlns:p15="http://schemas.microsoft.com/office/powerpoint/2012/main" xmlns:ahyp="http://schemas.microsoft.com/office/drawing/2018/hyperlinkcolor" matchingName="Title and Content 3">
+<file path=ppt/slideLayouts/slideLayout12.xml><?xml version="1.0" encoding="utf-8"?>
+<p:sldLayout xmlns:a="http://schemas.openxmlformats.org/drawingml/2006/main" xmlns:r="http://schemas.openxmlformats.org/officeDocument/2006/relationships" xmlns:p="http://schemas.openxmlformats.org/presentationml/2006/main" matchingName="Title and Content 3">
   <p:cSld name="Title and Content_3">
     <p:spTree>
       <p:nvGrpSpPr>
-        <p:cNvPr id="59" name="Shape 59"/>
+        <p:cNvPr id="1" name="Shape 59"/>
         <p:cNvGrpSpPr/>
         <p:nvPr/>
       </p:nvGrpSpPr>
@@ -2695,9 +2354,11 @@
       <p:sp>
         <p:nvSpPr>
           <p:cNvPr id="60" name="Google Shape;60;p14"/>
-          <p:cNvSpPr txBox="1"/>
+          <p:cNvSpPr txBox="1">
+            <a:spLocks noGrp="1"/>
+          </p:cNvSpPr>
           <p:nvPr>
-            <p:ph idx="1" type="body"/>
+            <p:ph type="body" idx="1"/>
           </p:nvPr>
         </p:nvSpPr>
         <p:spPr>
@@ -2714,11 +2375,11 @@
           </a:ln>
         </p:spPr>
         <p:txBody>
-          <a:bodyPr anchorCtr="0" anchor="t" bIns="34275" lIns="68575" spcFirstLastPara="1" rIns="68575" wrap="square" tIns="34275">
+          <a:bodyPr spcFirstLastPara="1" wrap="square" lIns="68575" tIns="34275" rIns="68575" bIns="34275" anchor="t" anchorCtr="0">
             <a:normAutofit/>
           </a:bodyPr>
           <a:lstStyle>
-            <a:lvl1pPr indent="-361950" lvl="0" marL="457200" marR="0" rtl="0" algn="l">
+            <a:lvl1pPr marL="457200" marR="0" lvl="0" indent="-361950" algn="l" rtl="0">
               <a:lnSpc>
                 <a:spcPct val="90000"/>
               </a:lnSpc>
@@ -2734,7 +2395,7 @@
               <a:buSzPts val="2100"/>
               <a:buFont typeface="Arial"/>
               <a:buChar char="•"/>
-              <a:defRPr b="0" i="0" sz="2100" u="none" cap="none" strike="noStrike">
+              <a:defRPr sz="2100" b="0" i="0" u="none" strike="noStrike" cap="none">
                 <a:solidFill>
                   <a:srgbClr val="7F7F7F"/>
                 </a:solidFill>
@@ -2744,7 +2405,7 @@
                 <a:sym typeface="Calibri"/>
               </a:defRPr>
             </a:lvl1pPr>
-            <a:lvl2pPr indent="-342900" lvl="1" marL="914400" marR="0" rtl="0" algn="l">
+            <a:lvl2pPr marL="914400" marR="0" lvl="1" indent="-342900" algn="l" rtl="0">
               <a:lnSpc>
                 <a:spcPct val="90000"/>
               </a:lnSpc>
@@ -2760,7 +2421,7 @@
               <a:buSzPts val="1800"/>
               <a:buFont typeface="Arial"/>
               <a:buChar char="•"/>
-              <a:defRPr b="0" i="0" sz="1800" u="none" cap="none" strike="noStrike">
+              <a:defRPr sz="1800" b="0" i="0" u="none" strike="noStrike" cap="none">
                 <a:solidFill>
                   <a:srgbClr val="7F7F7F"/>
                 </a:solidFill>
@@ -2770,7 +2431,7 @@
                 <a:sym typeface="Calibri"/>
               </a:defRPr>
             </a:lvl2pPr>
-            <a:lvl3pPr indent="-323850" lvl="2" marL="1371600" marR="0" rtl="0" algn="l">
+            <a:lvl3pPr marL="1371600" marR="0" lvl="2" indent="-323850" algn="l" rtl="0">
               <a:lnSpc>
                 <a:spcPct val="90000"/>
               </a:lnSpc>
@@ -2786,7 +2447,7 @@
               <a:buSzPts val="1500"/>
               <a:buFont typeface="Arial"/>
               <a:buChar char="•"/>
-              <a:defRPr b="0" i="0" sz="1500" u="none" cap="none" strike="noStrike">
+              <a:defRPr sz="1500" b="0" i="0" u="none" strike="noStrike" cap="none">
                 <a:solidFill>
                   <a:srgbClr val="7F7F7F"/>
                 </a:solidFill>
@@ -2796,7 +2457,7 @@
                 <a:sym typeface="Calibri"/>
               </a:defRPr>
             </a:lvl3pPr>
-            <a:lvl4pPr indent="-317500" lvl="3" marL="1828800" marR="0" rtl="0" algn="l">
+            <a:lvl4pPr marL="1828800" marR="0" lvl="3" indent="-317500" algn="l" rtl="0">
               <a:lnSpc>
                 <a:spcPct val="90000"/>
               </a:lnSpc>
@@ -2812,7 +2473,7 @@
               <a:buSzPts val="1400"/>
               <a:buFont typeface="Arial"/>
               <a:buChar char="•"/>
-              <a:defRPr b="0" i="0" sz="1400" u="none" cap="none" strike="noStrike">
+              <a:defRPr sz="1400" b="0" i="0" u="none" strike="noStrike" cap="none">
                 <a:solidFill>
                   <a:srgbClr val="7F7F7F"/>
                 </a:solidFill>
@@ -2822,7 +2483,7 @@
                 <a:sym typeface="Calibri"/>
               </a:defRPr>
             </a:lvl4pPr>
-            <a:lvl5pPr indent="-317500" lvl="4" marL="2286000" marR="0" rtl="0" algn="l">
+            <a:lvl5pPr marL="2286000" marR="0" lvl="4" indent="-317500" algn="l" rtl="0">
               <a:lnSpc>
                 <a:spcPct val="90000"/>
               </a:lnSpc>
@@ -2838,7 +2499,7 @@
               <a:buSzPts val="1400"/>
               <a:buFont typeface="Arial"/>
               <a:buChar char="•"/>
-              <a:defRPr b="0" i="0" sz="1400" u="none" cap="none" strike="noStrike">
+              <a:defRPr sz="1400" b="0" i="0" u="none" strike="noStrike" cap="none">
                 <a:solidFill>
                   <a:srgbClr val="7F7F7F"/>
                 </a:solidFill>
@@ -2848,7 +2509,7 @@
                 <a:sym typeface="Calibri"/>
               </a:defRPr>
             </a:lvl5pPr>
-            <a:lvl6pPr indent="-317500" lvl="5" marL="2743200" marR="0" rtl="0" algn="l">
+            <a:lvl6pPr marL="2743200" marR="0" lvl="5" indent="-317500" algn="l" rtl="0">
               <a:lnSpc>
                 <a:spcPct val="90000"/>
               </a:lnSpc>
@@ -2864,7 +2525,7 @@
               <a:buSzPts val="1400"/>
               <a:buFont typeface="Arial"/>
               <a:buChar char="•"/>
-              <a:defRPr b="0" i="0" sz="1400" u="none" cap="none" strike="noStrike">
+              <a:defRPr sz="1400" b="0" i="0" u="none" strike="noStrike" cap="none">
                 <a:solidFill>
                   <a:schemeClr val="dk1"/>
                 </a:solidFill>
@@ -2874,7 +2535,7 @@
                 <a:sym typeface="Calibri"/>
               </a:defRPr>
             </a:lvl6pPr>
-            <a:lvl7pPr indent="-317500" lvl="6" marL="3200400" marR="0" rtl="0" algn="l">
+            <a:lvl7pPr marL="3200400" marR="0" lvl="6" indent="-317500" algn="l" rtl="0">
               <a:lnSpc>
                 <a:spcPct val="90000"/>
               </a:lnSpc>
@@ -2890,7 +2551,7 @@
               <a:buSzPts val="1400"/>
               <a:buFont typeface="Arial"/>
               <a:buChar char="•"/>
-              <a:defRPr b="0" i="0" sz="1400" u="none" cap="none" strike="noStrike">
+              <a:defRPr sz="1400" b="0" i="0" u="none" strike="noStrike" cap="none">
                 <a:solidFill>
                   <a:schemeClr val="dk1"/>
                 </a:solidFill>
@@ -2900,7 +2561,7 @@
                 <a:sym typeface="Calibri"/>
               </a:defRPr>
             </a:lvl7pPr>
-            <a:lvl8pPr indent="-317500" lvl="7" marL="3657600" marR="0" rtl="0" algn="l">
+            <a:lvl8pPr marL="3657600" marR="0" lvl="7" indent="-317500" algn="l" rtl="0">
               <a:lnSpc>
                 <a:spcPct val="90000"/>
               </a:lnSpc>
@@ -2916,7 +2577,7 @@
               <a:buSzPts val="1400"/>
               <a:buFont typeface="Arial"/>
               <a:buChar char="•"/>
-              <a:defRPr b="0" i="0" sz="1400" u="none" cap="none" strike="noStrike">
+              <a:defRPr sz="1400" b="0" i="0" u="none" strike="noStrike" cap="none">
                 <a:solidFill>
                   <a:schemeClr val="dk1"/>
                 </a:solidFill>
@@ -2926,7 +2587,7 @@
                 <a:sym typeface="Calibri"/>
               </a:defRPr>
             </a:lvl8pPr>
-            <a:lvl9pPr indent="-317500" lvl="8" marL="4114800" marR="0" rtl="0" algn="l">
+            <a:lvl9pPr marL="4114800" marR="0" lvl="8" indent="-317500" algn="l" rtl="0">
               <a:lnSpc>
                 <a:spcPct val="90000"/>
               </a:lnSpc>
@@ -2942,7 +2603,7 @@
               <a:buSzPts val="1400"/>
               <a:buFont typeface="Arial"/>
               <a:buChar char="•"/>
-              <a:defRPr b="0" i="0" sz="1400" u="none" cap="none" strike="noStrike">
+              <a:defRPr sz="1400" b="0" i="0" u="none" strike="noStrike" cap="none">
                 <a:solidFill>
                   <a:schemeClr val="dk1"/>
                 </a:solidFill>
@@ -2953,15 +2614,19 @@
               </a:defRPr>
             </a:lvl9pPr>
           </a:lstStyle>
-          <a:p/>
+          <a:p>
+            <a:endParaRPr/>
+          </a:p>
         </p:txBody>
       </p:sp>
       <p:sp>
         <p:nvSpPr>
           <p:cNvPr id="61" name="Google Shape;61;p14"/>
-          <p:cNvSpPr txBox="1"/>
+          <p:cNvSpPr txBox="1">
+            <a:spLocks noGrp="1"/>
+          </p:cNvSpPr>
           <p:nvPr>
-            <p:ph idx="10" type="dt"/>
+            <p:ph type="dt" idx="10"/>
           </p:nvPr>
         </p:nvSpPr>
         <p:spPr>
@@ -2978,11 +2643,11 @@
           </a:ln>
         </p:spPr>
         <p:txBody>
-          <a:bodyPr anchorCtr="0" anchor="ctr" bIns="34275" lIns="68575" spcFirstLastPara="1" rIns="68575" wrap="square" tIns="34275">
+          <a:bodyPr spcFirstLastPara="1" wrap="square" lIns="68575" tIns="34275" rIns="68575" bIns="34275" anchor="ctr" anchorCtr="0">
             <a:noAutofit/>
           </a:bodyPr>
           <a:lstStyle>
-            <a:lvl1pPr lvl="0" marR="0" rtl="0" algn="l">
+            <a:lvl1pPr marR="0" lvl="0" algn="l" rtl="0">
               <a:spcBef>
                 <a:spcPts val="0"/>
               </a:spcBef>
@@ -3001,7 +2666,7 @@
                 <a:sym typeface="Calibri"/>
               </a:defRPr>
             </a:lvl1pPr>
-            <a:lvl2pPr lvl="1" marR="0" rtl="0" algn="l">
+            <a:lvl2pPr marR="0" lvl="1" algn="l" rtl="0">
               <a:spcBef>
                 <a:spcPts val="0"/>
               </a:spcBef>
@@ -3010,7 +2675,7 @@
               </a:spcAft>
               <a:buSzPts val="1100"/>
               <a:buNone/>
-              <a:defRPr b="0" i="0" sz="1400" u="none" cap="none" strike="noStrike">
+              <a:defRPr sz="1400" b="0" i="0" u="none" strike="noStrike" cap="none">
                 <a:solidFill>
                   <a:schemeClr val="dk1"/>
                 </a:solidFill>
@@ -3020,7 +2685,7 @@
                 <a:sym typeface="Calibri"/>
               </a:defRPr>
             </a:lvl2pPr>
-            <a:lvl3pPr lvl="2" marR="0" rtl="0" algn="l">
+            <a:lvl3pPr marR="0" lvl="2" algn="l" rtl="0">
               <a:spcBef>
                 <a:spcPts val="0"/>
               </a:spcBef>
@@ -3029,7 +2694,7 @@
               </a:spcAft>
               <a:buSzPts val="1100"/>
               <a:buNone/>
-              <a:defRPr b="0" i="0" sz="1400" u="none" cap="none" strike="noStrike">
+              <a:defRPr sz="1400" b="0" i="0" u="none" strike="noStrike" cap="none">
                 <a:solidFill>
                   <a:schemeClr val="dk1"/>
                 </a:solidFill>
@@ -3039,7 +2704,7 @@
                 <a:sym typeface="Calibri"/>
               </a:defRPr>
             </a:lvl3pPr>
-            <a:lvl4pPr lvl="3" marR="0" rtl="0" algn="l">
+            <a:lvl4pPr marR="0" lvl="3" algn="l" rtl="0">
               <a:spcBef>
                 <a:spcPts val="0"/>
               </a:spcBef>
@@ -3048,7 +2713,7 @@
               </a:spcAft>
               <a:buSzPts val="1100"/>
               <a:buNone/>
-              <a:defRPr b="0" i="0" sz="1400" u="none" cap="none" strike="noStrike">
+              <a:defRPr sz="1400" b="0" i="0" u="none" strike="noStrike" cap="none">
                 <a:solidFill>
                   <a:schemeClr val="dk1"/>
                 </a:solidFill>
@@ -3058,7 +2723,7 @@
                 <a:sym typeface="Calibri"/>
               </a:defRPr>
             </a:lvl4pPr>
-            <a:lvl5pPr lvl="4" marR="0" rtl="0" algn="l">
+            <a:lvl5pPr marR="0" lvl="4" algn="l" rtl="0">
               <a:spcBef>
                 <a:spcPts val="0"/>
               </a:spcBef>
@@ -3067,7 +2732,7 @@
               </a:spcAft>
               <a:buSzPts val="1100"/>
               <a:buNone/>
-              <a:defRPr b="0" i="0" sz="1400" u="none" cap="none" strike="noStrike">
+              <a:defRPr sz="1400" b="0" i="0" u="none" strike="noStrike" cap="none">
                 <a:solidFill>
                   <a:schemeClr val="dk1"/>
                 </a:solidFill>
@@ -3077,7 +2742,7 @@
                 <a:sym typeface="Calibri"/>
               </a:defRPr>
             </a:lvl5pPr>
-            <a:lvl6pPr lvl="5" marR="0" rtl="0" algn="l">
+            <a:lvl6pPr marR="0" lvl="5" algn="l" rtl="0">
               <a:spcBef>
                 <a:spcPts val="0"/>
               </a:spcBef>
@@ -3086,7 +2751,7 @@
               </a:spcAft>
               <a:buSzPts val="1100"/>
               <a:buNone/>
-              <a:defRPr b="0" i="0" sz="1400" u="none" cap="none" strike="noStrike">
+              <a:defRPr sz="1400" b="0" i="0" u="none" strike="noStrike" cap="none">
                 <a:solidFill>
                   <a:schemeClr val="dk1"/>
                 </a:solidFill>
@@ -3096,7 +2761,7 @@
                 <a:sym typeface="Calibri"/>
               </a:defRPr>
             </a:lvl6pPr>
-            <a:lvl7pPr lvl="6" marR="0" rtl="0" algn="l">
+            <a:lvl7pPr marR="0" lvl="6" algn="l" rtl="0">
               <a:spcBef>
                 <a:spcPts val="0"/>
               </a:spcBef>
@@ -3105,7 +2770,7 @@
               </a:spcAft>
               <a:buSzPts val="1100"/>
               <a:buNone/>
-              <a:defRPr b="0" i="0" sz="1400" u="none" cap="none" strike="noStrike">
+              <a:defRPr sz="1400" b="0" i="0" u="none" strike="noStrike" cap="none">
                 <a:solidFill>
                   <a:schemeClr val="dk1"/>
                 </a:solidFill>
@@ -3115,7 +2780,7 @@
                 <a:sym typeface="Calibri"/>
               </a:defRPr>
             </a:lvl7pPr>
-            <a:lvl8pPr lvl="7" marR="0" rtl="0" algn="l">
+            <a:lvl8pPr marR="0" lvl="7" algn="l" rtl="0">
               <a:spcBef>
                 <a:spcPts val="0"/>
               </a:spcBef>
@@ -3124,7 +2789,7 @@
               </a:spcAft>
               <a:buSzPts val="1100"/>
               <a:buNone/>
-              <a:defRPr b="0" i="0" sz="1400" u="none" cap="none" strike="noStrike">
+              <a:defRPr sz="1400" b="0" i="0" u="none" strike="noStrike" cap="none">
                 <a:solidFill>
                   <a:schemeClr val="dk1"/>
                 </a:solidFill>
@@ -3134,7 +2799,7 @@
                 <a:sym typeface="Calibri"/>
               </a:defRPr>
             </a:lvl8pPr>
-            <a:lvl9pPr lvl="8" marR="0" rtl="0" algn="l">
+            <a:lvl9pPr marR="0" lvl="8" algn="l" rtl="0">
               <a:spcBef>
                 <a:spcPts val="0"/>
               </a:spcBef>
@@ -3143,7 +2808,7 @@
               </a:spcAft>
               <a:buSzPts val="1100"/>
               <a:buNone/>
-              <a:defRPr b="0" i="0" sz="1400" u="none" cap="none" strike="noStrike">
+              <a:defRPr sz="1400" b="0" i="0" u="none" strike="noStrike" cap="none">
                 <a:solidFill>
                   <a:schemeClr val="dk1"/>
                 </a:solidFill>
@@ -3154,15 +2819,19 @@
               </a:defRPr>
             </a:lvl9pPr>
           </a:lstStyle>
-          <a:p/>
+          <a:p>
+            <a:endParaRPr/>
+          </a:p>
         </p:txBody>
       </p:sp>
       <p:sp>
         <p:nvSpPr>
           <p:cNvPr id="62" name="Google Shape;62;p14"/>
-          <p:cNvSpPr txBox="1"/>
+          <p:cNvSpPr txBox="1">
+            <a:spLocks noGrp="1"/>
+          </p:cNvSpPr>
           <p:nvPr>
-            <p:ph idx="11" type="ftr"/>
+            <p:ph type="ftr" idx="11"/>
           </p:nvPr>
         </p:nvSpPr>
         <p:spPr>
@@ -3179,11 +2848,11 @@
           </a:ln>
         </p:spPr>
         <p:txBody>
-          <a:bodyPr anchorCtr="0" anchor="ctr" bIns="34275" lIns="68575" spcFirstLastPara="1" rIns="68575" wrap="square" tIns="34275">
+          <a:bodyPr spcFirstLastPara="1" wrap="square" lIns="68575" tIns="34275" rIns="68575" bIns="34275" anchor="ctr" anchorCtr="0">
             <a:noAutofit/>
           </a:bodyPr>
           <a:lstStyle>
-            <a:lvl1pPr lvl="0" marR="0" rtl="0" algn="ctr">
+            <a:lvl1pPr marR="0" lvl="0" algn="ctr" rtl="0">
               <a:spcBef>
                 <a:spcPts val="0"/>
               </a:spcBef>
@@ -3202,7 +2871,7 @@
                 <a:sym typeface="Calibri"/>
               </a:defRPr>
             </a:lvl1pPr>
-            <a:lvl2pPr lvl="1" marR="0" rtl="0" algn="l">
+            <a:lvl2pPr marR="0" lvl="1" algn="l" rtl="0">
               <a:spcBef>
                 <a:spcPts val="0"/>
               </a:spcBef>
@@ -3211,7 +2880,7 @@
               </a:spcAft>
               <a:buSzPts val="1100"/>
               <a:buNone/>
-              <a:defRPr b="0" i="0" sz="1400" u="none" cap="none" strike="noStrike">
+              <a:defRPr sz="1400" b="0" i="0" u="none" strike="noStrike" cap="none">
                 <a:solidFill>
                   <a:schemeClr val="dk1"/>
                 </a:solidFill>
@@ -3221,7 +2890,7 @@
                 <a:sym typeface="Calibri"/>
               </a:defRPr>
             </a:lvl2pPr>
-            <a:lvl3pPr lvl="2" marR="0" rtl="0" algn="l">
+            <a:lvl3pPr marR="0" lvl="2" algn="l" rtl="0">
               <a:spcBef>
                 <a:spcPts val="0"/>
               </a:spcBef>
@@ -3230,7 +2899,7 @@
               </a:spcAft>
               <a:buSzPts val="1100"/>
               <a:buNone/>
-              <a:defRPr b="0" i="0" sz="1400" u="none" cap="none" strike="noStrike">
+              <a:defRPr sz="1400" b="0" i="0" u="none" strike="noStrike" cap="none">
                 <a:solidFill>
                   <a:schemeClr val="dk1"/>
                 </a:solidFill>
@@ -3240,7 +2909,7 @@
                 <a:sym typeface="Calibri"/>
               </a:defRPr>
             </a:lvl3pPr>
-            <a:lvl4pPr lvl="3" marR="0" rtl="0" algn="l">
+            <a:lvl4pPr marR="0" lvl="3" algn="l" rtl="0">
               <a:spcBef>
                 <a:spcPts val="0"/>
               </a:spcBef>
@@ -3249,7 +2918,7 @@
               </a:spcAft>
               <a:buSzPts val="1100"/>
               <a:buNone/>
-              <a:defRPr b="0" i="0" sz="1400" u="none" cap="none" strike="noStrike">
+              <a:defRPr sz="1400" b="0" i="0" u="none" strike="noStrike" cap="none">
                 <a:solidFill>
                   <a:schemeClr val="dk1"/>
                 </a:solidFill>
@@ -3259,7 +2928,7 @@
                 <a:sym typeface="Calibri"/>
               </a:defRPr>
             </a:lvl4pPr>
-            <a:lvl5pPr lvl="4" marR="0" rtl="0" algn="l">
+            <a:lvl5pPr marR="0" lvl="4" algn="l" rtl="0">
               <a:spcBef>
                 <a:spcPts val="0"/>
               </a:spcBef>
@@ -3268,7 +2937,7 @@
               </a:spcAft>
               <a:buSzPts val="1100"/>
               <a:buNone/>
-              <a:defRPr b="0" i="0" sz="1400" u="none" cap="none" strike="noStrike">
+              <a:defRPr sz="1400" b="0" i="0" u="none" strike="noStrike" cap="none">
                 <a:solidFill>
                   <a:schemeClr val="dk1"/>
                 </a:solidFill>
@@ -3278,7 +2947,7 @@
                 <a:sym typeface="Calibri"/>
               </a:defRPr>
             </a:lvl5pPr>
-            <a:lvl6pPr lvl="5" marR="0" rtl="0" algn="l">
+            <a:lvl6pPr marR="0" lvl="5" algn="l" rtl="0">
               <a:spcBef>
                 <a:spcPts val="0"/>
               </a:spcBef>
@@ -3287,7 +2956,7 @@
               </a:spcAft>
               <a:buSzPts val="1100"/>
               <a:buNone/>
-              <a:defRPr b="0" i="0" sz="1400" u="none" cap="none" strike="noStrike">
+              <a:defRPr sz="1400" b="0" i="0" u="none" strike="noStrike" cap="none">
                 <a:solidFill>
                   <a:schemeClr val="dk1"/>
                 </a:solidFill>
@@ -3297,7 +2966,7 @@
                 <a:sym typeface="Calibri"/>
               </a:defRPr>
             </a:lvl6pPr>
-            <a:lvl7pPr lvl="6" marR="0" rtl="0" algn="l">
+            <a:lvl7pPr marR="0" lvl="6" algn="l" rtl="0">
               <a:spcBef>
                 <a:spcPts val="0"/>
               </a:spcBef>
@@ -3306,7 +2975,7 @@
               </a:spcAft>
               <a:buSzPts val="1100"/>
               <a:buNone/>
-              <a:defRPr b="0" i="0" sz="1400" u="none" cap="none" strike="noStrike">
+              <a:defRPr sz="1400" b="0" i="0" u="none" strike="noStrike" cap="none">
                 <a:solidFill>
                   <a:schemeClr val="dk1"/>
                 </a:solidFill>
@@ -3316,7 +2985,7 @@
                 <a:sym typeface="Calibri"/>
               </a:defRPr>
             </a:lvl7pPr>
-            <a:lvl8pPr lvl="7" marR="0" rtl="0" algn="l">
+            <a:lvl8pPr marR="0" lvl="7" algn="l" rtl="0">
               <a:spcBef>
                 <a:spcPts val="0"/>
               </a:spcBef>
@@ -3325,7 +2994,7 @@
               </a:spcAft>
               <a:buSzPts val="1100"/>
               <a:buNone/>
-              <a:defRPr b="0" i="0" sz="1400" u="none" cap="none" strike="noStrike">
+              <a:defRPr sz="1400" b="0" i="0" u="none" strike="noStrike" cap="none">
                 <a:solidFill>
                   <a:schemeClr val="dk1"/>
                 </a:solidFill>
@@ -3335,7 +3004,7 @@
                 <a:sym typeface="Calibri"/>
               </a:defRPr>
             </a:lvl8pPr>
-            <a:lvl9pPr lvl="8" marR="0" rtl="0" algn="l">
+            <a:lvl9pPr marR="0" lvl="8" algn="l" rtl="0">
               <a:spcBef>
                 <a:spcPts val="0"/>
               </a:spcBef>
@@ -3344,7 +3013,7 @@
               </a:spcAft>
               <a:buSzPts val="1100"/>
               <a:buNone/>
-              <a:defRPr b="0" i="0" sz="1400" u="none" cap="none" strike="noStrike">
+              <a:defRPr sz="1400" b="0" i="0" u="none" strike="noStrike" cap="none">
                 <a:solidFill>
                   <a:schemeClr val="dk1"/>
                 </a:solidFill>
@@ -3355,15 +3024,19 @@
               </a:defRPr>
             </a:lvl9pPr>
           </a:lstStyle>
-          <a:p/>
+          <a:p>
+            <a:endParaRPr/>
+          </a:p>
         </p:txBody>
       </p:sp>
       <p:sp>
         <p:nvSpPr>
           <p:cNvPr id="63" name="Google Shape;63;p14"/>
-          <p:cNvSpPr txBox="1"/>
+          <p:cNvSpPr txBox="1">
+            <a:spLocks noGrp="1"/>
+          </p:cNvSpPr>
           <p:nvPr>
-            <p:ph idx="12" type="sldNum"/>
+            <p:ph type="sldNum" idx="12"/>
           </p:nvPr>
         </p:nvSpPr>
         <p:spPr>
@@ -3380,11 +3053,11 @@
           </a:ln>
         </p:spPr>
         <p:txBody>
-          <a:bodyPr anchorCtr="0" anchor="ctr" bIns="34275" lIns="68575" spcFirstLastPara="1" rIns="68575" wrap="square" tIns="34275">
+          <a:bodyPr spcFirstLastPara="1" wrap="square" lIns="68575" tIns="34275" rIns="68575" bIns="34275" anchor="ctr" anchorCtr="0">
             <a:normAutofit/>
           </a:bodyPr>
           <a:lstStyle>
-            <a:lvl1pPr indent="0" lvl="0" marL="0" marR="0" rtl="0" algn="r">
+            <a:lvl1pPr marL="0" marR="0" lvl="0" indent="0" algn="r" rtl="0">
               <a:spcBef>
                 <a:spcPts val="0"/>
               </a:spcBef>
@@ -3399,7 +3072,7 @@
                 <a:sym typeface="Calibri"/>
               </a:defRPr>
             </a:lvl1pPr>
-            <a:lvl2pPr indent="0" lvl="1" marL="0" marR="0" rtl="0" algn="r">
+            <a:lvl2pPr marL="0" marR="0" lvl="1" indent="0" algn="r" rtl="0">
               <a:spcBef>
                 <a:spcPts val="0"/>
               </a:spcBef>
@@ -3414,7 +3087,7 @@
                 <a:sym typeface="Calibri"/>
               </a:defRPr>
             </a:lvl2pPr>
-            <a:lvl3pPr indent="0" lvl="2" marL="0" marR="0" rtl="0" algn="r">
+            <a:lvl3pPr marL="0" marR="0" lvl="2" indent="0" algn="r" rtl="0">
               <a:spcBef>
                 <a:spcPts val="0"/>
               </a:spcBef>
@@ -3429,7 +3102,7 @@
                 <a:sym typeface="Calibri"/>
               </a:defRPr>
             </a:lvl3pPr>
-            <a:lvl4pPr indent="0" lvl="3" marL="0" marR="0" rtl="0" algn="r">
+            <a:lvl4pPr marL="0" marR="0" lvl="3" indent="0" algn="r" rtl="0">
               <a:spcBef>
                 <a:spcPts val="0"/>
               </a:spcBef>
@@ -3444,7 +3117,7 @@
                 <a:sym typeface="Calibri"/>
               </a:defRPr>
             </a:lvl4pPr>
-            <a:lvl5pPr indent="0" lvl="4" marL="0" marR="0" rtl="0" algn="r">
+            <a:lvl5pPr marL="0" marR="0" lvl="4" indent="0" algn="r" rtl="0">
               <a:spcBef>
                 <a:spcPts val="0"/>
               </a:spcBef>
@@ -3459,7 +3132,7 @@
                 <a:sym typeface="Calibri"/>
               </a:defRPr>
             </a:lvl5pPr>
-            <a:lvl6pPr indent="0" lvl="5" marL="0" marR="0" rtl="0" algn="r">
+            <a:lvl6pPr marL="0" marR="0" lvl="5" indent="0" algn="r" rtl="0">
               <a:spcBef>
                 <a:spcPts val="0"/>
               </a:spcBef>
@@ -3474,7 +3147,7 @@
                 <a:sym typeface="Calibri"/>
               </a:defRPr>
             </a:lvl6pPr>
-            <a:lvl7pPr indent="0" lvl="6" marL="0" marR="0" rtl="0" algn="r">
+            <a:lvl7pPr marL="0" marR="0" lvl="6" indent="0" algn="r" rtl="0">
               <a:spcBef>
                 <a:spcPts val="0"/>
               </a:spcBef>
@@ -3489,7 +3162,7 @@
                 <a:sym typeface="Calibri"/>
               </a:defRPr>
             </a:lvl7pPr>
-            <a:lvl8pPr indent="0" lvl="7" marL="0" marR="0" rtl="0" algn="r">
+            <a:lvl8pPr marL="0" marR="0" lvl="7" indent="0" algn="r" rtl="0">
               <a:spcBef>
                 <a:spcPts val="0"/>
               </a:spcBef>
@@ -3504,7 +3177,7 @@
                 <a:sym typeface="Calibri"/>
               </a:defRPr>
             </a:lvl8pPr>
-            <a:lvl9pPr indent="0" lvl="8" marL="0" marR="0" rtl="0" algn="r">
+            <a:lvl9pPr marL="0" marR="0" lvl="8" indent="0" algn="r" rtl="0">
               <a:spcBef>
                 <a:spcPts val="0"/>
               </a:spcBef>
@@ -3521,7 +3194,7 @@
             </a:lvl9pPr>
           </a:lstStyle>
           <a:p>
-            <a:pPr indent="0" lvl="0" marL="0" rtl="0" algn="r">
+            <a:pPr marL="0" lvl="0" indent="0" algn="r" rtl="0">
               <a:spcBef>
                 <a:spcPts val="0"/>
               </a:spcBef>
@@ -3546,12 +3219,12 @@
 </p:sldLayout>
 </file>
 
-<file path=ppt/slideLayouts/slideLayout14.xml><?xml version="1.0" encoding="utf-8"?>
-<p:sldLayout xmlns:a="http://schemas.openxmlformats.org/drawingml/2006/main" xmlns:r="http://schemas.openxmlformats.org/officeDocument/2006/relationships" xmlns:mc="http://schemas.openxmlformats.org/markup-compatibility/2006" xmlns:mv="urn:schemas-microsoft-com:mac:vml" xmlns:p="http://schemas.openxmlformats.org/presentationml/2006/main" xmlns:c="http://schemas.openxmlformats.org/drawingml/2006/chart" xmlns:dgm="http://schemas.openxmlformats.org/drawingml/2006/diagram" xmlns:o="urn:schemas-microsoft-com:office:office" xmlns:v="urn:schemas-microsoft-com:vml" xmlns:pvml="urn:schemas-microsoft-com:office:powerpoint" xmlns:com="http://schemas.openxmlformats.org/drawingml/2006/compatibility" xmlns:p14="http://schemas.microsoft.com/office/powerpoint/2010/main" xmlns:p15="http://schemas.microsoft.com/office/powerpoint/2012/main" xmlns:ahyp="http://schemas.microsoft.com/office/drawing/2018/hyperlinkcolor" matchingName="Title slide 1 1">
+<file path=ppt/slideLayouts/slideLayout13.xml><?xml version="1.0" encoding="utf-8"?>
+<p:sldLayout xmlns:a="http://schemas.openxmlformats.org/drawingml/2006/main" xmlns:r="http://schemas.openxmlformats.org/officeDocument/2006/relationships" xmlns:p="http://schemas.openxmlformats.org/presentationml/2006/main" matchingName="Title slide 1 1">
   <p:cSld name="TITLE_1_1">
     <p:spTree>
       <p:nvGrpSpPr>
-        <p:cNvPr id="64" name="Shape 64"/>
+        <p:cNvPr id="1" name="Shape 64"/>
         <p:cNvGrpSpPr/>
         <p:nvPr/>
       </p:nvGrpSpPr>
@@ -3566,9 +3239,11 @@
       <p:sp>
         <p:nvSpPr>
           <p:cNvPr id="65" name="Google Shape;65;p15"/>
-          <p:cNvSpPr txBox="1"/>
+          <p:cNvSpPr txBox="1">
+            <a:spLocks noGrp="1"/>
+          </p:cNvSpPr>
           <p:nvPr>
-            <p:ph idx="12" type="sldNum"/>
+            <p:ph type="sldNum" idx="12"/>
           </p:nvPr>
         </p:nvSpPr>
         <p:spPr>
@@ -3581,7 +3256,7 @@
           </a:prstGeom>
         </p:spPr>
         <p:txBody>
-          <a:bodyPr anchorCtr="0" anchor="ctr" bIns="91425" lIns="91425" spcFirstLastPara="1" rIns="91425" wrap="square" tIns="91425">
+          <a:bodyPr spcFirstLastPara="1" wrap="square" lIns="91425" tIns="91425" rIns="91425" bIns="91425" anchor="ctr" anchorCtr="0">
             <a:normAutofit/>
           </a:bodyPr>
           <a:lstStyle>
@@ -3623,7 +3298,7 @@
             </a:lvl9pPr>
           </a:lstStyle>
           <a:p>
-            <a:pPr indent="0" lvl="0" marL="0" rtl="0" algn="r">
+            <a:pPr marL="0" lvl="0" indent="0" algn="r" rtl="0">
               <a:spcBef>
                 <a:spcPts val="0"/>
               </a:spcBef>
@@ -3676,12 +3351,12 @@
 </p:sldLayout>
 </file>
 
-<file path=ppt/slideLayouts/slideLayout15.xml><?xml version="1.0" encoding="utf-8"?>
-<p:sldLayout xmlns:a="http://schemas.openxmlformats.org/drawingml/2006/main" xmlns:r="http://schemas.openxmlformats.org/officeDocument/2006/relationships" xmlns:mc="http://schemas.openxmlformats.org/markup-compatibility/2006" xmlns:mv="urn:schemas-microsoft-com:mac:vml" xmlns:p="http://schemas.openxmlformats.org/presentationml/2006/main" xmlns:c="http://schemas.openxmlformats.org/drawingml/2006/chart" xmlns:dgm="http://schemas.openxmlformats.org/drawingml/2006/diagram" xmlns:o="urn:schemas-microsoft-com:office:office" xmlns:v="urn:schemas-microsoft-com:vml" xmlns:pvml="urn:schemas-microsoft-com:office:powerpoint" xmlns:com="http://schemas.openxmlformats.org/drawingml/2006/compatibility" xmlns:p14="http://schemas.microsoft.com/office/powerpoint/2010/main" xmlns:p15="http://schemas.microsoft.com/office/powerpoint/2012/main" xmlns:ahyp="http://schemas.microsoft.com/office/drawing/2018/hyperlinkcolor" matchingName="Title slide 1 1 1 1">
+<file path=ppt/slideLayouts/slideLayout14.xml><?xml version="1.0" encoding="utf-8"?>
+<p:sldLayout xmlns:a="http://schemas.openxmlformats.org/drawingml/2006/main" xmlns:r="http://schemas.openxmlformats.org/officeDocument/2006/relationships" xmlns:p="http://schemas.openxmlformats.org/presentationml/2006/main" matchingName="Title slide 1 1 1 1">
   <p:cSld name="TITLE_1_1_1_1">
     <p:spTree>
       <p:nvGrpSpPr>
-        <p:cNvPr id="67" name="Shape 67"/>
+        <p:cNvPr id="1" name="Shape 67"/>
         <p:cNvGrpSpPr/>
         <p:nvPr/>
       </p:nvGrpSpPr>
@@ -3696,9 +3371,11 @@
       <p:sp>
         <p:nvSpPr>
           <p:cNvPr id="68" name="Google Shape;68;p16"/>
-          <p:cNvSpPr txBox="1"/>
+          <p:cNvSpPr txBox="1">
+            <a:spLocks noGrp="1"/>
+          </p:cNvSpPr>
           <p:nvPr>
-            <p:ph idx="12" type="sldNum"/>
+            <p:ph type="sldNum" idx="12"/>
           </p:nvPr>
         </p:nvSpPr>
         <p:spPr>
@@ -3711,7 +3388,7 @@
           </a:prstGeom>
         </p:spPr>
         <p:txBody>
-          <a:bodyPr anchorCtr="0" anchor="ctr" bIns="91425" lIns="91425" spcFirstLastPara="1" rIns="91425" wrap="square" tIns="91425">
+          <a:bodyPr spcFirstLastPara="1" wrap="square" lIns="91425" tIns="91425" rIns="91425" bIns="91425" anchor="ctr" anchorCtr="0">
             <a:normAutofit/>
           </a:bodyPr>
           <a:lstStyle>
@@ -3753,7 +3430,7 @@
             </a:lvl9pPr>
           </a:lstStyle>
           <a:p>
-            <a:pPr indent="0" lvl="0" marL="0" rtl="0" algn="r">
+            <a:pPr marL="0" lvl="0" indent="0" algn="r" rtl="0">
               <a:spcBef>
                 <a:spcPts val="0"/>
               </a:spcBef>
@@ -3807,11 +3484,11 @@
 </file>
 
 <file path=ppt/slideLayouts/slideLayout2.xml><?xml version="1.0" encoding="utf-8"?>
-<p:sldLayout xmlns:a="http://schemas.openxmlformats.org/drawingml/2006/main" xmlns:r="http://schemas.openxmlformats.org/officeDocument/2006/relationships" xmlns:mc="http://schemas.openxmlformats.org/markup-compatibility/2006" xmlns:mv="urn:schemas-microsoft-com:mac:vml" xmlns:p="http://schemas.openxmlformats.org/presentationml/2006/main" xmlns:c="http://schemas.openxmlformats.org/drawingml/2006/chart" xmlns:dgm="http://schemas.openxmlformats.org/drawingml/2006/diagram" xmlns:o="urn:schemas-microsoft-com:office:office" xmlns:v="urn:schemas-microsoft-com:vml" xmlns:pvml="urn:schemas-microsoft-com:office:powerpoint" xmlns:com="http://schemas.openxmlformats.org/drawingml/2006/compatibility" xmlns:p14="http://schemas.microsoft.com/office/powerpoint/2010/main" xmlns:p15="http://schemas.microsoft.com/office/powerpoint/2012/main" xmlns:ahyp="http://schemas.microsoft.com/office/drawing/2018/hyperlinkcolor" matchingName="Section header" type="secHead">
+<p:sldLayout xmlns:a="http://schemas.openxmlformats.org/drawingml/2006/main" xmlns:r="http://schemas.openxmlformats.org/officeDocument/2006/relationships" xmlns:p="http://schemas.openxmlformats.org/presentationml/2006/main" matchingName="Section header" type="secHead">
   <p:cSld name="SECTION_HEADER">
     <p:spTree>
       <p:nvGrpSpPr>
-        <p:cNvPr id="13" name="Shape 13"/>
+        <p:cNvPr id="1" name="Shape 13"/>
         <p:cNvGrpSpPr/>
         <p:nvPr/>
       </p:nvGrpSpPr>
@@ -3826,7 +3503,9 @@
       <p:sp>
         <p:nvSpPr>
           <p:cNvPr id="14" name="Google Shape;14;p3"/>
-          <p:cNvSpPr txBox="1"/>
+          <p:cNvSpPr txBox="1">
+            <a:spLocks noGrp="1"/>
+          </p:cNvSpPr>
           <p:nvPr>
             <p:ph type="title"/>
           </p:nvPr>
@@ -3841,7 +3520,7 @@
           </a:prstGeom>
         </p:spPr>
         <p:txBody>
-          <a:bodyPr anchorCtr="0" anchor="ctr" bIns="91425" lIns="91425" spcFirstLastPara="1" rIns="91425" wrap="square" tIns="91425">
+          <a:bodyPr spcFirstLastPara="1" wrap="square" lIns="91425" tIns="91425" rIns="91425" bIns="91425" anchor="ctr" anchorCtr="0">
             <a:normAutofit/>
           </a:bodyPr>
           <a:lstStyle>
@@ -3945,15 +3624,19 @@
               <a:defRPr sz="3600"/>
             </a:lvl9pPr>
           </a:lstStyle>
-          <a:p/>
+          <a:p>
+            <a:endParaRPr/>
+          </a:p>
         </p:txBody>
       </p:sp>
       <p:sp>
         <p:nvSpPr>
           <p:cNvPr id="15" name="Google Shape;15;p3"/>
-          <p:cNvSpPr txBox="1"/>
+          <p:cNvSpPr txBox="1">
+            <a:spLocks noGrp="1"/>
+          </p:cNvSpPr>
           <p:nvPr>
-            <p:ph idx="12" type="sldNum"/>
+            <p:ph type="sldNum" idx="12"/>
           </p:nvPr>
         </p:nvSpPr>
         <p:spPr>
@@ -3966,7 +3649,7 @@
           </a:prstGeom>
         </p:spPr>
         <p:txBody>
-          <a:bodyPr anchorCtr="0" anchor="ctr" bIns="91425" lIns="91425" spcFirstLastPara="1" rIns="91425" wrap="square" tIns="91425">
+          <a:bodyPr spcFirstLastPara="1" wrap="square" lIns="91425" tIns="91425" rIns="91425" bIns="91425" anchor="ctr" anchorCtr="0">
             <a:normAutofit/>
           </a:bodyPr>
           <a:lstStyle>
@@ -4008,7 +3691,7 @@
             </a:lvl9pPr>
           </a:lstStyle>
           <a:p>
-            <a:pPr indent="0" lvl="0" marL="0" rtl="0" algn="r">
+            <a:pPr marL="0" lvl="0" indent="0" algn="r" rtl="0">
               <a:spcBef>
                 <a:spcPts val="0"/>
               </a:spcBef>
@@ -4034,11 +3717,11 @@
 </file>
 
 <file path=ppt/slideLayouts/slideLayout3.xml><?xml version="1.0" encoding="utf-8"?>
-<p:sldLayout xmlns:a="http://schemas.openxmlformats.org/drawingml/2006/main" xmlns:r="http://schemas.openxmlformats.org/officeDocument/2006/relationships" xmlns:mc="http://schemas.openxmlformats.org/markup-compatibility/2006" xmlns:mv="urn:schemas-microsoft-com:mac:vml" xmlns:p="http://schemas.openxmlformats.org/presentationml/2006/main" xmlns:c="http://schemas.openxmlformats.org/drawingml/2006/chart" xmlns:dgm="http://schemas.openxmlformats.org/drawingml/2006/diagram" xmlns:o="urn:schemas-microsoft-com:office:office" xmlns:v="urn:schemas-microsoft-com:vml" xmlns:pvml="urn:schemas-microsoft-com:office:powerpoint" xmlns:com="http://schemas.openxmlformats.org/drawingml/2006/compatibility" xmlns:p14="http://schemas.microsoft.com/office/powerpoint/2010/main" xmlns:p15="http://schemas.microsoft.com/office/powerpoint/2012/main" xmlns:ahyp="http://schemas.microsoft.com/office/drawing/2018/hyperlinkcolor" matchingName="Title and body" type="tx">
-  <p:cSld name="TITLE_AND_BODY">
+<p:sldLayout xmlns:a="http://schemas.openxmlformats.org/drawingml/2006/main" xmlns:r="http://schemas.openxmlformats.org/officeDocument/2006/relationships" xmlns:p="http://schemas.openxmlformats.org/presentationml/2006/main" matchingName="Title and two columns" type="twoColTx">
+  <p:cSld name="TITLE_AND_TWO_COLUMNS">
     <p:spTree>
       <p:nvGrpSpPr>
-        <p:cNvPr id="16" name="Shape 16"/>
+        <p:cNvPr id="1" name="Shape 20"/>
         <p:cNvGrpSpPr/>
         <p:nvPr/>
       </p:nvGrpSpPr>
@@ -4052,8 +3735,10 @@
       </p:grpSpPr>
       <p:sp>
         <p:nvSpPr>
-          <p:cNvPr id="17" name="Google Shape;17;p4"/>
-          <p:cNvSpPr txBox="1"/>
+          <p:cNvPr id="21" name="Google Shape;21;p5"/>
+          <p:cNvSpPr txBox="1">
+            <a:spLocks noGrp="1"/>
+          </p:cNvSpPr>
           <p:nvPr>
             <p:ph type="title"/>
           </p:nvPr>
@@ -4068,7 +3753,7 @@
           </a:prstGeom>
         </p:spPr>
         <p:txBody>
-          <a:bodyPr anchorCtr="0" anchor="t" bIns="91425" lIns="91425" spcFirstLastPara="1" rIns="91425" wrap="square" tIns="91425">
+          <a:bodyPr spcFirstLastPara="1" wrap="square" lIns="91425" tIns="91425" rIns="91425" bIns="91425" anchor="t" anchorCtr="0">
             <a:normAutofit/>
           </a:bodyPr>
           <a:lstStyle>
@@ -4172,65 +3857,36 @@
               <a:defRPr/>
             </a:lvl9pPr>
           </a:lstStyle>
-          <a:p/>
+          <a:p>
+            <a:endParaRPr/>
+          </a:p>
         </p:txBody>
       </p:sp>
       <p:sp>
         <p:nvSpPr>
-          <p:cNvPr id="18" name="Google Shape;18;p4"/>
-          <p:cNvSpPr txBox="1"/>
+          <p:cNvPr id="22" name="Google Shape;22;p5"/>
+          <p:cNvSpPr txBox="1">
+            <a:spLocks noGrp="1"/>
+          </p:cNvSpPr>
           <p:nvPr>
-            <p:ph idx="1" type="body"/>
+            <p:ph type="body" idx="1"/>
           </p:nvPr>
         </p:nvSpPr>
         <p:spPr>
           <a:xfrm>
             <a:off x="311700" y="1152475"/>
-            <a:ext cx="8520600" cy="3416400"/>
+            <a:ext cx="3999900" cy="3416400"/>
           </a:xfrm>
           <a:prstGeom prst="rect">
             <a:avLst/>
           </a:prstGeom>
         </p:spPr>
         <p:txBody>
-          <a:bodyPr anchorCtr="0" anchor="t" bIns="91425" lIns="91425" spcFirstLastPara="1" rIns="91425" wrap="square" tIns="91425">
+          <a:bodyPr spcFirstLastPara="1" wrap="square" lIns="91425" tIns="91425" rIns="91425" bIns="91425" anchor="t" anchorCtr="0">
             <a:normAutofit/>
           </a:bodyPr>
           <a:lstStyle>
-            <a:lvl1pPr indent="-342900" lvl="0" marL="457200">
-              <a:spcBef>
-                <a:spcPts val="0"/>
-              </a:spcBef>
-              <a:spcAft>
-                <a:spcPts val="0"/>
-              </a:spcAft>
-              <a:buSzPts val="1800"/>
-              <a:buChar char="●"/>
-              <a:defRPr/>
-            </a:lvl1pPr>
-            <a:lvl2pPr indent="-317500" lvl="1" marL="914400">
-              <a:spcBef>
-                <a:spcPts val="0"/>
-              </a:spcBef>
-              <a:spcAft>
-                <a:spcPts val="0"/>
-              </a:spcAft>
-              <a:buSzPts val="1400"/>
-              <a:buChar char="○"/>
-              <a:defRPr/>
-            </a:lvl2pPr>
-            <a:lvl3pPr indent="-317500" lvl="2" marL="1371600">
-              <a:spcBef>
-                <a:spcPts val="0"/>
-              </a:spcBef>
-              <a:spcAft>
-                <a:spcPts val="0"/>
-              </a:spcAft>
-              <a:buSzPts val="1400"/>
-              <a:buChar char="■"/>
-              <a:defRPr/>
-            </a:lvl3pPr>
-            <a:lvl4pPr indent="-317500" lvl="3" marL="1828800">
+            <a:lvl1pPr marL="457200" lvl="0" indent="-317500">
               <a:spcBef>
                 <a:spcPts val="0"/>
               </a:spcBef>
@@ -4239,73 +3895,239 @@
               </a:spcAft>
               <a:buSzPts val="1400"/>
               <a:buChar char="●"/>
-              <a:defRPr/>
+              <a:defRPr sz="1400"/>
+            </a:lvl1pPr>
+            <a:lvl2pPr marL="914400" lvl="1" indent="-304800">
+              <a:spcBef>
+                <a:spcPts val="0"/>
+              </a:spcBef>
+              <a:spcAft>
+                <a:spcPts val="0"/>
+              </a:spcAft>
+              <a:buSzPts val="1200"/>
+              <a:buChar char="○"/>
+              <a:defRPr sz="1200"/>
+            </a:lvl2pPr>
+            <a:lvl3pPr marL="1371600" lvl="2" indent="-304800">
+              <a:spcBef>
+                <a:spcPts val="0"/>
+              </a:spcBef>
+              <a:spcAft>
+                <a:spcPts val="0"/>
+              </a:spcAft>
+              <a:buSzPts val="1200"/>
+              <a:buChar char="■"/>
+              <a:defRPr sz="1200"/>
+            </a:lvl3pPr>
+            <a:lvl4pPr marL="1828800" lvl="3" indent="-304800">
+              <a:spcBef>
+                <a:spcPts val="0"/>
+              </a:spcBef>
+              <a:spcAft>
+                <a:spcPts val="0"/>
+              </a:spcAft>
+              <a:buSzPts val="1200"/>
+              <a:buChar char="●"/>
+              <a:defRPr sz="1200"/>
             </a:lvl4pPr>
-            <a:lvl5pPr indent="-317500" lvl="4" marL="2286000">
-              <a:spcBef>
-                <a:spcPts val="0"/>
-              </a:spcBef>
-              <a:spcAft>
-                <a:spcPts val="0"/>
-              </a:spcAft>
-              <a:buSzPts val="1400"/>
+            <a:lvl5pPr marL="2286000" lvl="4" indent="-304800">
+              <a:spcBef>
+                <a:spcPts val="0"/>
+              </a:spcBef>
+              <a:spcAft>
+                <a:spcPts val="0"/>
+              </a:spcAft>
+              <a:buSzPts val="1200"/>
               <a:buChar char="○"/>
-              <a:defRPr/>
+              <a:defRPr sz="1200"/>
             </a:lvl5pPr>
-            <a:lvl6pPr indent="-317500" lvl="5" marL="2743200">
-              <a:spcBef>
-                <a:spcPts val="0"/>
-              </a:spcBef>
-              <a:spcAft>
-                <a:spcPts val="0"/>
-              </a:spcAft>
-              <a:buSzPts val="1400"/>
+            <a:lvl6pPr marL="2743200" lvl="5" indent="-304800">
+              <a:spcBef>
+                <a:spcPts val="0"/>
+              </a:spcBef>
+              <a:spcAft>
+                <a:spcPts val="0"/>
+              </a:spcAft>
+              <a:buSzPts val="1200"/>
               <a:buChar char="■"/>
-              <a:defRPr/>
+              <a:defRPr sz="1200"/>
             </a:lvl6pPr>
-            <a:lvl7pPr indent="-317500" lvl="6" marL="3200400">
-              <a:spcBef>
-                <a:spcPts val="0"/>
-              </a:spcBef>
-              <a:spcAft>
-                <a:spcPts val="0"/>
-              </a:spcAft>
-              <a:buSzPts val="1400"/>
+            <a:lvl7pPr marL="3200400" lvl="6" indent="-304800">
+              <a:spcBef>
+                <a:spcPts val="0"/>
+              </a:spcBef>
+              <a:spcAft>
+                <a:spcPts val="0"/>
+              </a:spcAft>
+              <a:buSzPts val="1200"/>
               <a:buChar char="●"/>
-              <a:defRPr/>
+              <a:defRPr sz="1200"/>
             </a:lvl7pPr>
-            <a:lvl8pPr indent="-317500" lvl="7" marL="3657600">
-              <a:spcBef>
-                <a:spcPts val="0"/>
-              </a:spcBef>
-              <a:spcAft>
-                <a:spcPts val="0"/>
-              </a:spcAft>
-              <a:buSzPts val="1400"/>
+            <a:lvl8pPr marL="3657600" lvl="7" indent="-304800">
+              <a:spcBef>
+                <a:spcPts val="0"/>
+              </a:spcBef>
+              <a:spcAft>
+                <a:spcPts val="0"/>
+              </a:spcAft>
+              <a:buSzPts val="1200"/>
               <a:buChar char="○"/>
-              <a:defRPr/>
+              <a:defRPr sz="1200"/>
             </a:lvl8pPr>
-            <a:lvl9pPr indent="-317500" lvl="8" marL="4114800">
-              <a:spcBef>
-                <a:spcPts val="0"/>
-              </a:spcBef>
-              <a:spcAft>
-                <a:spcPts val="0"/>
-              </a:spcAft>
-              <a:buSzPts val="1400"/>
+            <a:lvl9pPr marL="4114800" lvl="8" indent="-304800">
+              <a:spcBef>
+                <a:spcPts val="0"/>
+              </a:spcBef>
+              <a:spcAft>
+                <a:spcPts val="0"/>
+              </a:spcAft>
+              <a:buSzPts val="1200"/>
               <a:buChar char="■"/>
-              <a:defRPr/>
+              <a:defRPr sz="1200"/>
             </a:lvl9pPr>
           </a:lstStyle>
-          <a:p/>
+          <a:p>
+            <a:endParaRPr/>
+          </a:p>
         </p:txBody>
       </p:sp>
       <p:sp>
         <p:nvSpPr>
-          <p:cNvPr id="19" name="Google Shape;19;p4"/>
-          <p:cNvSpPr txBox="1"/>
+          <p:cNvPr id="23" name="Google Shape;23;p5"/>
+          <p:cNvSpPr txBox="1">
+            <a:spLocks noGrp="1"/>
+          </p:cNvSpPr>
           <p:nvPr>
-            <p:ph idx="12" type="sldNum"/>
+            <p:ph type="body" idx="2"/>
+          </p:nvPr>
+        </p:nvSpPr>
+        <p:spPr>
+          <a:xfrm>
+            <a:off x="4832400" y="1152475"/>
+            <a:ext cx="3999900" cy="3416400"/>
+          </a:xfrm>
+          <a:prstGeom prst="rect">
+            <a:avLst/>
+          </a:prstGeom>
+        </p:spPr>
+        <p:txBody>
+          <a:bodyPr spcFirstLastPara="1" wrap="square" lIns="91425" tIns="91425" rIns="91425" bIns="91425" anchor="t" anchorCtr="0">
+            <a:normAutofit/>
+          </a:bodyPr>
+          <a:lstStyle>
+            <a:lvl1pPr marL="457200" lvl="0" indent="-317500">
+              <a:spcBef>
+                <a:spcPts val="0"/>
+              </a:spcBef>
+              <a:spcAft>
+                <a:spcPts val="0"/>
+              </a:spcAft>
+              <a:buSzPts val="1400"/>
+              <a:buChar char="●"/>
+              <a:defRPr sz="1400"/>
+            </a:lvl1pPr>
+            <a:lvl2pPr marL="914400" lvl="1" indent="-304800">
+              <a:spcBef>
+                <a:spcPts val="0"/>
+              </a:spcBef>
+              <a:spcAft>
+                <a:spcPts val="0"/>
+              </a:spcAft>
+              <a:buSzPts val="1200"/>
+              <a:buChar char="○"/>
+              <a:defRPr sz="1200"/>
+            </a:lvl2pPr>
+            <a:lvl3pPr marL="1371600" lvl="2" indent="-304800">
+              <a:spcBef>
+                <a:spcPts val="0"/>
+              </a:spcBef>
+              <a:spcAft>
+                <a:spcPts val="0"/>
+              </a:spcAft>
+              <a:buSzPts val="1200"/>
+              <a:buChar char="■"/>
+              <a:defRPr sz="1200"/>
+            </a:lvl3pPr>
+            <a:lvl4pPr marL="1828800" lvl="3" indent="-304800">
+              <a:spcBef>
+                <a:spcPts val="0"/>
+              </a:spcBef>
+              <a:spcAft>
+                <a:spcPts val="0"/>
+              </a:spcAft>
+              <a:buSzPts val="1200"/>
+              <a:buChar char="●"/>
+              <a:defRPr sz="1200"/>
+            </a:lvl4pPr>
+            <a:lvl5pPr marL="2286000" lvl="4" indent="-304800">
+              <a:spcBef>
+                <a:spcPts val="0"/>
+              </a:spcBef>
+              <a:spcAft>
+                <a:spcPts val="0"/>
+              </a:spcAft>
+              <a:buSzPts val="1200"/>
+              <a:buChar char="○"/>
+              <a:defRPr sz="1200"/>
+            </a:lvl5pPr>
+            <a:lvl6pPr marL="2743200" lvl="5" indent="-304800">
+              <a:spcBef>
+                <a:spcPts val="0"/>
+              </a:spcBef>
+              <a:spcAft>
+                <a:spcPts val="0"/>
+              </a:spcAft>
+              <a:buSzPts val="1200"/>
+              <a:buChar char="■"/>
+              <a:defRPr sz="1200"/>
+            </a:lvl6pPr>
+            <a:lvl7pPr marL="3200400" lvl="6" indent="-304800">
+              <a:spcBef>
+                <a:spcPts val="0"/>
+              </a:spcBef>
+              <a:spcAft>
+                <a:spcPts val="0"/>
+              </a:spcAft>
+              <a:buSzPts val="1200"/>
+              <a:buChar char="●"/>
+              <a:defRPr sz="1200"/>
+            </a:lvl7pPr>
+            <a:lvl8pPr marL="3657600" lvl="7" indent="-304800">
+              <a:spcBef>
+                <a:spcPts val="0"/>
+              </a:spcBef>
+              <a:spcAft>
+                <a:spcPts val="0"/>
+              </a:spcAft>
+              <a:buSzPts val="1200"/>
+              <a:buChar char="○"/>
+              <a:defRPr sz="1200"/>
+            </a:lvl8pPr>
+            <a:lvl9pPr marL="4114800" lvl="8" indent="-304800">
+              <a:spcBef>
+                <a:spcPts val="0"/>
+              </a:spcBef>
+              <a:spcAft>
+                <a:spcPts val="0"/>
+              </a:spcAft>
+              <a:buSzPts val="1200"/>
+              <a:buChar char="■"/>
+              <a:defRPr sz="1200"/>
+            </a:lvl9pPr>
+          </a:lstStyle>
+          <a:p>
+            <a:endParaRPr/>
+          </a:p>
+        </p:txBody>
+      </p:sp>
+      <p:sp>
+        <p:nvSpPr>
+          <p:cNvPr id="24" name="Google Shape;24;p5"/>
+          <p:cNvSpPr txBox="1">
+            <a:spLocks noGrp="1"/>
+          </p:cNvSpPr>
+          <p:nvPr>
+            <p:ph type="sldNum" idx="12"/>
           </p:nvPr>
         </p:nvSpPr>
         <p:spPr>
@@ -4318,7 +4140,7 @@
           </a:prstGeom>
         </p:spPr>
         <p:txBody>
-          <a:bodyPr anchorCtr="0" anchor="ctr" bIns="91425" lIns="91425" spcFirstLastPara="1" rIns="91425" wrap="square" tIns="91425">
+          <a:bodyPr spcFirstLastPara="1" wrap="square" lIns="91425" tIns="91425" rIns="91425" bIns="91425" anchor="ctr" anchorCtr="0">
             <a:normAutofit/>
           </a:bodyPr>
           <a:lstStyle>
@@ -4360,7 +4182,7 @@
             </a:lvl9pPr>
           </a:lstStyle>
           <a:p>
-            <a:pPr indent="0" lvl="0" marL="0" rtl="0" algn="r">
+            <a:pPr marL="0" lvl="0" indent="0" algn="r" rtl="0">
               <a:spcBef>
                 <a:spcPts val="0"/>
               </a:spcBef>
@@ -4386,11 +4208,11 @@
 </file>
 
 <file path=ppt/slideLayouts/slideLayout4.xml><?xml version="1.0" encoding="utf-8"?>
-<p:sldLayout xmlns:a="http://schemas.openxmlformats.org/drawingml/2006/main" xmlns:r="http://schemas.openxmlformats.org/officeDocument/2006/relationships" xmlns:mc="http://schemas.openxmlformats.org/markup-compatibility/2006" xmlns:mv="urn:schemas-microsoft-com:mac:vml" xmlns:p="http://schemas.openxmlformats.org/presentationml/2006/main" xmlns:c="http://schemas.openxmlformats.org/drawingml/2006/chart" xmlns:dgm="http://schemas.openxmlformats.org/drawingml/2006/diagram" xmlns:o="urn:schemas-microsoft-com:office:office" xmlns:v="urn:schemas-microsoft-com:vml" xmlns:pvml="urn:schemas-microsoft-com:office:powerpoint" xmlns:com="http://schemas.openxmlformats.org/drawingml/2006/compatibility" xmlns:p14="http://schemas.microsoft.com/office/powerpoint/2010/main" xmlns:p15="http://schemas.microsoft.com/office/powerpoint/2012/main" xmlns:ahyp="http://schemas.microsoft.com/office/drawing/2018/hyperlinkcolor" matchingName="Title and two columns" type="twoColTx">
-  <p:cSld name="TITLE_AND_TWO_COLUMNS">
+<p:sldLayout xmlns:a="http://schemas.openxmlformats.org/drawingml/2006/main" xmlns:r="http://schemas.openxmlformats.org/officeDocument/2006/relationships" xmlns:p="http://schemas.openxmlformats.org/presentationml/2006/main" matchingName="Title only" type="titleOnly">
+  <p:cSld name="TITLE_ONLY">
     <p:spTree>
       <p:nvGrpSpPr>
-        <p:cNvPr id="20" name="Shape 20"/>
+        <p:cNvPr id="1" name="Shape 25"/>
         <p:cNvGrpSpPr/>
         <p:nvPr/>
       </p:nvGrpSpPr>
@@ -4404,8 +4226,10 @@
       </p:grpSpPr>
       <p:sp>
         <p:nvSpPr>
-          <p:cNvPr id="21" name="Google Shape;21;p5"/>
-          <p:cNvSpPr txBox="1"/>
+          <p:cNvPr id="26" name="Google Shape;26;p6"/>
+          <p:cNvSpPr txBox="1">
+            <a:spLocks noGrp="1"/>
+          </p:cNvSpPr>
           <p:nvPr>
             <p:ph type="title"/>
           </p:nvPr>
@@ -4420,7 +4244,7 @@
           </a:prstGeom>
         </p:spPr>
         <p:txBody>
-          <a:bodyPr anchorCtr="0" anchor="t" bIns="91425" lIns="91425" spcFirstLastPara="1" rIns="91425" wrap="square" tIns="91425">
+          <a:bodyPr spcFirstLastPara="1" wrap="square" lIns="91425" tIns="91425" rIns="91425" bIns="91425" anchor="t" anchorCtr="0">
             <a:normAutofit/>
           </a:bodyPr>
           <a:lstStyle>
@@ -4524,265 +4348,19 @@
               <a:defRPr/>
             </a:lvl9pPr>
           </a:lstStyle>
-          <a:p/>
+          <a:p>
+            <a:endParaRPr/>
+          </a:p>
         </p:txBody>
       </p:sp>
       <p:sp>
         <p:nvSpPr>
-          <p:cNvPr id="22" name="Google Shape;22;p5"/>
-          <p:cNvSpPr txBox="1"/>
+          <p:cNvPr id="27" name="Google Shape;27;p6"/>
+          <p:cNvSpPr txBox="1">
+            <a:spLocks noGrp="1"/>
+          </p:cNvSpPr>
           <p:nvPr>
-            <p:ph idx="1" type="body"/>
-          </p:nvPr>
-        </p:nvSpPr>
-        <p:spPr>
-          <a:xfrm>
-            <a:off x="311700" y="1152475"/>
-            <a:ext cx="3999900" cy="3416400"/>
-          </a:xfrm>
-          <a:prstGeom prst="rect">
-            <a:avLst/>
-          </a:prstGeom>
-        </p:spPr>
-        <p:txBody>
-          <a:bodyPr anchorCtr="0" anchor="t" bIns="91425" lIns="91425" spcFirstLastPara="1" rIns="91425" wrap="square" tIns="91425">
-            <a:normAutofit/>
-          </a:bodyPr>
-          <a:lstStyle>
-            <a:lvl1pPr indent="-317500" lvl="0" marL="457200">
-              <a:spcBef>
-                <a:spcPts val="0"/>
-              </a:spcBef>
-              <a:spcAft>
-                <a:spcPts val="0"/>
-              </a:spcAft>
-              <a:buSzPts val="1400"/>
-              <a:buChar char="●"/>
-              <a:defRPr sz="1400"/>
-            </a:lvl1pPr>
-            <a:lvl2pPr indent="-304800" lvl="1" marL="914400">
-              <a:spcBef>
-                <a:spcPts val="0"/>
-              </a:spcBef>
-              <a:spcAft>
-                <a:spcPts val="0"/>
-              </a:spcAft>
-              <a:buSzPts val="1200"/>
-              <a:buChar char="○"/>
-              <a:defRPr sz="1200"/>
-            </a:lvl2pPr>
-            <a:lvl3pPr indent="-304800" lvl="2" marL="1371600">
-              <a:spcBef>
-                <a:spcPts val="0"/>
-              </a:spcBef>
-              <a:spcAft>
-                <a:spcPts val="0"/>
-              </a:spcAft>
-              <a:buSzPts val="1200"/>
-              <a:buChar char="■"/>
-              <a:defRPr sz="1200"/>
-            </a:lvl3pPr>
-            <a:lvl4pPr indent="-304800" lvl="3" marL="1828800">
-              <a:spcBef>
-                <a:spcPts val="0"/>
-              </a:spcBef>
-              <a:spcAft>
-                <a:spcPts val="0"/>
-              </a:spcAft>
-              <a:buSzPts val="1200"/>
-              <a:buChar char="●"/>
-              <a:defRPr sz="1200"/>
-            </a:lvl4pPr>
-            <a:lvl5pPr indent="-304800" lvl="4" marL="2286000">
-              <a:spcBef>
-                <a:spcPts val="0"/>
-              </a:spcBef>
-              <a:spcAft>
-                <a:spcPts val="0"/>
-              </a:spcAft>
-              <a:buSzPts val="1200"/>
-              <a:buChar char="○"/>
-              <a:defRPr sz="1200"/>
-            </a:lvl5pPr>
-            <a:lvl6pPr indent="-304800" lvl="5" marL="2743200">
-              <a:spcBef>
-                <a:spcPts val="0"/>
-              </a:spcBef>
-              <a:spcAft>
-                <a:spcPts val="0"/>
-              </a:spcAft>
-              <a:buSzPts val="1200"/>
-              <a:buChar char="■"/>
-              <a:defRPr sz="1200"/>
-            </a:lvl6pPr>
-            <a:lvl7pPr indent="-304800" lvl="6" marL="3200400">
-              <a:spcBef>
-                <a:spcPts val="0"/>
-              </a:spcBef>
-              <a:spcAft>
-                <a:spcPts val="0"/>
-              </a:spcAft>
-              <a:buSzPts val="1200"/>
-              <a:buChar char="●"/>
-              <a:defRPr sz="1200"/>
-            </a:lvl7pPr>
-            <a:lvl8pPr indent="-304800" lvl="7" marL="3657600">
-              <a:spcBef>
-                <a:spcPts val="0"/>
-              </a:spcBef>
-              <a:spcAft>
-                <a:spcPts val="0"/>
-              </a:spcAft>
-              <a:buSzPts val="1200"/>
-              <a:buChar char="○"/>
-              <a:defRPr sz="1200"/>
-            </a:lvl8pPr>
-            <a:lvl9pPr indent="-304800" lvl="8" marL="4114800">
-              <a:spcBef>
-                <a:spcPts val="0"/>
-              </a:spcBef>
-              <a:spcAft>
-                <a:spcPts val="0"/>
-              </a:spcAft>
-              <a:buSzPts val="1200"/>
-              <a:buChar char="■"/>
-              <a:defRPr sz="1200"/>
-            </a:lvl9pPr>
-          </a:lstStyle>
-          <a:p/>
-        </p:txBody>
-      </p:sp>
-      <p:sp>
-        <p:nvSpPr>
-          <p:cNvPr id="23" name="Google Shape;23;p5"/>
-          <p:cNvSpPr txBox="1"/>
-          <p:nvPr>
-            <p:ph idx="2" type="body"/>
-          </p:nvPr>
-        </p:nvSpPr>
-        <p:spPr>
-          <a:xfrm>
-            <a:off x="4832400" y="1152475"/>
-            <a:ext cx="3999900" cy="3416400"/>
-          </a:xfrm>
-          <a:prstGeom prst="rect">
-            <a:avLst/>
-          </a:prstGeom>
-        </p:spPr>
-        <p:txBody>
-          <a:bodyPr anchorCtr="0" anchor="t" bIns="91425" lIns="91425" spcFirstLastPara="1" rIns="91425" wrap="square" tIns="91425">
-            <a:normAutofit/>
-          </a:bodyPr>
-          <a:lstStyle>
-            <a:lvl1pPr indent="-317500" lvl="0" marL="457200">
-              <a:spcBef>
-                <a:spcPts val="0"/>
-              </a:spcBef>
-              <a:spcAft>
-                <a:spcPts val="0"/>
-              </a:spcAft>
-              <a:buSzPts val="1400"/>
-              <a:buChar char="●"/>
-              <a:defRPr sz="1400"/>
-            </a:lvl1pPr>
-            <a:lvl2pPr indent="-304800" lvl="1" marL="914400">
-              <a:spcBef>
-                <a:spcPts val="0"/>
-              </a:spcBef>
-              <a:spcAft>
-                <a:spcPts val="0"/>
-              </a:spcAft>
-              <a:buSzPts val="1200"/>
-              <a:buChar char="○"/>
-              <a:defRPr sz="1200"/>
-            </a:lvl2pPr>
-            <a:lvl3pPr indent="-304800" lvl="2" marL="1371600">
-              <a:spcBef>
-                <a:spcPts val="0"/>
-              </a:spcBef>
-              <a:spcAft>
-                <a:spcPts val="0"/>
-              </a:spcAft>
-              <a:buSzPts val="1200"/>
-              <a:buChar char="■"/>
-              <a:defRPr sz="1200"/>
-            </a:lvl3pPr>
-            <a:lvl4pPr indent="-304800" lvl="3" marL="1828800">
-              <a:spcBef>
-                <a:spcPts val="0"/>
-              </a:spcBef>
-              <a:spcAft>
-                <a:spcPts val="0"/>
-              </a:spcAft>
-              <a:buSzPts val="1200"/>
-              <a:buChar char="●"/>
-              <a:defRPr sz="1200"/>
-            </a:lvl4pPr>
-            <a:lvl5pPr indent="-304800" lvl="4" marL="2286000">
-              <a:spcBef>
-                <a:spcPts val="0"/>
-              </a:spcBef>
-              <a:spcAft>
-                <a:spcPts val="0"/>
-              </a:spcAft>
-              <a:buSzPts val="1200"/>
-              <a:buChar char="○"/>
-              <a:defRPr sz="1200"/>
-            </a:lvl5pPr>
-            <a:lvl6pPr indent="-304800" lvl="5" marL="2743200">
-              <a:spcBef>
-                <a:spcPts val="0"/>
-              </a:spcBef>
-              <a:spcAft>
-                <a:spcPts val="0"/>
-              </a:spcAft>
-              <a:buSzPts val="1200"/>
-              <a:buChar char="■"/>
-              <a:defRPr sz="1200"/>
-            </a:lvl6pPr>
-            <a:lvl7pPr indent="-304800" lvl="6" marL="3200400">
-              <a:spcBef>
-                <a:spcPts val="0"/>
-              </a:spcBef>
-              <a:spcAft>
-                <a:spcPts val="0"/>
-              </a:spcAft>
-              <a:buSzPts val="1200"/>
-              <a:buChar char="●"/>
-              <a:defRPr sz="1200"/>
-            </a:lvl7pPr>
-            <a:lvl8pPr indent="-304800" lvl="7" marL="3657600">
-              <a:spcBef>
-                <a:spcPts val="0"/>
-              </a:spcBef>
-              <a:spcAft>
-                <a:spcPts val="0"/>
-              </a:spcAft>
-              <a:buSzPts val="1200"/>
-              <a:buChar char="○"/>
-              <a:defRPr sz="1200"/>
-            </a:lvl8pPr>
-            <a:lvl9pPr indent="-304800" lvl="8" marL="4114800">
-              <a:spcBef>
-                <a:spcPts val="0"/>
-              </a:spcBef>
-              <a:spcAft>
-                <a:spcPts val="0"/>
-              </a:spcAft>
-              <a:buSzPts val="1200"/>
-              <a:buChar char="■"/>
-              <a:defRPr sz="1200"/>
-            </a:lvl9pPr>
-          </a:lstStyle>
-          <a:p/>
-        </p:txBody>
-      </p:sp>
-      <p:sp>
-        <p:nvSpPr>
-          <p:cNvPr id="24" name="Google Shape;24;p5"/>
-          <p:cNvSpPr txBox="1"/>
-          <p:nvPr>
-            <p:ph idx="12" type="sldNum"/>
+            <p:ph type="sldNum" idx="12"/>
           </p:nvPr>
         </p:nvSpPr>
         <p:spPr>
@@ -4795,7 +4373,7 @@
           </a:prstGeom>
         </p:spPr>
         <p:txBody>
-          <a:bodyPr anchorCtr="0" anchor="ctr" bIns="91425" lIns="91425" spcFirstLastPara="1" rIns="91425" wrap="square" tIns="91425">
+          <a:bodyPr spcFirstLastPara="1" wrap="square" lIns="91425" tIns="91425" rIns="91425" bIns="91425" anchor="ctr" anchorCtr="0">
             <a:normAutofit/>
           </a:bodyPr>
           <a:lstStyle>
@@ -4837,7 +4415,7 @@
             </a:lvl9pPr>
           </a:lstStyle>
           <a:p>
-            <a:pPr indent="0" lvl="0" marL="0" rtl="0" algn="r">
+            <a:pPr marL="0" lvl="0" indent="0" algn="r" rtl="0">
               <a:spcBef>
                 <a:spcPts val="0"/>
               </a:spcBef>
@@ -4863,11 +4441,11 @@
 </file>
 
 <file path=ppt/slideLayouts/slideLayout5.xml><?xml version="1.0" encoding="utf-8"?>
-<p:sldLayout xmlns:a="http://schemas.openxmlformats.org/drawingml/2006/main" xmlns:r="http://schemas.openxmlformats.org/officeDocument/2006/relationships" xmlns:mc="http://schemas.openxmlformats.org/markup-compatibility/2006" xmlns:mv="urn:schemas-microsoft-com:mac:vml" xmlns:p="http://schemas.openxmlformats.org/presentationml/2006/main" xmlns:c="http://schemas.openxmlformats.org/drawingml/2006/chart" xmlns:dgm="http://schemas.openxmlformats.org/drawingml/2006/diagram" xmlns:o="urn:schemas-microsoft-com:office:office" xmlns:v="urn:schemas-microsoft-com:vml" xmlns:pvml="urn:schemas-microsoft-com:office:powerpoint" xmlns:com="http://schemas.openxmlformats.org/drawingml/2006/compatibility" xmlns:p14="http://schemas.microsoft.com/office/powerpoint/2010/main" xmlns:p15="http://schemas.microsoft.com/office/powerpoint/2012/main" xmlns:ahyp="http://schemas.microsoft.com/office/drawing/2018/hyperlinkcolor" matchingName="Title only" type="titleOnly">
-  <p:cSld name="TITLE_ONLY">
+<p:sldLayout xmlns:a="http://schemas.openxmlformats.org/drawingml/2006/main" xmlns:r="http://schemas.openxmlformats.org/officeDocument/2006/relationships" xmlns:p="http://schemas.openxmlformats.org/presentationml/2006/main" matchingName="One column text">
+  <p:cSld name="ONE_COLUMN_TEXT">
     <p:spTree>
       <p:nvGrpSpPr>
-        <p:cNvPr id="25" name="Shape 25"/>
+        <p:cNvPr id="1" name="Shape 28"/>
         <p:cNvGrpSpPr/>
         <p:nvPr/>
       </p:nvGrpSpPr>
@@ -4881,23 +4459,25 @@
       </p:grpSpPr>
       <p:sp>
         <p:nvSpPr>
-          <p:cNvPr id="26" name="Google Shape;26;p6"/>
-          <p:cNvSpPr txBox="1"/>
+          <p:cNvPr id="29" name="Google Shape;29;p7"/>
+          <p:cNvSpPr txBox="1">
+            <a:spLocks noGrp="1"/>
+          </p:cNvSpPr>
           <p:nvPr>
             <p:ph type="title"/>
           </p:nvPr>
         </p:nvSpPr>
         <p:spPr>
           <a:xfrm>
-            <a:off x="311700" y="445025"/>
-            <a:ext cx="8520600" cy="572700"/>
+            <a:off x="311700" y="555600"/>
+            <a:ext cx="2808000" cy="755700"/>
           </a:xfrm>
           <a:prstGeom prst="rect">
             <a:avLst/>
           </a:prstGeom>
         </p:spPr>
         <p:txBody>
-          <a:bodyPr anchorCtr="0" anchor="t" bIns="91425" lIns="91425" spcFirstLastPara="1" rIns="91425" wrap="square" tIns="91425">
+          <a:bodyPr spcFirstLastPara="1" wrap="square" lIns="91425" tIns="91425" rIns="91425" bIns="91425" anchor="b" anchorCtr="0">
             <a:normAutofit/>
           </a:bodyPr>
           <a:lstStyle>
@@ -4908,9 +4488,9 @@
               <a:spcAft>
                 <a:spcPts val="0"/>
               </a:spcAft>
-              <a:buSzPts val="2800"/>
-              <a:buNone/>
-              <a:defRPr/>
+              <a:buSzPts val="2400"/>
+              <a:buNone/>
+              <a:defRPr sz="2400"/>
             </a:lvl1pPr>
             <a:lvl2pPr lvl="1">
               <a:spcBef>
@@ -4919,9 +4499,9 @@
               <a:spcAft>
                 <a:spcPts val="0"/>
               </a:spcAft>
-              <a:buSzPts val="2800"/>
-              <a:buNone/>
-              <a:defRPr/>
+              <a:buSzPts val="2400"/>
+              <a:buNone/>
+              <a:defRPr sz="2400"/>
             </a:lvl2pPr>
             <a:lvl3pPr lvl="2">
               <a:spcBef>
@@ -4930,9 +4510,9 @@
               <a:spcAft>
                 <a:spcPts val="0"/>
               </a:spcAft>
-              <a:buSzPts val="2800"/>
-              <a:buNone/>
-              <a:defRPr/>
+              <a:buSzPts val="2400"/>
+              <a:buNone/>
+              <a:defRPr sz="2400"/>
             </a:lvl3pPr>
             <a:lvl4pPr lvl="3">
               <a:spcBef>
@@ -4941,9 +4521,9 @@
               <a:spcAft>
                 <a:spcPts val="0"/>
               </a:spcAft>
-              <a:buSzPts val="2800"/>
-              <a:buNone/>
-              <a:defRPr/>
+              <a:buSzPts val="2400"/>
+              <a:buNone/>
+              <a:defRPr sz="2400"/>
             </a:lvl4pPr>
             <a:lvl5pPr lvl="4">
               <a:spcBef>
@@ -4952,9 +4532,9 @@
               <a:spcAft>
                 <a:spcPts val="0"/>
               </a:spcAft>
-              <a:buSzPts val="2800"/>
-              <a:buNone/>
-              <a:defRPr/>
+              <a:buSzPts val="2400"/>
+              <a:buNone/>
+              <a:defRPr sz="2400"/>
             </a:lvl5pPr>
             <a:lvl6pPr lvl="5">
               <a:spcBef>
@@ -4963,9 +4543,9 @@
               <a:spcAft>
                 <a:spcPts val="0"/>
               </a:spcAft>
-              <a:buSzPts val="2800"/>
-              <a:buNone/>
-              <a:defRPr/>
+              <a:buSzPts val="2400"/>
+              <a:buNone/>
+              <a:defRPr sz="2400"/>
             </a:lvl6pPr>
             <a:lvl7pPr lvl="6">
               <a:spcBef>
@@ -4974,9 +4554,9 @@
               <a:spcAft>
                 <a:spcPts val="0"/>
               </a:spcAft>
-              <a:buSzPts val="2800"/>
-              <a:buNone/>
-              <a:defRPr/>
+              <a:buSzPts val="2400"/>
+              <a:buNone/>
+              <a:defRPr sz="2400"/>
             </a:lvl7pPr>
             <a:lvl8pPr lvl="7">
               <a:spcBef>
@@ -4985,9 +4565,9 @@
               <a:spcAft>
                 <a:spcPts val="0"/>
               </a:spcAft>
-              <a:buSzPts val="2800"/>
-              <a:buNone/>
-              <a:defRPr/>
+              <a:buSzPts val="2400"/>
+              <a:buNone/>
+              <a:defRPr sz="2400"/>
             </a:lvl8pPr>
             <a:lvl9pPr lvl="8">
               <a:spcBef>
@@ -4996,20 +4576,153 @@
               <a:spcAft>
                 <a:spcPts val="0"/>
               </a:spcAft>
-              <a:buSzPts val="2800"/>
-              <a:buNone/>
-              <a:defRPr/>
+              <a:buSzPts val="2400"/>
+              <a:buNone/>
+              <a:defRPr sz="2400"/>
             </a:lvl9pPr>
           </a:lstStyle>
-          <a:p/>
+          <a:p>
+            <a:endParaRPr/>
+          </a:p>
         </p:txBody>
       </p:sp>
       <p:sp>
         <p:nvSpPr>
-          <p:cNvPr id="27" name="Google Shape;27;p6"/>
-          <p:cNvSpPr txBox="1"/>
+          <p:cNvPr id="30" name="Google Shape;30;p7"/>
+          <p:cNvSpPr txBox="1">
+            <a:spLocks noGrp="1"/>
+          </p:cNvSpPr>
           <p:nvPr>
-            <p:ph idx="12" type="sldNum"/>
+            <p:ph type="body" idx="1"/>
+          </p:nvPr>
+        </p:nvSpPr>
+        <p:spPr>
+          <a:xfrm>
+            <a:off x="311700" y="1389600"/>
+            <a:ext cx="2808000" cy="3179400"/>
+          </a:xfrm>
+          <a:prstGeom prst="rect">
+            <a:avLst/>
+          </a:prstGeom>
+        </p:spPr>
+        <p:txBody>
+          <a:bodyPr spcFirstLastPara="1" wrap="square" lIns="91425" tIns="91425" rIns="91425" bIns="91425" anchor="t" anchorCtr="0">
+            <a:normAutofit/>
+          </a:bodyPr>
+          <a:lstStyle>
+            <a:lvl1pPr marL="457200" lvl="0" indent="-304800">
+              <a:spcBef>
+                <a:spcPts val="0"/>
+              </a:spcBef>
+              <a:spcAft>
+                <a:spcPts val="0"/>
+              </a:spcAft>
+              <a:buSzPts val="1200"/>
+              <a:buChar char="●"/>
+              <a:defRPr sz="1200"/>
+            </a:lvl1pPr>
+            <a:lvl2pPr marL="914400" lvl="1" indent="-304800">
+              <a:spcBef>
+                <a:spcPts val="0"/>
+              </a:spcBef>
+              <a:spcAft>
+                <a:spcPts val="0"/>
+              </a:spcAft>
+              <a:buSzPts val="1200"/>
+              <a:buChar char="○"/>
+              <a:defRPr sz="1200"/>
+            </a:lvl2pPr>
+            <a:lvl3pPr marL="1371600" lvl="2" indent="-304800">
+              <a:spcBef>
+                <a:spcPts val="0"/>
+              </a:spcBef>
+              <a:spcAft>
+                <a:spcPts val="0"/>
+              </a:spcAft>
+              <a:buSzPts val="1200"/>
+              <a:buChar char="■"/>
+              <a:defRPr sz="1200"/>
+            </a:lvl3pPr>
+            <a:lvl4pPr marL="1828800" lvl="3" indent="-304800">
+              <a:spcBef>
+                <a:spcPts val="0"/>
+              </a:spcBef>
+              <a:spcAft>
+                <a:spcPts val="0"/>
+              </a:spcAft>
+              <a:buSzPts val="1200"/>
+              <a:buChar char="●"/>
+              <a:defRPr sz="1200"/>
+            </a:lvl4pPr>
+            <a:lvl5pPr marL="2286000" lvl="4" indent="-304800">
+              <a:spcBef>
+                <a:spcPts val="0"/>
+              </a:spcBef>
+              <a:spcAft>
+                <a:spcPts val="0"/>
+              </a:spcAft>
+              <a:buSzPts val="1200"/>
+              <a:buChar char="○"/>
+              <a:defRPr sz="1200"/>
+            </a:lvl5pPr>
+            <a:lvl6pPr marL="2743200" lvl="5" indent="-304800">
+              <a:spcBef>
+                <a:spcPts val="0"/>
+              </a:spcBef>
+              <a:spcAft>
+                <a:spcPts val="0"/>
+              </a:spcAft>
+              <a:buSzPts val="1200"/>
+              <a:buChar char="■"/>
+              <a:defRPr sz="1200"/>
+            </a:lvl6pPr>
+            <a:lvl7pPr marL="3200400" lvl="6" indent="-304800">
+              <a:spcBef>
+                <a:spcPts val="0"/>
+              </a:spcBef>
+              <a:spcAft>
+                <a:spcPts val="0"/>
+              </a:spcAft>
+              <a:buSzPts val="1200"/>
+              <a:buChar char="●"/>
+              <a:defRPr sz="1200"/>
+            </a:lvl7pPr>
+            <a:lvl8pPr marL="3657600" lvl="7" indent="-304800">
+              <a:spcBef>
+                <a:spcPts val="0"/>
+              </a:spcBef>
+              <a:spcAft>
+                <a:spcPts val="0"/>
+              </a:spcAft>
+              <a:buSzPts val="1200"/>
+              <a:buChar char="○"/>
+              <a:defRPr sz="1200"/>
+            </a:lvl8pPr>
+            <a:lvl9pPr marL="4114800" lvl="8" indent="-304800">
+              <a:spcBef>
+                <a:spcPts val="0"/>
+              </a:spcBef>
+              <a:spcAft>
+                <a:spcPts val="0"/>
+              </a:spcAft>
+              <a:buSzPts val="1200"/>
+              <a:buChar char="■"/>
+              <a:defRPr sz="1200"/>
+            </a:lvl9pPr>
+          </a:lstStyle>
+          <a:p>
+            <a:endParaRPr/>
+          </a:p>
+        </p:txBody>
+      </p:sp>
+      <p:sp>
+        <p:nvSpPr>
+          <p:cNvPr id="31" name="Google Shape;31;p7"/>
+          <p:cNvSpPr txBox="1">
+            <a:spLocks noGrp="1"/>
+          </p:cNvSpPr>
+          <p:nvPr>
+            <p:ph type="sldNum" idx="12"/>
           </p:nvPr>
         </p:nvSpPr>
         <p:spPr>
@@ -5022,7 +4735,7 @@
           </a:prstGeom>
         </p:spPr>
         <p:txBody>
-          <a:bodyPr anchorCtr="0" anchor="ctr" bIns="91425" lIns="91425" spcFirstLastPara="1" rIns="91425" wrap="square" tIns="91425">
+          <a:bodyPr spcFirstLastPara="1" wrap="square" lIns="91425" tIns="91425" rIns="91425" bIns="91425" anchor="ctr" anchorCtr="0">
             <a:normAutofit/>
           </a:bodyPr>
           <a:lstStyle>
@@ -5064,7 +4777,7 @@
             </a:lvl9pPr>
           </a:lstStyle>
           <a:p>
-            <a:pPr indent="0" lvl="0" marL="0" rtl="0" algn="r">
+            <a:pPr marL="0" lvl="0" indent="0" algn="r" rtl="0">
               <a:spcBef>
                 <a:spcPts val="0"/>
               </a:spcBef>
@@ -5090,11 +4803,11 @@
 </file>
 
 <file path=ppt/slideLayouts/slideLayout6.xml><?xml version="1.0" encoding="utf-8"?>
-<p:sldLayout xmlns:a="http://schemas.openxmlformats.org/drawingml/2006/main" xmlns:r="http://schemas.openxmlformats.org/officeDocument/2006/relationships" xmlns:mc="http://schemas.openxmlformats.org/markup-compatibility/2006" xmlns:mv="urn:schemas-microsoft-com:mac:vml" xmlns:p="http://schemas.openxmlformats.org/presentationml/2006/main" xmlns:c="http://schemas.openxmlformats.org/drawingml/2006/chart" xmlns:dgm="http://schemas.openxmlformats.org/drawingml/2006/diagram" xmlns:o="urn:schemas-microsoft-com:office:office" xmlns:v="urn:schemas-microsoft-com:vml" xmlns:pvml="urn:schemas-microsoft-com:office:powerpoint" xmlns:com="http://schemas.openxmlformats.org/drawingml/2006/compatibility" xmlns:p14="http://schemas.microsoft.com/office/powerpoint/2010/main" xmlns:p15="http://schemas.microsoft.com/office/powerpoint/2012/main" xmlns:ahyp="http://schemas.microsoft.com/office/drawing/2018/hyperlinkcolor" matchingName="One column text">
-  <p:cSld name="ONE_COLUMN_TEXT">
+<p:sldLayout xmlns:a="http://schemas.openxmlformats.org/drawingml/2006/main" xmlns:r="http://schemas.openxmlformats.org/officeDocument/2006/relationships" xmlns:p="http://schemas.openxmlformats.org/presentationml/2006/main" matchingName="Main point">
+  <p:cSld name="MAIN_POINT">
     <p:spTree>
       <p:nvGrpSpPr>
-        <p:cNvPr id="28" name="Shape 28"/>
+        <p:cNvPr id="1" name="Shape 32"/>
         <p:cNvGrpSpPr/>
         <p:nvPr/>
       </p:nvGrpSpPr>
@@ -5108,23 +4821,25 @@
       </p:grpSpPr>
       <p:sp>
         <p:nvSpPr>
-          <p:cNvPr id="29" name="Google Shape;29;p7"/>
-          <p:cNvSpPr txBox="1"/>
+          <p:cNvPr id="33" name="Google Shape;33;p8"/>
+          <p:cNvSpPr txBox="1">
+            <a:spLocks noGrp="1"/>
+          </p:cNvSpPr>
           <p:nvPr>
             <p:ph type="title"/>
           </p:nvPr>
         </p:nvSpPr>
         <p:spPr>
           <a:xfrm>
-            <a:off x="311700" y="555600"/>
-            <a:ext cx="2808000" cy="755700"/>
+            <a:off x="490250" y="450150"/>
+            <a:ext cx="6367800" cy="4090800"/>
           </a:xfrm>
           <a:prstGeom prst="rect">
             <a:avLst/>
           </a:prstGeom>
         </p:spPr>
         <p:txBody>
-          <a:bodyPr anchorCtr="0" anchor="b" bIns="91425" lIns="91425" spcFirstLastPara="1" rIns="91425" wrap="square" tIns="91425">
+          <a:bodyPr spcFirstLastPara="1" wrap="square" lIns="91425" tIns="91425" rIns="91425" bIns="91425" anchor="ctr" anchorCtr="0">
             <a:normAutofit/>
           </a:bodyPr>
           <a:lstStyle>
@@ -5135,9 +4850,9 @@
               <a:spcAft>
                 <a:spcPts val="0"/>
               </a:spcAft>
-              <a:buSzPts val="2400"/>
-              <a:buNone/>
-              <a:defRPr sz="2400"/>
+              <a:buSzPts val="4800"/>
+              <a:buNone/>
+              <a:defRPr sz="4800"/>
             </a:lvl1pPr>
             <a:lvl2pPr lvl="1">
               <a:spcBef>
@@ -5146,9 +4861,9 @@
               <a:spcAft>
                 <a:spcPts val="0"/>
               </a:spcAft>
-              <a:buSzPts val="2400"/>
-              <a:buNone/>
-              <a:defRPr sz="2400"/>
+              <a:buSzPts val="4800"/>
+              <a:buNone/>
+              <a:defRPr sz="4800"/>
             </a:lvl2pPr>
             <a:lvl3pPr lvl="2">
               <a:spcBef>
@@ -5157,9 +4872,9 @@
               <a:spcAft>
                 <a:spcPts val="0"/>
               </a:spcAft>
-              <a:buSzPts val="2400"/>
-              <a:buNone/>
-              <a:defRPr sz="2400"/>
+              <a:buSzPts val="4800"/>
+              <a:buNone/>
+              <a:defRPr sz="4800"/>
             </a:lvl3pPr>
             <a:lvl4pPr lvl="3">
               <a:spcBef>
@@ -5168,9 +4883,9 @@
               <a:spcAft>
                 <a:spcPts val="0"/>
               </a:spcAft>
-              <a:buSzPts val="2400"/>
-              <a:buNone/>
-              <a:defRPr sz="2400"/>
+              <a:buSzPts val="4800"/>
+              <a:buNone/>
+              <a:defRPr sz="4800"/>
             </a:lvl4pPr>
             <a:lvl5pPr lvl="4">
               <a:spcBef>
@@ -5179,9 +4894,9 @@
               <a:spcAft>
                 <a:spcPts val="0"/>
               </a:spcAft>
-              <a:buSzPts val="2400"/>
-              <a:buNone/>
-              <a:defRPr sz="2400"/>
+              <a:buSzPts val="4800"/>
+              <a:buNone/>
+              <a:defRPr sz="4800"/>
             </a:lvl5pPr>
             <a:lvl6pPr lvl="5">
               <a:spcBef>
@@ -5190,9 +4905,9 @@
               <a:spcAft>
                 <a:spcPts val="0"/>
               </a:spcAft>
-              <a:buSzPts val="2400"/>
-              <a:buNone/>
-              <a:defRPr sz="2400"/>
+              <a:buSzPts val="4800"/>
+              <a:buNone/>
+              <a:defRPr sz="4800"/>
             </a:lvl6pPr>
             <a:lvl7pPr lvl="6">
               <a:spcBef>
@@ -5201,9 +4916,9 @@
               <a:spcAft>
                 <a:spcPts val="0"/>
               </a:spcAft>
-              <a:buSzPts val="2400"/>
-              <a:buNone/>
-              <a:defRPr sz="2400"/>
+              <a:buSzPts val="4800"/>
+              <a:buNone/>
+              <a:defRPr sz="4800"/>
             </a:lvl7pPr>
             <a:lvl8pPr lvl="7">
               <a:spcBef>
@@ -5212,9 +4927,9 @@
               <a:spcAft>
                 <a:spcPts val="0"/>
               </a:spcAft>
-              <a:buSzPts val="2400"/>
-              <a:buNone/>
-              <a:defRPr sz="2400"/>
+              <a:buSzPts val="4800"/>
+              <a:buNone/>
+              <a:defRPr sz="4800"/>
             </a:lvl8pPr>
             <a:lvl9pPr lvl="8">
               <a:spcBef>
@@ -5223,145 +4938,24 @@
               <a:spcAft>
                 <a:spcPts val="0"/>
               </a:spcAft>
-              <a:buSzPts val="2400"/>
-              <a:buNone/>
-              <a:defRPr sz="2400"/>
+              <a:buSzPts val="4800"/>
+              <a:buNone/>
+              <a:defRPr sz="4800"/>
             </a:lvl9pPr>
           </a:lstStyle>
-          <a:p/>
+          <a:p>
+            <a:endParaRPr/>
+          </a:p>
         </p:txBody>
       </p:sp>
       <p:sp>
         <p:nvSpPr>
-          <p:cNvPr id="30" name="Google Shape;30;p7"/>
-          <p:cNvSpPr txBox="1"/>
+          <p:cNvPr id="34" name="Google Shape;34;p8"/>
+          <p:cNvSpPr txBox="1">
+            <a:spLocks noGrp="1"/>
+          </p:cNvSpPr>
           <p:nvPr>
-            <p:ph idx="1" type="body"/>
-          </p:nvPr>
-        </p:nvSpPr>
-        <p:spPr>
-          <a:xfrm>
-            <a:off x="311700" y="1389600"/>
-            <a:ext cx="2808000" cy="3179400"/>
-          </a:xfrm>
-          <a:prstGeom prst="rect">
-            <a:avLst/>
-          </a:prstGeom>
-        </p:spPr>
-        <p:txBody>
-          <a:bodyPr anchorCtr="0" anchor="t" bIns="91425" lIns="91425" spcFirstLastPara="1" rIns="91425" wrap="square" tIns="91425">
-            <a:normAutofit/>
-          </a:bodyPr>
-          <a:lstStyle>
-            <a:lvl1pPr indent="-304800" lvl="0" marL="457200">
-              <a:spcBef>
-                <a:spcPts val="0"/>
-              </a:spcBef>
-              <a:spcAft>
-                <a:spcPts val="0"/>
-              </a:spcAft>
-              <a:buSzPts val="1200"/>
-              <a:buChar char="●"/>
-              <a:defRPr sz="1200"/>
-            </a:lvl1pPr>
-            <a:lvl2pPr indent="-304800" lvl="1" marL="914400">
-              <a:spcBef>
-                <a:spcPts val="0"/>
-              </a:spcBef>
-              <a:spcAft>
-                <a:spcPts val="0"/>
-              </a:spcAft>
-              <a:buSzPts val="1200"/>
-              <a:buChar char="○"/>
-              <a:defRPr sz="1200"/>
-            </a:lvl2pPr>
-            <a:lvl3pPr indent="-304800" lvl="2" marL="1371600">
-              <a:spcBef>
-                <a:spcPts val="0"/>
-              </a:spcBef>
-              <a:spcAft>
-                <a:spcPts val="0"/>
-              </a:spcAft>
-              <a:buSzPts val="1200"/>
-              <a:buChar char="■"/>
-              <a:defRPr sz="1200"/>
-            </a:lvl3pPr>
-            <a:lvl4pPr indent="-304800" lvl="3" marL="1828800">
-              <a:spcBef>
-                <a:spcPts val="0"/>
-              </a:spcBef>
-              <a:spcAft>
-                <a:spcPts val="0"/>
-              </a:spcAft>
-              <a:buSzPts val="1200"/>
-              <a:buChar char="●"/>
-              <a:defRPr sz="1200"/>
-            </a:lvl4pPr>
-            <a:lvl5pPr indent="-304800" lvl="4" marL="2286000">
-              <a:spcBef>
-                <a:spcPts val="0"/>
-              </a:spcBef>
-              <a:spcAft>
-                <a:spcPts val="0"/>
-              </a:spcAft>
-              <a:buSzPts val="1200"/>
-              <a:buChar char="○"/>
-              <a:defRPr sz="1200"/>
-            </a:lvl5pPr>
-            <a:lvl6pPr indent="-304800" lvl="5" marL="2743200">
-              <a:spcBef>
-                <a:spcPts val="0"/>
-              </a:spcBef>
-              <a:spcAft>
-                <a:spcPts val="0"/>
-              </a:spcAft>
-              <a:buSzPts val="1200"/>
-              <a:buChar char="■"/>
-              <a:defRPr sz="1200"/>
-            </a:lvl6pPr>
-            <a:lvl7pPr indent="-304800" lvl="6" marL="3200400">
-              <a:spcBef>
-                <a:spcPts val="0"/>
-              </a:spcBef>
-              <a:spcAft>
-                <a:spcPts val="0"/>
-              </a:spcAft>
-              <a:buSzPts val="1200"/>
-              <a:buChar char="●"/>
-              <a:defRPr sz="1200"/>
-            </a:lvl7pPr>
-            <a:lvl8pPr indent="-304800" lvl="7" marL="3657600">
-              <a:spcBef>
-                <a:spcPts val="0"/>
-              </a:spcBef>
-              <a:spcAft>
-                <a:spcPts val="0"/>
-              </a:spcAft>
-              <a:buSzPts val="1200"/>
-              <a:buChar char="○"/>
-              <a:defRPr sz="1200"/>
-            </a:lvl8pPr>
-            <a:lvl9pPr indent="-304800" lvl="8" marL="4114800">
-              <a:spcBef>
-                <a:spcPts val="0"/>
-              </a:spcBef>
-              <a:spcAft>
-                <a:spcPts val="0"/>
-              </a:spcAft>
-              <a:buSzPts val="1200"/>
-              <a:buChar char="■"/>
-              <a:defRPr sz="1200"/>
-            </a:lvl9pPr>
-          </a:lstStyle>
-          <a:p/>
-        </p:txBody>
-      </p:sp>
-      <p:sp>
-        <p:nvSpPr>
-          <p:cNvPr id="31" name="Google Shape;31;p7"/>
-          <p:cNvSpPr txBox="1"/>
-          <p:nvPr>
-            <p:ph idx="12" type="sldNum"/>
+            <p:ph type="sldNum" idx="12"/>
           </p:nvPr>
         </p:nvSpPr>
         <p:spPr>
@@ -5374,7 +4968,7 @@
           </a:prstGeom>
         </p:spPr>
         <p:txBody>
-          <a:bodyPr anchorCtr="0" anchor="ctr" bIns="91425" lIns="91425" spcFirstLastPara="1" rIns="91425" wrap="square" tIns="91425">
+          <a:bodyPr spcFirstLastPara="1" wrap="square" lIns="91425" tIns="91425" rIns="91425" bIns="91425" anchor="ctr" anchorCtr="0">
             <a:normAutofit/>
           </a:bodyPr>
           <a:lstStyle>
@@ -5416,7 +5010,7 @@
             </a:lvl9pPr>
           </a:lstStyle>
           <a:p>
-            <a:pPr indent="0" lvl="0" marL="0" rtl="0" algn="r">
+            <a:pPr marL="0" lvl="0" indent="0" algn="r" rtl="0">
               <a:spcBef>
                 <a:spcPts val="0"/>
               </a:spcBef>
@@ -5442,238 +5036,11 @@
 </file>
 
 <file path=ppt/slideLayouts/slideLayout7.xml><?xml version="1.0" encoding="utf-8"?>
-<p:sldLayout xmlns:a="http://schemas.openxmlformats.org/drawingml/2006/main" xmlns:r="http://schemas.openxmlformats.org/officeDocument/2006/relationships" xmlns:mc="http://schemas.openxmlformats.org/markup-compatibility/2006" xmlns:mv="urn:schemas-microsoft-com:mac:vml" xmlns:p="http://schemas.openxmlformats.org/presentationml/2006/main" xmlns:c="http://schemas.openxmlformats.org/drawingml/2006/chart" xmlns:dgm="http://schemas.openxmlformats.org/drawingml/2006/diagram" xmlns:o="urn:schemas-microsoft-com:office:office" xmlns:v="urn:schemas-microsoft-com:vml" xmlns:pvml="urn:schemas-microsoft-com:office:powerpoint" xmlns:com="http://schemas.openxmlformats.org/drawingml/2006/compatibility" xmlns:p14="http://schemas.microsoft.com/office/powerpoint/2010/main" xmlns:p15="http://schemas.microsoft.com/office/powerpoint/2012/main" xmlns:ahyp="http://schemas.microsoft.com/office/drawing/2018/hyperlinkcolor" matchingName="Main point">
-  <p:cSld name="MAIN_POINT">
-    <p:spTree>
-      <p:nvGrpSpPr>
-        <p:cNvPr id="32" name="Shape 32"/>
-        <p:cNvGrpSpPr/>
-        <p:nvPr/>
-      </p:nvGrpSpPr>
-      <p:grpSpPr>
-        <a:xfrm>
-          <a:off x="0" y="0"/>
-          <a:ext cx="0" cy="0"/>
-          <a:chOff x="0" y="0"/>
-          <a:chExt cx="0" cy="0"/>
-        </a:xfrm>
-      </p:grpSpPr>
-      <p:sp>
-        <p:nvSpPr>
-          <p:cNvPr id="33" name="Google Shape;33;p8"/>
-          <p:cNvSpPr txBox="1"/>
-          <p:nvPr>
-            <p:ph type="title"/>
-          </p:nvPr>
-        </p:nvSpPr>
-        <p:spPr>
-          <a:xfrm>
-            <a:off x="490250" y="450150"/>
-            <a:ext cx="6367800" cy="4090800"/>
-          </a:xfrm>
-          <a:prstGeom prst="rect">
-            <a:avLst/>
-          </a:prstGeom>
-        </p:spPr>
-        <p:txBody>
-          <a:bodyPr anchorCtr="0" anchor="ctr" bIns="91425" lIns="91425" spcFirstLastPara="1" rIns="91425" wrap="square" tIns="91425">
-            <a:normAutofit/>
-          </a:bodyPr>
-          <a:lstStyle>
-            <a:lvl1pPr lvl="0">
-              <a:spcBef>
-                <a:spcPts val="0"/>
-              </a:spcBef>
-              <a:spcAft>
-                <a:spcPts val="0"/>
-              </a:spcAft>
-              <a:buSzPts val="4800"/>
-              <a:buNone/>
-              <a:defRPr sz="4800"/>
-            </a:lvl1pPr>
-            <a:lvl2pPr lvl="1">
-              <a:spcBef>
-                <a:spcPts val="0"/>
-              </a:spcBef>
-              <a:spcAft>
-                <a:spcPts val="0"/>
-              </a:spcAft>
-              <a:buSzPts val="4800"/>
-              <a:buNone/>
-              <a:defRPr sz="4800"/>
-            </a:lvl2pPr>
-            <a:lvl3pPr lvl="2">
-              <a:spcBef>
-                <a:spcPts val="0"/>
-              </a:spcBef>
-              <a:spcAft>
-                <a:spcPts val="0"/>
-              </a:spcAft>
-              <a:buSzPts val="4800"/>
-              <a:buNone/>
-              <a:defRPr sz="4800"/>
-            </a:lvl3pPr>
-            <a:lvl4pPr lvl="3">
-              <a:spcBef>
-                <a:spcPts val="0"/>
-              </a:spcBef>
-              <a:spcAft>
-                <a:spcPts val="0"/>
-              </a:spcAft>
-              <a:buSzPts val="4800"/>
-              <a:buNone/>
-              <a:defRPr sz="4800"/>
-            </a:lvl4pPr>
-            <a:lvl5pPr lvl="4">
-              <a:spcBef>
-                <a:spcPts val="0"/>
-              </a:spcBef>
-              <a:spcAft>
-                <a:spcPts val="0"/>
-              </a:spcAft>
-              <a:buSzPts val="4800"/>
-              <a:buNone/>
-              <a:defRPr sz="4800"/>
-            </a:lvl5pPr>
-            <a:lvl6pPr lvl="5">
-              <a:spcBef>
-                <a:spcPts val="0"/>
-              </a:spcBef>
-              <a:spcAft>
-                <a:spcPts val="0"/>
-              </a:spcAft>
-              <a:buSzPts val="4800"/>
-              <a:buNone/>
-              <a:defRPr sz="4800"/>
-            </a:lvl6pPr>
-            <a:lvl7pPr lvl="6">
-              <a:spcBef>
-                <a:spcPts val="0"/>
-              </a:spcBef>
-              <a:spcAft>
-                <a:spcPts val="0"/>
-              </a:spcAft>
-              <a:buSzPts val="4800"/>
-              <a:buNone/>
-              <a:defRPr sz="4800"/>
-            </a:lvl7pPr>
-            <a:lvl8pPr lvl="7">
-              <a:spcBef>
-                <a:spcPts val="0"/>
-              </a:spcBef>
-              <a:spcAft>
-                <a:spcPts val="0"/>
-              </a:spcAft>
-              <a:buSzPts val="4800"/>
-              <a:buNone/>
-              <a:defRPr sz="4800"/>
-            </a:lvl8pPr>
-            <a:lvl9pPr lvl="8">
-              <a:spcBef>
-                <a:spcPts val="0"/>
-              </a:spcBef>
-              <a:spcAft>
-                <a:spcPts val="0"/>
-              </a:spcAft>
-              <a:buSzPts val="4800"/>
-              <a:buNone/>
-              <a:defRPr sz="4800"/>
-            </a:lvl9pPr>
-          </a:lstStyle>
-          <a:p/>
-        </p:txBody>
-      </p:sp>
-      <p:sp>
-        <p:nvSpPr>
-          <p:cNvPr id="34" name="Google Shape;34;p8"/>
-          <p:cNvSpPr txBox="1"/>
-          <p:nvPr>
-            <p:ph idx="12" type="sldNum"/>
-          </p:nvPr>
-        </p:nvSpPr>
-        <p:spPr>
-          <a:xfrm>
-            <a:off x="8472458" y="4663217"/>
-            <a:ext cx="548700" cy="393600"/>
-          </a:xfrm>
-          <a:prstGeom prst="rect">
-            <a:avLst/>
-          </a:prstGeom>
-        </p:spPr>
-        <p:txBody>
-          <a:bodyPr anchorCtr="0" anchor="ctr" bIns="91425" lIns="91425" spcFirstLastPara="1" rIns="91425" wrap="square" tIns="91425">
-            <a:normAutofit/>
-          </a:bodyPr>
-          <a:lstStyle>
-            <a:lvl1pPr lvl="0">
-              <a:buNone/>
-              <a:defRPr/>
-            </a:lvl1pPr>
-            <a:lvl2pPr lvl="1">
-              <a:buNone/>
-              <a:defRPr/>
-            </a:lvl2pPr>
-            <a:lvl3pPr lvl="2">
-              <a:buNone/>
-              <a:defRPr/>
-            </a:lvl3pPr>
-            <a:lvl4pPr lvl="3">
-              <a:buNone/>
-              <a:defRPr/>
-            </a:lvl4pPr>
-            <a:lvl5pPr lvl="4">
-              <a:buNone/>
-              <a:defRPr/>
-            </a:lvl5pPr>
-            <a:lvl6pPr lvl="5">
-              <a:buNone/>
-              <a:defRPr/>
-            </a:lvl6pPr>
-            <a:lvl7pPr lvl="6">
-              <a:buNone/>
-              <a:defRPr/>
-            </a:lvl7pPr>
-            <a:lvl8pPr lvl="7">
-              <a:buNone/>
-              <a:defRPr/>
-            </a:lvl8pPr>
-            <a:lvl9pPr lvl="8">
-              <a:buNone/>
-              <a:defRPr/>
-            </a:lvl9pPr>
-          </a:lstStyle>
-          <a:p>
-            <a:pPr indent="0" lvl="0" marL="0" rtl="0" algn="r">
-              <a:spcBef>
-                <a:spcPts val="0"/>
-              </a:spcBef>
-              <a:spcAft>
-                <a:spcPts val="0"/>
-              </a:spcAft>
-              <a:buNone/>
-            </a:pPr>
-            <a:fld id="{00000000-1234-1234-1234-123412341234}" type="slidenum">
-              <a:rPr lang="en"/>
-              <a:t>‹#›</a:t>
-            </a:fld>
-            <a:endParaRPr/>
-          </a:p>
-        </p:txBody>
-      </p:sp>
-    </p:spTree>
-  </p:cSld>
-  <p:clrMapOvr>
-    <a:masterClrMapping/>
-  </p:clrMapOvr>
-</p:sldLayout>
-</file>
-
-<file path=ppt/slideLayouts/slideLayout8.xml><?xml version="1.0" encoding="utf-8"?>
-<p:sldLayout xmlns:a="http://schemas.openxmlformats.org/drawingml/2006/main" xmlns:r="http://schemas.openxmlformats.org/officeDocument/2006/relationships" xmlns:mc="http://schemas.openxmlformats.org/markup-compatibility/2006" xmlns:mv="urn:schemas-microsoft-com:mac:vml" xmlns:p="http://schemas.openxmlformats.org/presentationml/2006/main" xmlns:c="http://schemas.openxmlformats.org/drawingml/2006/chart" xmlns:dgm="http://schemas.openxmlformats.org/drawingml/2006/diagram" xmlns:o="urn:schemas-microsoft-com:office:office" xmlns:v="urn:schemas-microsoft-com:vml" xmlns:pvml="urn:schemas-microsoft-com:office:powerpoint" xmlns:com="http://schemas.openxmlformats.org/drawingml/2006/compatibility" xmlns:p14="http://schemas.microsoft.com/office/powerpoint/2010/main" xmlns:p15="http://schemas.microsoft.com/office/powerpoint/2012/main" xmlns:ahyp="http://schemas.microsoft.com/office/drawing/2018/hyperlinkcolor" matchingName="Section title and description">
+<p:sldLayout xmlns:a="http://schemas.openxmlformats.org/drawingml/2006/main" xmlns:r="http://schemas.openxmlformats.org/officeDocument/2006/relationships" xmlns:p="http://schemas.openxmlformats.org/presentationml/2006/main" matchingName="Section title and description">
   <p:cSld name="SECTION_TITLE_AND_DESCRIPTION">
     <p:spTree>
       <p:nvGrpSpPr>
-        <p:cNvPr id="35" name="Shape 35"/>
+        <p:cNvPr id="1" name="Shape 35"/>
         <p:cNvGrpSpPr/>
         <p:nvPr/>
       </p:nvGrpSpPr>
@@ -5707,12 +5074,12 @@
           </a:ln>
         </p:spPr>
         <p:txBody>
-          <a:bodyPr anchorCtr="0" anchor="ctr" bIns="91425" lIns="91425" spcFirstLastPara="1" rIns="91425" wrap="square" tIns="91425">
+          <a:bodyPr spcFirstLastPara="1" wrap="square" lIns="91425" tIns="91425" rIns="91425" bIns="91425" anchor="ctr" anchorCtr="0">
             <a:noAutofit/>
           </a:bodyPr>
           <a:lstStyle/>
           <a:p>
-            <a:pPr indent="0" lvl="0" marL="0" rtl="0" algn="l">
+            <a:pPr marL="0" lvl="0" indent="0" algn="l" rtl="0">
               <a:spcBef>
                 <a:spcPts val="0"/>
               </a:spcBef>
@@ -5721,9 +5088,6 @@
               </a:spcAft>
               <a:buNone/>
             </a:pPr>
-            <a:r>
-              <a:t/>
-            </a:r>
             <a:endParaRPr/>
           </a:p>
         </p:txBody>
@@ -5731,7 +5095,9 @@
       <p:sp>
         <p:nvSpPr>
           <p:cNvPr id="37" name="Google Shape;37;p9"/>
-          <p:cNvSpPr txBox="1"/>
+          <p:cNvSpPr txBox="1">
+            <a:spLocks noGrp="1"/>
+          </p:cNvSpPr>
           <p:nvPr>
             <p:ph type="title"/>
           </p:nvPr>
@@ -5746,7 +5112,7 @@
           </a:prstGeom>
         </p:spPr>
         <p:txBody>
-          <a:bodyPr anchorCtr="0" anchor="b" bIns="91425" lIns="91425" spcFirstLastPara="1" rIns="91425" wrap="square" tIns="91425">
+          <a:bodyPr spcFirstLastPara="1" wrap="square" lIns="91425" tIns="91425" rIns="91425" bIns="91425" anchor="b" anchorCtr="0">
             <a:normAutofit/>
           </a:bodyPr>
           <a:lstStyle>
@@ -5850,15 +5216,19 @@
               <a:defRPr sz="4200"/>
             </a:lvl9pPr>
           </a:lstStyle>
-          <a:p/>
+          <a:p>
+            <a:endParaRPr/>
+          </a:p>
         </p:txBody>
       </p:sp>
       <p:sp>
         <p:nvSpPr>
           <p:cNvPr id="38" name="Google Shape;38;p9"/>
-          <p:cNvSpPr txBox="1"/>
+          <p:cNvSpPr txBox="1">
+            <a:spLocks noGrp="1"/>
+          </p:cNvSpPr>
           <p:nvPr>
-            <p:ph idx="1" type="subTitle"/>
+            <p:ph type="subTitle" idx="1"/>
           </p:nvPr>
         </p:nvSpPr>
         <p:spPr>
@@ -5871,7 +5241,7 @@
           </a:prstGeom>
         </p:spPr>
         <p:txBody>
-          <a:bodyPr anchorCtr="0" anchor="t" bIns="91425" lIns="91425" spcFirstLastPara="1" rIns="91425" wrap="square" tIns="91425">
+          <a:bodyPr spcFirstLastPara="1" wrap="square" lIns="91425" tIns="91425" rIns="91425" bIns="91425" anchor="t" anchorCtr="0">
             <a:normAutofit/>
           </a:bodyPr>
           <a:lstStyle>
@@ -6002,15 +5372,19 @@
               <a:defRPr sz="2100"/>
             </a:lvl9pPr>
           </a:lstStyle>
-          <a:p/>
+          <a:p>
+            <a:endParaRPr/>
+          </a:p>
         </p:txBody>
       </p:sp>
       <p:sp>
         <p:nvSpPr>
           <p:cNvPr id="39" name="Google Shape;39;p9"/>
-          <p:cNvSpPr txBox="1"/>
+          <p:cNvSpPr txBox="1">
+            <a:spLocks noGrp="1"/>
+          </p:cNvSpPr>
           <p:nvPr>
-            <p:ph idx="2" type="body"/>
+            <p:ph type="body" idx="2"/>
           </p:nvPr>
         </p:nvSpPr>
         <p:spPr>
@@ -6023,11 +5397,11 @@
           </a:prstGeom>
         </p:spPr>
         <p:txBody>
-          <a:bodyPr anchorCtr="0" anchor="ctr" bIns="91425" lIns="91425" spcFirstLastPara="1" rIns="91425" wrap="square" tIns="91425">
+          <a:bodyPr spcFirstLastPara="1" wrap="square" lIns="91425" tIns="91425" rIns="91425" bIns="91425" anchor="ctr" anchorCtr="0">
             <a:normAutofit/>
           </a:bodyPr>
           <a:lstStyle>
-            <a:lvl1pPr indent="-342900" lvl="0" marL="457200">
+            <a:lvl1pPr marL="457200" lvl="0" indent="-342900">
               <a:spcBef>
                 <a:spcPts val="0"/>
               </a:spcBef>
@@ -6038,7 +5412,7 @@
               <a:buChar char="●"/>
               <a:defRPr/>
             </a:lvl1pPr>
-            <a:lvl2pPr indent="-317500" lvl="1" marL="914400">
+            <a:lvl2pPr marL="914400" lvl="1" indent="-317500">
               <a:spcBef>
                 <a:spcPts val="0"/>
               </a:spcBef>
@@ -6049,7 +5423,7 @@
               <a:buChar char="○"/>
               <a:defRPr/>
             </a:lvl2pPr>
-            <a:lvl3pPr indent="-317500" lvl="2" marL="1371600">
+            <a:lvl3pPr marL="1371600" lvl="2" indent="-317500">
               <a:spcBef>
                 <a:spcPts val="0"/>
               </a:spcBef>
@@ -6060,7 +5434,7 @@
               <a:buChar char="■"/>
               <a:defRPr/>
             </a:lvl3pPr>
-            <a:lvl4pPr indent="-317500" lvl="3" marL="1828800">
+            <a:lvl4pPr marL="1828800" lvl="3" indent="-317500">
               <a:spcBef>
                 <a:spcPts val="0"/>
               </a:spcBef>
@@ -6071,7 +5445,7 @@
               <a:buChar char="●"/>
               <a:defRPr/>
             </a:lvl4pPr>
-            <a:lvl5pPr indent="-317500" lvl="4" marL="2286000">
+            <a:lvl5pPr marL="2286000" lvl="4" indent="-317500">
               <a:spcBef>
                 <a:spcPts val="0"/>
               </a:spcBef>
@@ -6082,7 +5456,7 @@
               <a:buChar char="○"/>
               <a:defRPr/>
             </a:lvl5pPr>
-            <a:lvl6pPr indent="-317500" lvl="5" marL="2743200">
+            <a:lvl6pPr marL="2743200" lvl="5" indent="-317500">
               <a:spcBef>
                 <a:spcPts val="0"/>
               </a:spcBef>
@@ -6093,7 +5467,7 @@
               <a:buChar char="■"/>
               <a:defRPr/>
             </a:lvl6pPr>
-            <a:lvl7pPr indent="-317500" lvl="6" marL="3200400">
+            <a:lvl7pPr marL="3200400" lvl="6" indent="-317500">
               <a:spcBef>
                 <a:spcPts val="0"/>
               </a:spcBef>
@@ -6104,7 +5478,7 @@
               <a:buChar char="●"/>
               <a:defRPr/>
             </a:lvl7pPr>
-            <a:lvl8pPr indent="-317500" lvl="7" marL="3657600">
+            <a:lvl8pPr marL="3657600" lvl="7" indent="-317500">
               <a:spcBef>
                 <a:spcPts val="0"/>
               </a:spcBef>
@@ -6115,7 +5489,7 @@
               <a:buChar char="○"/>
               <a:defRPr/>
             </a:lvl8pPr>
-            <a:lvl9pPr indent="-317500" lvl="8" marL="4114800">
+            <a:lvl9pPr marL="4114800" lvl="8" indent="-317500">
               <a:spcBef>
                 <a:spcPts val="0"/>
               </a:spcBef>
@@ -6127,15 +5501,19 @@
               <a:defRPr/>
             </a:lvl9pPr>
           </a:lstStyle>
-          <a:p/>
+          <a:p>
+            <a:endParaRPr/>
+          </a:p>
         </p:txBody>
       </p:sp>
       <p:sp>
         <p:nvSpPr>
           <p:cNvPr id="40" name="Google Shape;40;p9"/>
-          <p:cNvSpPr txBox="1"/>
+          <p:cNvSpPr txBox="1">
+            <a:spLocks noGrp="1"/>
+          </p:cNvSpPr>
           <p:nvPr>
-            <p:ph idx="12" type="sldNum"/>
+            <p:ph type="sldNum" idx="12"/>
           </p:nvPr>
         </p:nvSpPr>
         <p:spPr>
@@ -6148,7 +5526,7 @@
           </a:prstGeom>
         </p:spPr>
         <p:txBody>
-          <a:bodyPr anchorCtr="0" anchor="ctr" bIns="91425" lIns="91425" spcFirstLastPara="1" rIns="91425" wrap="square" tIns="91425">
+          <a:bodyPr spcFirstLastPara="1" wrap="square" lIns="91425" tIns="91425" rIns="91425" bIns="91425" anchor="ctr" anchorCtr="0">
             <a:normAutofit/>
           </a:bodyPr>
           <a:lstStyle>
@@ -6190,7 +5568,155 @@
             </a:lvl9pPr>
           </a:lstStyle>
           <a:p>
-            <a:pPr indent="0" lvl="0" marL="0" rtl="0" algn="r">
+            <a:pPr marL="0" lvl="0" indent="0" algn="r" rtl="0">
+              <a:spcBef>
+                <a:spcPts val="0"/>
+              </a:spcBef>
+              <a:spcAft>
+                <a:spcPts val="0"/>
+              </a:spcAft>
+              <a:buNone/>
+            </a:pPr>
+            <a:fld id="{00000000-1234-1234-1234-123412341234}" type="slidenum">
+              <a:rPr lang="en"/>
+              <a:t>‹#›</a:t>
+            </a:fld>
+            <a:endParaRPr/>
+          </a:p>
+        </p:txBody>
+      </p:sp>
+    </p:spTree>
+  </p:cSld>
+  <p:clrMapOvr>
+    <a:masterClrMapping/>
+  </p:clrMapOvr>
+</p:sldLayout>
+</file>
+
+<file path=ppt/slideLayouts/slideLayout8.xml><?xml version="1.0" encoding="utf-8"?>
+<p:sldLayout xmlns:a="http://schemas.openxmlformats.org/drawingml/2006/main" xmlns:r="http://schemas.openxmlformats.org/officeDocument/2006/relationships" xmlns:p="http://schemas.openxmlformats.org/presentationml/2006/main" matchingName="Caption">
+  <p:cSld name="CAPTION_ONLY">
+    <p:spTree>
+      <p:nvGrpSpPr>
+        <p:cNvPr id="1" name="Shape 41"/>
+        <p:cNvGrpSpPr/>
+        <p:nvPr/>
+      </p:nvGrpSpPr>
+      <p:grpSpPr>
+        <a:xfrm>
+          <a:off x="0" y="0"/>
+          <a:ext cx="0" cy="0"/>
+          <a:chOff x="0" y="0"/>
+          <a:chExt cx="0" cy="0"/>
+        </a:xfrm>
+      </p:grpSpPr>
+      <p:sp>
+        <p:nvSpPr>
+          <p:cNvPr id="42" name="Google Shape;42;p10"/>
+          <p:cNvSpPr txBox="1">
+            <a:spLocks noGrp="1"/>
+          </p:cNvSpPr>
+          <p:nvPr>
+            <p:ph type="body" idx="1"/>
+          </p:nvPr>
+        </p:nvSpPr>
+        <p:spPr>
+          <a:xfrm>
+            <a:off x="311700" y="4230575"/>
+            <a:ext cx="5998800" cy="605100"/>
+          </a:xfrm>
+          <a:prstGeom prst="rect">
+            <a:avLst/>
+          </a:prstGeom>
+        </p:spPr>
+        <p:txBody>
+          <a:bodyPr spcFirstLastPara="1" wrap="square" lIns="91425" tIns="91425" rIns="91425" bIns="91425" anchor="ctr" anchorCtr="0">
+            <a:normAutofit/>
+          </a:bodyPr>
+          <a:lstStyle>
+            <a:lvl1pPr marL="457200" lvl="0" indent="-228600">
+              <a:lnSpc>
+                <a:spcPct val="100000"/>
+              </a:lnSpc>
+              <a:spcBef>
+                <a:spcPts val="0"/>
+              </a:spcBef>
+              <a:spcAft>
+                <a:spcPts val="0"/>
+              </a:spcAft>
+              <a:buSzPts val="1800"/>
+              <a:buNone/>
+              <a:defRPr/>
+            </a:lvl1pPr>
+          </a:lstStyle>
+          <a:p>
+            <a:endParaRPr/>
+          </a:p>
+        </p:txBody>
+      </p:sp>
+      <p:sp>
+        <p:nvSpPr>
+          <p:cNvPr id="43" name="Google Shape;43;p10"/>
+          <p:cNvSpPr txBox="1">
+            <a:spLocks noGrp="1"/>
+          </p:cNvSpPr>
+          <p:nvPr>
+            <p:ph type="sldNum" idx="12"/>
+          </p:nvPr>
+        </p:nvSpPr>
+        <p:spPr>
+          <a:xfrm>
+            <a:off x="8472458" y="4663217"/>
+            <a:ext cx="548700" cy="393600"/>
+          </a:xfrm>
+          <a:prstGeom prst="rect">
+            <a:avLst/>
+          </a:prstGeom>
+        </p:spPr>
+        <p:txBody>
+          <a:bodyPr spcFirstLastPara="1" wrap="square" lIns="91425" tIns="91425" rIns="91425" bIns="91425" anchor="ctr" anchorCtr="0">
+            <a:normAutofit/>
+          </a:bodyPr>
+          <a:lstStyle>
+            <a:lvl1pPr lvl="0">
+              <a:buNone/>
+              <a:defRPr/>
+            </a:lvl1pPr>
+            <a:lvl2pPr lvl="1">
+              <a:buNone/>
+              <a:defRPr/>
+            </a:lvl2pPr>
+            <a:lvl3pPr lvl="2">
+              <a:buNone/>
+              <a:defRPr/>
+            </a:lvl3pPr>
+            <a:lvl4pPr lvl="3">
+              <a:buNone/>
+              <a:defRPr/>
+            </a:lvl4pPr>
+            <a:lvl5pPr lvl="4">
+              <a:buNone/>
+              <a:defRPr/>
+            </a:lvl5pPr>
+            <a:lvl6pPr lvl="5">
+              <a:buNone/>
+              <a:defRPr/>
+            </a:lvl6pPr>
+            <a:lvl7pPr lvl="6">
+              <a:buNone/>
+              <a:defRPr/>
+            </a:lvl7pPr>
+            <a:lvl8pPr lvl="7">
+              <a:buNone/>
+              <a:defRPr/>
+            </a:lvl8pPr>
+            <a:lvl9pPr lvl="8">
+              <a:buNone/>
+              <a:defRPr/>
+            </a:lvl9pPr>
+          </a:lstStyle>
+          <a:p>
+            <a:pPr marL="0" lvl="0" indent="0" algn="r" rtl="0">
               <a:spcBef>
                 <a:spcPts val="0"/>
               </a:spcBef>
@@ -6216,11 +5742,11 @@
 </file>
 
 <file path=ppt/slideLayouts/slideLayout9.xml><?xml version="1.0" encoding="utf-8"?>
-<p:sldLayout xmlns:a="http://schemas.openxmlformats.org/drawingml/2006/main" xmlns:r="http://schemas.openxmlformats.org/officeDocument/2006/relationships" xmlns:mc="http://schemas.openxmlformats.org/markup-compatibility/2006" xmlns:mv="urn:schemas-microsoft-com:mac:vml" xmlns:p="http://schemas.openxmlformats.org/presentationml/2006/main" xmlns:c="http://schemas.openxmlformats.org/drawingml/2006/chart" xmlns:dgm="http://schemas.openxmlformats.org/drawingml/2006/diagram" xmlns:o="urn:schemas-microsoft-com:office:office" xmlns:v="urn:schemas-microsoft-com:vml" xmlns:pvml="urn:schemas-microsoft-com:office:powerpoint" xmlns:com="http://schemas.openxmlformats.org/drawingml/2006/compatibility" xmlns:p14="http://schemas.microsoft.com/office/powerpoint/2010/main" xmlns:p15="http://schemas.microsoft.com/office/powerpoint/2012/main" xmlns:ahyp="http://schemas.microsoft.com/office/drawing/2018/hyperlinkcolor" matchingName="Caption">
-  <p:cSld name="CAPTION_ONLY">
+<p:sldLayout xmlns:a="http://schemas.openxmlformats.org/drawingml/2006/main" xmlns:r="http://schemas.openxmlformats.org/officeDocument/2006/relationships" xmlns:p="http://schemas.openxmlformats.org/presentationml/2006/main" matchingName="Big number">
+  <p:cSld name="BIG_NUMBER">
     <p:spTree>
       <p:nvGrpSpPr>
-        <p:cNvPr id="41" name="Shape 41"/>
+        <p:cNvPr id="1" name="Shape 44"/>
         <p:cNvGrpSpPr/>
         <p:nvPr/>
       </p:nvGrpSpPr>
@@ -6234,50 +5760,272 @@
       </p:grpSpPr>
       <p:sp>
         <p:nvSpPr>
-          <p:cNvPr id="42" name="Google Shape;42;p10"/>
-          <p:cNvSpPr txBox="1"/>
+          <p:cNvPr id="45" name="Google Shape;45;p11"/>
+          <p:cNvSpPr txBox="1">
+            <a:spLocks noGrp="1"/>
+          </p:cNvSpPr>
           <p:nvPr>
-            <p:ph idx="1" type="body"/>
+            <p:ph type="title" hasCustomPrompt="1"/>
           </p:nvPr>
         </p:nvSpPr>
         <p:spPr>
           <a:xfrm>
-            <a:off x="311700" y="4230575"/>
-            <a:ext cx="5998800" cy="605100"/>
+            <a:off x="311700" y="1106125"/>
+            <a:ext cx="8520600" cy="1963500"/>
           </a:xfrm>
           <a:prstGeom prst="rect">
             <a:avLst/>
           </a:prstGeom>
         </p:spPr>
         <p:txBody>
-          <a:bodyPr anchorCtr="0" anchor="ctr" bIns="91425" lIns="91425" spcFirstLastPara="1" rIns="91425" wrap="square" tIns="91425">
+          <a:bodyPr spcFirstLastPara="1" wrap="square" lIns="91425" tIns="91425" rIns="91425" bIns="91425" anchor="b" anchorCtr="0">
             <a:normAutofit/>
           </a:bodyPr>
           <a:lstStyle>
-            <a:lvl1pPr indent="-228600" lvl="0" marL="457200">
-              <a:lnSpc>
-                <a:spcPct val="100000"/>
-              </a:lnSpc>
-              <a:spcBef>
-                <a:spcPts val="0"/>
-              </a:spcBef>
-              <a:spcAft>
-                <a:spcPts val="0"/>
-              </a:spcAft>
-              <a:buSzPts val="1800"/>
-              <a:buNone/>
-              <a:defRPr/>
+            <a:lvl1pPr lvl="0" algn="ctr">
+              <a:spcBef>
+                <a:spcPts val="0"/>
+              </a:spcBef>
+              <a:spcAft>
+                <a:spcPts val="0"/>
+              </a:spcAft>
+              <a:buSzPts val="12000"/>
+              <a:buNone/>
+              <a:defRPr sz="12000"/>
             </a:lvl1pPr>
+            <a:lvl2pPr lvl="1" algn="ctr">
+              <a:spcBef>
+                <a:spcPts val="0"/>
+              </a:spcBef>
+              <a:spcAft>
+                <a:spcPts val="0"/>
+              </a:spcAft>
+              <a:buSzPts val="12000"/>
+              <a:buNone/>
+              <a:defRPr sz="12000"/>
+            </a:lvl2pPr>
+            <a:lvl3pPr lvl="2" algn="ctr">
+              <a:spcBef>
+                <a:spcPts val="0"/>
+              </a:spcBef>
+              <a:spcAft>
+                <a:spcPts val="0"/>
+              </a:spcAft>
+              <a:buSzPts val="12000"/>
+              <a:buNone/>
+              <a:defRPr sz="12000"/>
+            </a:lvl3pPr>
+            <a:lvl4pPr lvl="3" algn="ctr">
+              <a:spcBef>
+                <a:spcPts val="0"/>
+              </a:spcBef>
+              <a:spcAft>
+                <a:spcPts val="0"/>
+              </a:spcAft>
+              <a:buSzPts val="12000"/>
+              <a:buNone/>
+              <a:defRPr sz="12000"/>
+            </a:lvl4pPr>
+            <a:lvl5pPr lvl="4" algn="ctr">
+              <a:spcBef>
+                <a:spcPts val="0"/>
+              </a:spcBef>
+              <a:spcAft>
+                <a:spcPts val="0"/>
+              </a:spcAft>
+              <a:buSzPts val="12000"/>
+              <a:buNone/>
+              <a:defRPr sz="12000"/>
+            </a:lvl5pPr>
+            <a:lvl6pPr lvl="5" algn="ctr">
+              <a:spcBef>
+                <a:spcPts val="0"/>
+              </a:spcBef>
+              <a:spcAft>
+                <a:spcPts val="0"/>
+              </a:spcAft>
+              <a:buSzPts val="12000"/>
+              <a:buNone/>
+              <a:defRPr sz="12000"/>
+            </a:lvl6pPr>
+            <a:lvl7pPr lvl="6" algn="ctr">
+              <a:spcBef>
+                <a:spcPts val="0"/>
+              </a:spcBef>
+              <a:spcAft>
+                <a:spcPts val="0"/>
+              </a:spcAft>
+              <a:buSzPts val="12000"/>
+              <a:buNone/>
+              <a:defRPr sz="12000"/>
+            </a:lvl7pPr>
+            <a:lvl8pPr lvl="7" algn="ctr">
+              <a:spcBef>
+                <a:spcPts val="0"/>
+              </a:spcBef>
+              <a:spcAft>
+                <a:spcPts val="0"/>
+              </a:spcAft>
+              <a:buSzPts val="12000"/>
+              <a:buNone/>
+              <a:defRPr sz="12000"/>
+            </a:lvl8pPr>
+            <a:lvl9pPr lvl="8" algn="ctr">
+              <a:spcBef>
+                <a:spcPts val="0"/>
+              </a:spcBef>
+              <a:spcAft>
+                <a:spcPts val="0"/>
+              </a:spcAft>
+              <a:buSzPts val="12000"/>
+              <a:buNone/>
+              <a:defRPr sz="12000"/>
+            </a:lvl9pPr>
           </a:lstStyle>
-          <a:p/>
+          <a:p>
+            <a:r>
+              <a:t>xx%</a:t>
+            </a:r>
+          </a:p>
         </p:txBody>
       </p:sp>
       <p:sp>
         <p:nvSpPr>
-          <p:cNvPr id="43" name="Google Shape;43;p10"/>
-          <p:cNvSpPr txBox="1"/>
+          <p:cNvPr id="46" name="Google Shape;46;p11"/>
+          <p:cNvSpPr txBox="1">
+            <a:spLocks noGrp="1"/>
+          </p:cNvSpPr>
           <p:nvPr>
-            <p:ph idx="12" type="sldNum"/>
+            <p:ph type="body" idx="1"/>
+          </p:nvPr>
+        </p:nvSpPr>
+        <p:spPr>
+          <a:xfrm>
+            <a:off x="311700" y="3152225"/>
+            <a:ext cx="8520600" cy="1300800"/>
+          </a:xfrm>
+          <a:prstGeom prst="rect">
+            <a:avLst/>
+          </a:prstGeom>
+        </p:spPr>
+        <p:txBody>
+          <a:bodyPr spcFirstLastPara="1" wrap="square" lIns="91425" tIns="91425" rIns="91425" bIns="91425" anchor="t" anchorCtr="0">
+            <a:normAutofit/>
+          </a:bodyPr>
+          <a:lstStyle>
+            <a:lvl1pPr marL="457200" lvl="0" indent="-342900" algn="ctr">
+              <a:spcBef>
+                <a:spcPts val="0"/>
+              </a:spcBef>
+              <a:spcAft>
+                <a:spcPts val="0"/>
+              </a:spcAft>
+              <a:buSzPts val="1800"/>
+              <a:buChar char="●"/>
+              <a:defRPr/>
+            </a:lvl1pPr>
+            <a:lvl2pPr marL="914400" lvl="1" indent="-317500" algn="ctr">
+              <a:spcBef>
+                <a:spcPts val="0"/>
+              </a:spcBef>
+              <a:spcAft>
+                <a:spcPts val="0"/>
+              </a:spcAft>
+              <a:buSzPts val="1400"/>
+              <a:buChar char="○"/>
+              <a:defRPr/>
+            </a:lvl2pPr>
+            <a:lvl3pPr marL="1371600" lvl="2" indent="-317500" algn="ctr">
+              <a:spcBef>
+                <a:spcPts val="0"/>
+              </a:spcBef>
+              <a:spcAft>
+                <a:spcPts val="0"/>
+              </a:spcAft>
+              <a:buSzPts val="1400"/>
+              <a:buChar char="■"/>
+              <a:defRPr/>
+            </a:lvl3pPr>
+            <a:lvl4pPr marL="1828800" lvl="3" indent="-317500" algn="ctr">
+              <a:spcBef>
+                <a:spcPts val="0"/>
+              </a:spcBef>
+              <a:spcAft>
+                <a:spcPts val="0"/>
+              </a:spcAft>
+              <a:buSzPts val="1400"/>
+              <a:buChar char="●"/>
+              <a:defRPr/>
+            </a:lvl4pPr>
+            <a:lvl5pPr marL="2286000" lvl="4" indent="-317500" algn="ctr">
+              <a:spcBef>
+                <a:spcPts val="0"/>
+              </a:spcBef>
+              <a:spcAft>
+                <a:spcPts val="0"/>
+              </a:spcAft>
+              <a:buSzPts val="1400"/>
+              <a:buChar char="○"/>
+              <a:defRPr/>
+            </a:lvl5pPr>
+            <a:lvl6pPr marL="2743200" lvl="5" indent="-317500" algn="ctr">
+              <a:spcBef>
+                <a:spcPts val="0"/>
+              </a:spcBef>
+              <a:spcAft>
+                <a:spcPts val="0"/>
+              </a:spcAft>
+              <a:buSzPts val="1400"/>
+              <a:buChar char="■"/>
+              <a:defRPr/>
+            </a:lvl6pPr>
+            <a:lvl7pPr marL="3200400" lvl="6" indent="-317500" algn="ctr">
+              <a:spcBef>
+                <a:spcPts val="0"/>
+              </a:spcBef>
+              <a:spcAft>
+                <a:spcPts val="0"/>
+              </a:spcAft>
+              <a:buSzPts val="1400"/>
+              <a:buChar char="●"/>
+              <a:defRPr/>
+            </a:lvl7pPr>
+            <a:lvl8pPr marL="3657600" lvl="7" indent="-317500" algn="ctr">
+              <a:spcBef>
+                <a:spcPts val="0"/>
+              </a:spcBef>
+              <a:spcAft>
+                <a:spcPts val="0"/>
+              </a:spcAft>
+              <a:buSzPts val="1400"/>
+              <a:buChar char="○"/>
+              <a:defRPr/>
+            </a:lvl8pPr>
+            <a:lvl9pPr marL="4114800" lvl="8" indent="-317500" algn="ctr">
+              <a:spcBef>
+                <a:spcPts val="0"/>
+              </a:spcBef>
+              <a:spcAft>
+                <a:spcPts val="0"/>
+              </a:spcAft>
+              <a:buSzPts val="1400"/>
+              <a:buChar char="■"/>
+              <a:defRPr/>
+            </a:lvl9pPr>
+          </a:lstStyle>
+          <a:p>
+            <a:endParaRPr/>
+          </a:p>
+        </p:txBody>
+      </p:sp>
+      <p:sp>
+        <p:nvSpPr>
+          <p:cNvPr id="47" name="Google Shape;47;p11"/>
+          <p:cNvSpPr txBox="1">
+            <a:spLocks noGrp="1"/>
+          </p:cNvSpPr>
+          <p:nvPr>
+            <p:ph type="sldNum" idx="12"/>
           </p:nvPr>
         </p:nvSpPr>
         <p:spPr>
@@ -6290,7 +6038,7 @@
           </a:prstGeom>
         </p:spPr>
         <p:txBody>
-          <a:bodyPr anchorCtr="0" anchor="ctr" bIns="91425" lIns="91425" spcFirstLastPara="1" rIns="91425" wrap="square" tIns="91425">
+          <a:bodyPr spcFirstLastPara="1" wrap="square" lIns="91425" tIns="91425" rIns="91425" bIns="91425" anchor="ctr" anchorCtr="0">
             <a:normAutofit/>
           </a:bodyPr>
           <a:lstStyle>
@@ -6332,7 +6080,7 @@
             </a:lvl9pPr>
           </a:lstStyle>
           <a:p>
-            <a:pPr indent="0" lvl="0" marL="0" rtl="0" algn="r">
+            <a:pPr marL="0" lvl="0" indent="0" algn="r" rtl="0">
               <a:spcBef>
                 <a:spcPts val="0"/>
               </a:spcBef>
@@ -6358,18 +6106,19 @@
 </file>
 
 <file path=ppt/slideMasters/slideMaster1.xml><?xml version="1.0" encoding="utf-8"?>
-<p:sldMaster xmlns:a="http://schemas.openxmlformats.org/drawingml/2006/main" xmlns:r="http://schemas.openxmlformats.org/officeDocument/2006/relationships" xmlns:mc="http://schemas.openxmlformats.org/markup-compatibility/2006" xmlns:mv="urn:schemas-microsoft-com:mac:vml" xmlns:p="http://schemas.openxmlformats.org/presentationml/2006/main" xmlns:c="http://schemas.openxmlformats.org/drawingml/2006/chart" xmlns:dgm="http://schemas.openxmlformats.org/drawingml/2006/diagram" xmlns:o="urn:schemas-microsoft-com:office:office" xmlns:v="urn:schemas-microsoft-com:vml" xmlns:pvml="urn:schemas-microsoft-com:office:powerpoint" xmlns:com="http://schemas.openxmlformats.org/drawingml/2006/compatibility" xmlns:p14="http://schemas.microsoft.com/office/powerpoint/2010/main" xmlns:p15="http://schemas.microsoft.com/office/powerpoint/2012/main" xmlns:ahyp="http://schemas.microsoft.com/office/drawing/2018/hyperlinkcolor">
+<p:sldMaster xmlns:a="http://schemas.openxmlformats.org/drawingml/2006/main" xmlns:r="http://schemas.openxmlformats.org/officeDocument/2006/relationships" xmlns:p="http://schemas.openxmlformats.org/presentationml/2006/main">
   <p:cSld name="simple-light-2">
     <p:bg>
       <p:bgPr>
         <a:solidFill>
           <a:schemeClr val="lt1"/>
         </a:solidFill>
+        <a:effectLst/>
       </p:bgPr>
     </p:bg>
     <p:spTree>
       <p:nvGrpSpPr>
-        <p:cNvPr id="5" name="Shape 5"/>
+        <p:cNvPr id="1" name="Shape 5"/>
         <p:cNvGrpSpPr/>
         <p:nvPr/>
       </p:nvGrpSpPr>
@@ -6384,7 +6133,9 @@
       <p:sp>
         <p:nvSpPr>
           <p:cNvPr id="6" name="Google Shape;6;p1"/>
-          <p:cNvSpPr txBox="1"/>
+          <p:cNvSpPr txBox="1">
+            <a:spLocks noGrp="1"/>
+          </p:cNvSpPr>
           <p:nvPr>
             <p:ph type="title"/>
           </p:nvPr>
@@ -6403,7 +6154,7 @@
           </a:ln>
         </p:spPr>
         <p:txBody>
-          <a:bodyPr anchorCtr="0" anchor="t" bIns="91425" lIns="91425" spcFirstLastPara="1" rIns="91425" wrap="square" tIns="91425">
+          <a:bodyPr spcFirstLastPara="1" wrap="square" lIns="91425" tIns="91425" rIns="91425" bIns="91425" anchor="t" anchorCtr="0">
             <a:normAutofit/>
           </a:bodyPr>
           <a:lstStyle>
@@ -6570,15 +6321,19 @@
               </a:defRPr>
             </a:lvl9pPr>
           </a:lstStyle>
-          <a:p/>
+          <a:p>
+            <a:endParaRPr/>
+          </a:p>
         </p:txBody>
       </p:sp>
       <p:sp>
         <p:nvSpPr>
           <p:cNvPr id="7" name="Google Shape;7;p1"/>
-          <p:cNvSpPr txBox="1"/>
+          <p:cNvSpPr txBox="1">
+            <a:spLocks noGrp="1"/>
+          </p:cNvSpPr>
           <p:nvPr>
-            <p:ph idx="1" type="body"/>
+            <p:ph type="body" idx="1"/>
           </p:nvPr>
         </p:nvSpPr>
         <p:spPr>
@@ -6595,11 +6350,11 @@
           </a:ln>
         </p:spPr>
         <p:txBody>
-          <a:bodyPr anchorCtr="0" anchor="t" bIns="91425" lIns="91425" spcFirstLastPara="1" rIns="91425" wrap="square" tIns="91425">
+          <a:bodyPr spcFirstLastPara="1" wrap="square" lIns="91425" tIns="91425" rIns="91425" bIns="91425" anchor="t" anchorCtr="0">
             <a:normAutofit/>
           </a:bodyPr>
           <a:lstStyle>
-            <a:lvl1pPr indent="-342900" lvl="0" marL="457200">
+            <a:lvl1pPr marL="457200" lvl="0" indent="-342900">
               <a:lnSpc>
                 <a:spcPct val="115000"/>
               </a:lnSpc>
@@ -6620,7 +6375,7 @@
                 </a:solidFill>
               </a:defRPr>
             </a:lvl1pPr>
-            <a:lvl2pPr indent="-317500" lvl="1" marL="914400">
+            <a:lvl2pPr marL="914400" lvl="1" indent="-317500">
               <a:lnSpc>
                 <a:spcPct val="115000"/>
               </a:lnSpc>
@@ -6641,7 +6396,7 @@
                 </a:solidFill>
               </a:defRPr>
             </a:lvl2pPr>
-            <a:lvl3pPr indent="-317500" lvl="2" marL="1371600">
+            <a:lvl3pPr marL="1371600" lvl="2" indent="-317500">
               <a:lnSpc>
                 <a:spcPct val="115000"/>
               </a:lnSpc>
@@ -6662,7 +6417,7 @@
                 </a:solidFill>
               </a:defRPr>
             </a:lvl3pPr>
-            <a:lvl4pPr indent="-317500" lvl="3" marL="1828800">
+            <a:lvl4pPr marL="1828800" lvl="3" indent="-317500">
               <a:lnSpc>
                 <a:spcPct val="115000"/>
               </a:lnSpc>
@@ -6683,7 +6438,7 @@
                 </a:solidFill>
               </a:defRPr>
             </a:lvl4pPr>
-            <a:lvl5pPr indent="-317500" lvl="4" marL="2286000">
+            <a:lvl5pPr marL="2286000" lvl="4" indent="-317500">
               <a:lnSpc>
                 <a:spcPct val="115000"/>
               </a:lnSpc>
@@ -6704,7 +6459,7 @@
                 </a:solidFill>
               </a:defRPr>
             </a:lvl5pPr>
-            <a:lvl6pPr indent="-317500" lvl="5" marL="2743200">
+            <a:lvl6pPr marL="2743200" lvl="5" indent="-317500">
               <a:lnSpc>
                 <a:spcPct val="115000"/>
               </a:lnSpc>
@@ -6725,7 +6480,7 @@
                 </a:solidFill>
               </a:defRPr>
             </a:lvl6pPr>
-            <a:lvl7pPr indent="-317500" lvl="6" marL="3200400">
+            <a:lvl7pPr marL="3200400" lvl="6" indent="-317500">
               <a:lnSpc>
                 <a:spcPct val="115000"/>
               </a:lnSpc>
@@ -6746,7 +6501,7 @@
                 </a:solidFill>
               </a:defRPr>
             </a:lvl7pPr>
-            <a:lvl8pPr indent="-317500" lvl="7" marL="3657600">
+            <a:lvl8pPr marL="3657600" lvl="7" indent="-317500">
               <a:lnSpc>
                 <a:spcPct val="115000"/>
               </a:lnSpc>
@@ -6767,7 +6522,7 @@
                 </a:solidFill>
               </a:defRPr>
             </a:lvl8pPr>
-            <a:lvl9pPr indent="-317500" lvl="8" marL="4114800">
+            <a:lvl9pPr marL="4114800" lvl="8" indent="-317500">
               <a:lnSpc>
                 <a:spcPct val="115000"/>
               </a:lnSpc>
@@ -6789,15 +6544,19 @@
               </a:defRPr>
             </a:lvl9pPr>
           </a:lstStyle>
-          <a:p/>
+          <a:p>
+            <a:endParaRPr/>
+          </a:p>
         </p:txBody>
       </p:sp>
       <p:sp>
         <p:nvSpPr>
           <p:cNvPr id="8" name="Google Shape;8;p1"/>
-          <p:cNvSpPr txBox="1"/>
+          <p:cNvSpPr txBox="1">
+            <a:spLocks noGrp="1"/>
+          </p:cNvSpPr>
           <p:nvPr>
-            <p:ph idx="12" type="sldNum"/>
+            <p:ph type="sldNum" idx="12"/>
           </p:nvPr>
         </p:nvSpPr>
         <p:spPr>
@@ -6814,7 +6573,7 @@
           </a:ln>
         </p:spPr>
         <p:txBody>
-          <a:bodyPr anchorCtr="0" anchor="ctr" bIns="91425" lIns="91425" spcFirstLastPara="1" rIns="91425" wrap="square" tIns="91425">
+          <a:bodyPr spcFirstLastPara="1" wrap="square" lIns="91425" tIns="91425" rIns="91425" bIns="91425" anchor="ctr" anchorCtr="0">
             <a:normAutofit/>
           </a:bodyPr>
           <a:lstStyle>
@@ -6892,7 +6651,7 @@
             </a:lvl9pPr>
           </a:lstStyle>
           <a:p>
-            <a:pPr indent="0" lvl="0" marL="0" rtl="0" algn="r">
+            <a:pPr marL="0" lvl="0" indent="0" algn="r" rtl="0">
               <a:spcBef>
                 <a:spcPts val="0"/>
               </a:spcBef>
@@ -6911,28 +6670,27 @@
       </p:sp>
     </p:spTree>
   </p:cSld>
-  <p:clrMap accent1="accent1" accent2="accent2" accent3="accent3" accent4="accent4" accent5="accent5" accent6="accent6" bg1="lt1" bg2="dk2" tx1="dk1" tx2="lt2" folHlink="folHlink" hlink="hlink"/>
+  <p:clrMap bg1="lt1" tx1="dk1" bg2="dk2" tx2="lt2" accent1="accent1" accent2="accent2" accent3="accent3" accent4="accent4" accent5="accent5" accent6="accent6" hlink="hlink" folHlink="folHlink"/>
   <p:sldLayoutIdLst>
     <p:sldLayoutId id="2147483648" r:id="rId1"/>
     <p:sldLayoutId id="2147483649" r:id="rId2"/>
-    <p:sldLayoutId id="2147483650" r:id="rId3"/>
-    <p:sldLayoutId id="2147483651" r:id="rId4"/>
-    <p:sldLayoutId id="2147483652" r:id="rId5"/>
-    <p:sldLayoutId id="2147483653" r:id="rId6"/>
-    <p:sldLayoutId id="2147483654" r:id="rId7"/>
-    <p:sldLayoutId id="2147483655" r:id="rId8"/>
-    <p:sldLayoutId id="2147483656" r:id="rId9"/>
-    <p:sldLayoutId id="2147483657" r:id="rId10"/>
-    <p:sldLayoutId id="2147483658" r:id="rId11"/>
-    <p:sldLayoutId id="2147483659" r:id="rId12"/>
-    <p:sldLayoutId id="2147483660" r:id="rId13"/>
-    <p:sldLayoutId id="2147483661" r:id="rId14"/>
-    <p:sldLayoutId id="2147483662" r:id="rId15"/>
+    <p:sldLayoutId id="2147483651" r:id="rId3"/>
+    <p:sldLayoutId id="2147483652" r:id="rId4"/>
+    <p:sldLayoutId id="2147483653" r:id="rId5"/>
+    <p:sldLayoutId id="2147483654" r:id="rId6"/>
+    <p:sldLayoutId id="2147483655" r:id="rId7"/>
+    <p:sldLayoutId id="2147483656" r:id="rId8"/>
+    <p:sldLayoutId id="2147483657" r:id="rId9"/>
+    <p:sldLayoutId id="2147483658" r:id="rId10"/>
+    <p:sldLayoutId id="2147483659" r:id="rId11"/>
+    <p:sldLayoutId id="2147483660" r:id="rId12"/>
+    <p:sldLayoutId id="2147483661" r:id="rId13"/>
+    <p:sldLayoutId id="2147483662" r:id="rId14"/>
   </p:sldLayoutIdLst>
-  <p:hf dt="0" ftr="0" hdr="0" sldNum="0"/>
+  <p:hf sldNum="0" hdr="0" ftr="0" dt="0"/>
   <p:txStyles>
     <p:titleStyle>
-      <a:defPPr lvl="0" marR="0" rtl="0" algn="l">
+      <a:defPPr marR="0" lvl="0" algn="l" rtl="0">
         <a:lnSpc>
           <a:spcPct val="100000"/>
         </a:lnSpc>
@@ -6943,7 +6701,7 @@
           <a:spcPts val="0"/>
         </a:spcAft>
       </a:defPPr>
-      <a:lvl1pPr lvl="0" marR="0" rtl="0" algn="l">
+      <a:lvl1pPr marR="0" lvl="0" algn="l" rtl="0">
         <a:lnSpc>
           <a:spcPct val="100000"/>
         </a:lnSpc>
@@ -6957,7 +6715,7 @@
           <a:srgbClr val="000000"/>
         </a:buClr>
         <a:buFont typeface="Arial"/>
-        <a:defRPr b="0" i="0" sz="1400" u="none" cap="none" strike="noStrike">
+        <a:defRPr sz="1400" b="0" i="0" u="none" strike="noStrike" cap="none">
           <a:solidFill>
             <a:srgbClr val="000000"/>
           </a:solidFill>
@@ -6967,7 +6725,7 @@
           <a:sym typeface="Arial"/>
         </a:defRPr>
       </a:lvl1pPr>
-      <a:lvl2pPr lvl="1" marR="0" rtl="0" algn="l">
+      <a:lvl2pPr marR="0" lvl="1" algn="l" rtl="0">
         <a:lnSpc>
           <a:spcPct val="100000"/>
         </a:lnSpc>
@@ -6981,7 +6739,7 @@
           <a:srgbClr val="000000"/>
         </a:buClr>
         <a:buFont typeface="Arial"/>
-        <a:defRPr b="0" i="0" sz="1400" u="none" cap="none" strike="noStrike">
+        <a:defRPr sz="1400" b="0" i="0" u="none" strike="noStrike" cap="none">
           <a:solidFill>
             <a:srgbClr val="000000"/>
           </a:solidFill>
@@ -6991,7 +6749,7 @@
           <a:sym typeface="Arial"/>
         </a:defRPr>
       </a:lvl2pPr>
-      <a:lvl3pPr lvl="2" marR="0" rtl="0" algn="l">
+      <a:lvl3pPr marR="0" lvl="2" algn="l" rtl="0">
         <a:lnSpc>
           <a:spcPct val="100000"/>
         </a:lnSpc>
@@ -7005,7 +6763,7 @@
           <a:srgbClr val="000000"/>
         </a:buClr>
         <a:buFont typeface="Arial"/>
-        <a:defRPr b="0" i="0" sz="1400" u="none" cap="none" strike="noStrike">
+        <a:defRPr sz="1400" b="0" i="0" u="none" strike="noStrike" cap="none">
           <a:solidFill>
             <a:srgbClr val="000000"/>
           </a:solidFill>
@@ -7015,7 +6773,7 @@
           <a:sym typeface="Arial"/>
         </a:defRPr>
       </a:lvl3pPr>
-      <a:lvl4pPr lvl="3" marR="0" rtl="0" algn="l">
+      <a:lvl4pPr marR="0" lvl="3" algn="l" rtl="0">
         <a:lnSpc>
           <a:spcPct val="100000"/>
         </a:lnSpc>
@@ -7029,7 +6787,7 @@
           <a:srgbClr val="000000"/>
         </a:buClr>
         <a:buFont typeface="Arial"/>
-        <a:defRPr b="0" i="0" sz="1400" u="none" cap="none" strike="noStrike">
+        <a:defRPr sz="1400" b="0" i="0" u="none" strike="noStrike" cap="none">
           <a:solidFill>
             <a:srgbClr val="000000"/>
           </a:solidFill>
@@ -7039,7 +6797,7 @@
           <a:sym typeface="Arial"/>
         </a:defRPr>
       </a:lvl4pPr>
-      <a:lvl5pPr lvl="4" marR="0" rtl="0" algn="l">
+      <a:lvl5pPr marR="0" lvl="4" algn="l" rtl="0">
         <a:lnSpc>
           <a:spcPct val="100000"/>
         </a:lnSpc>
@@ -7053,7 +6811,7 @@
           <a:srgbClr val="000000"/>
         </a:buClr>
         <a:buFont typeface="Arial"/>
-        <a:defRPr b="0" i="0" sz="1400" u="none" cap="none" strike="noStrike">
+        <a:defRPr sz="1400" b="0" i="0" u="none" strike="noStrike" cap="none">
           <a:solidFill>
             <a:srgbClr val="000000"/>
           </a:solidFill>
@@ -7063,7 +6821,7 @@
           <a:sym typeface="Arial"/>
         </a:defRPr>
       </a:lvl5pPr>
-      <a:lvl6pPr lvl="5" marR="0" rtl="0" algn="l">
+      <a:lvl6pPr marR="0" lvl="5" algn="l" rtl="0">
         <a:lnSpc>
           <a:spcPct val="100000"/>
         </a:lnSpc>
@@ -7077,7 +6835,7 @@
           <a:srgbClr val="000000"/>
         </a:buClr>
         <a:buFont typeface="Arial"/>
-        <a:defRPr b="0" i="0" sz="1400" u="none" cap="none" strike="noStrike">
+        <a:defRPr sz="1400" b="0" i="0" u="none" strike="noStrike" cap="none">
           <a:solidFill>
             <a:srgbClr val="000000"/>
           </a:solidFill>
@@ -7087,7 +6845,7 @@
           <a:sym typeface="Arial"/>
         </a:defRPr>
       </a:lvl6pPr>
-      <a:lvl7pPr lvl="6" marR="0" rtl="0" algn="l">
+      <a:lvl7pPr marR="0" lvl="6" algn="l" rtl="0">
         <a:lnSpc>
           <a:spcPct val="100000"/>
         </a:lnSpc>
@@ -7101,7 +6859,7 @@
           <a:srgbClr val="000000"/>
         </a:buClr>
         <a:buFont typeface="Arial"/>
-        <a:defRPr b="0" i="0" sz="1400" u="none" cap="none" strike="noStrike">
+        <a:defRPr sz="1400" b="0" i="0" u="none" strike="noStrike" cap="none">
           <a:solidFill>
             <a:srgbClr val="000000"/>
           </a:solidFill>
@@ -7111,7 +6869,7 @@
           <a:sym typeface="Arial"/>
         </a:defRPr>
       </a:lvl7pPr>
-      <a:lvl8pPr lvl="7" marR="0" rtl="0" algn="l">
+      <a:lvl8pPr marR="0" lvl="7" algn="l" rtl="0">
         <a:lnSpc>
           <a:spcPct val="100000"/>
         </a:lnSpc>
@@ -7125,7 +6883,7 @@
           <a:srgbClr val="000000"/>
         </a:buClr>
         <a:buFont typeface="Arial"/>
-        <a:defRPr b="0" i="0" sz="1400" u="none" cap="none" strike="noStrike">
+        <a:defRPr sz="1400" b="0" i="0" u="none" strike="noStrike" cap="none">
           <a:solidFill>
             <a:srgbClr val="000000"/>
           </a:solidFill>
@@ -7135,7 +6893,7 @@
           <a:sym typeface="Arial"/>
         </a:defRPr>
       </a:lvl8pPr>
-      <a:lvl9pPr lvl="8" marR="0" rtl="0" algn="l">
+      <a:lvl9pPr marR="0" lvl="8" algn="l" rtl="0">
         <a:lnSpc>
           <a:spcPct val="100000"/>
         </a:lnSpc>
@@ -7149,7 +6907,7 @@
           <a:srgbClr val="000000"/>
         </a:buClr>
         <a:buFont typeface="Arial"/>
-        <a:defRPr b="0" i="0" sz="1400" u="none" cap="none" strike="noStrike">
+        <a:defRPr sz="1400" b="0" i="0" u="none" strike="noStrike" cap="none">
           <a:solidFill>
             <a:srgbClr val="000000"/>
           </a:solidFill>
@@ -7161,7 +6919,7 @@
       </a:lvl9pPr>
     </p:titleStyle>
     <p:bodyStyle>
-      <a:defPPr lvl="0" marR="0" rtl="0" algn="l">
+      <a:defPPr marR="0" lvl="0" algn="l" rtl="0">
         <a:lnSpc>
           <a:spcPct val="100000"/>
         </a:lnSpc>
@@ -7172,7 +6930,7 @@
           <a:spcPts val="0"/>
         </a:spcAft>
       </a:defPPr>
-      <a:lvl1pPr lvl="0" marR="0" rtl="0" algn="l">
+      <a:lvl1pPr marR="0" lvl="0" algn="l" rtl="0">
         <a:lnSpc>
           <a:spcPct val="100000"/>
         </a:lnSpc>
@@ -7186,7 +6944,7 @@
           <a:srgbClr val="000000"/>
         </a:buClr>
         <a:buFont typeface="Arial"/>
-        <a:defRPr b="0" i="0" sz="1400" u="none" cap="none" strike="noStrike">
+        <a:defRPr sz="1400" b="0" i="0" u="none" strike="noStrike" cap="none">
           <a:solidFill>
             <a:srgbClr val="000000"/>
           </a:solidFill>
@@ -7196,7 +6954,7 @@
           <a:sym typeface="Arial"/>
         </a:defRPr>
       </a:lvl1pPr>
-      <a:lvl2pPr lvl="1" marR="0" rtl="0" algn="l">
+      <a:lvl2pPr marR="0" lvl="1" algn="l" rtl="0">
         <a:lnSpc>
           <a:spcPct val="100000"/>
         </a:lnSpc>
@@ -7210,7 +6968,7 @@
           <a:srgbClr val="000000"/>
         </a:buClr>
         <a:buFont typeface="Arial"/>
-        <a:defRPr b="0" i="0" sz="1400" u="none" cap="none" strike="noStrike">
+        <a:defRPr sz="1400" b="0" i="0" u="none" strike="noStrike" cap="none">
           <a:solidFill>
             <a:srgbClr val="000000"/>
           </a:solidFill>
@@ -7220,7 +6978,7 @@
           <a:sym typeface="Arial"/>
         </a:defRPr>
       </a:lvl2pPr>
-      <a:lvl3pPr lvl="2" marR="0" rtl="0" algn="l">
+      <a:lvl3pPr marR="0" lvl="2" algn="l" rtl="0">
         <a:lnSpc>
           <a:spcPct val="100000"/>
         </a:lnSpc>
@@ -7234,7 +6992,7 @@
           <a:srgbClr val="000000"/>
         </a:buClr>
         <a:buFont typeface="Arial"/>
-        <a:defRPr b="0" i="0" sz="1400" u="none" cap="none" strike="noStrike">
+        <a:defRPr sz="1400" b="0" i="0" u="none" strike="noStrike" cap="none">
           <a:solidFill>
             <a:srgbClr val="000000"/>
           </a:solidFill>
@@ -7244,7 +7002,7 @@
           <a:sym typeface="Arial"/>
         </a:defRPr>
       </a:lvl3pPr>
-      <a:lvl4pPr lvl="3" marR="0" rtl="0" algn="l">
+      <a:lvl4pPr marR="0" lvl="3" algn="l" rtl="0">
         <a:lnSpc>
           <a:spcPct val="100000"/>
         </a:lnSpc>
@@ -7258,7 +7016,7 @@
           <a:srgbClr val="000000"/>
         </a:buClr>
         <a:buFont typeface="Arial"/>
-        <a:defRPr b="0" i="0" sz="1400" u="none" cap="none" strike="noStrike">
+        <a:defRPr sz="1400" b="0" i="0" u="none" strike="noStrike" cap="none">
           <a:solidFill>
             <a:srgbClr val="000000"/>
           </a:solidFill>
@@ -7268,7 +7026,7 @@
           <a:sym typeface="Arial"/>
         </a:defRPr>
       </a:lvl4pPr>
-      <a:lvl5pPr lvl="4" marR="0" rtl="0" algn="l">
+      <a:lvl5pPr marR="0" lvl="4" algn="l" rtl="0">
         <a:lnSpc>
           <a:spcPct val="100000"/>
         </a:lnSpc>
@@ -7282,7 +7040,7 @@
           <a:srgbClr val="000000"/>
         </a:buClr>
         <a:buFont typeface="Arial"/>
-        <a:defRPr b="0" i="0" sz="1400" u="none" cap="none" strike="noStrike">
+        <a:defRPr sz="1400" b="0" i="0" u="none" strike="noStrike" cap="none">
           <a:solidFill>
             <a:srgbClr val="000000"/>
           </a:solidFill>
@@ -7292,7 +7050,7 @@
           <a:sym typeface="Arial"/>
         </a:defRPr>
       </a:lvl5pPr>
-      <a:lvl6pPr lvl="5" marR="0" rtl="0" algn="l">
+      <a:lvl6pPr marR="0" lvl="5" algn="l" rtl="0">
         <a:lnSpc>
           <a:spcPct val="100000"/>
         </a:lnSpc>
@@ -7306,7 +7064,7 @@
           <a:srgbClr val="000000"/>
         </a:buClr>
         <a:buFont typeface="Arial"/>
-        <a:defRPr b="0" i="0" sz="1400" u="none" cap="none" strike="noStrike">
+        <a:defRPr sz="1400" b="0" i="0" u="none" strike="noStrike" cap="none">
           <a:solidFill>
             <a:srgbClr val="000000"/>
           </a:solidFill>
@@ -7316,7 +7074,7 @@
           <a:sym typeface="Arial"/>
         </a:defRPr>
       </a:lvl6pPr>
-      <a:lvl7pPr lvl="6" marR="0" rtl="0" algn="l">
+      <a:lvl7pPr marR="0" lvl="6" algn="l" rtl="0">
         <a:lnSpc>
           <a:spcPct val="100000"/>
         </a:lnSpc>
@@ -7330,7 +7088,7 @@
           <a:srgbClr val="000000"/>
         </a:buClr>
         <a:buFont typeface="Arial"/>
-        <a:defRPr b="0" i="0" sz="1400" u="none" cap="none" strike="noStrike">
+        <a:defRPr sz="1400" b="0" i="0" u="none" strike="noStrike" cap="none">
           <a:solidFill>
             <a:srgbClr val="000000"/>
           </a:solidFill>
@@ -7340,7 +7098,7 @@
           <a:sym typeface="Arial"/>
         </a:defRPr>
       </a:lvl7pPr>
-      <a:lvl8pPr lvl="7" marR="0" rtl="0" algn="l">
+      <a:lvl8pPr marR="0" lvl="7" algn="l" rtl="0">
         <a:lnSpc>
           <a:spcPct val="100000"/>
         </a:lnSpc>
@@ -7354,7 +7112,7 @@
           <a:srgbClr val="000000"/>
         </a:buClr>
         <a:buFont typeface="Arial"/>
-        <a:defRPr b="0" i="0" sz="1400" u="none" cap="none" strike="noStrike">
+        <a:defRPr sz="1400" b="0" i="0" u="none" strike="noStrike" cap="none">
           <a:solidFill>
             <a:srgbClr val="000000"/>
           </a:solidFill>
@@ -7364,7 +7122,7 @@
           <a:sym typeface="Arial"/>
         </a:defRPr>
       </a:lvl8pPr>
-      <a:lvl9pPr lvl="8" marR="0" rtl="0" algn="l">
+      <a:lvl9pPr marR="0" lvl="8" algn="l" rtl="0">
         <a:lnSpc>
           <a:spcPct val="100000"/>
         </a:lnSpc>
@@ -7378,7 +7136,7 @@
           <a:srgbClr val="000000"/>
         </a:buClr>
         <a:buFont typeface="Arial"/>
-        <a:defRPr b="0" i="0" sz="1400" u="none" cap="none" strike="noStrike">
+        <a:defRPr sz="1400" b="0" i="0" u="none" strike="noStrike" cap="none">
           <a:solidFill>
             <a:srgbClr val="000000"/>
           </a:solidFill>
@@ -7390,7 +7148,7 @@
       </a:lvl9pPr>
     </p:bodyStyle>
     <p:otherStyle>
-      <a:defPPr lvl="0" marR="0" rtl="0" algn="l">
+      <a:defPPr marR="0" lvl="0" algn="l" rtl="0">
         <a:lnSpc>
           <a:spcPct val="100000"/>
         </a:lnSpc>
@@ -7401,7 +7159,7 @@
           <a:spcPts val="0"/>
         </a:spcAft>
       </a:defPPr>
-      <a:lvl1pPr lvl="0" marR="0" rtl="0" algn="l">
+      <a:lvl1pPr marR="0" lvl="0" algn="l" rtl="0">
         <a:lnSpc>
           <a:spcPct val="100000"/>
         </a:lnSpc>
@@ -7415,7 +7173,7 @@
           <a:srgbClr val="000000"/>
         </a:buClr>
         <a:buFont typeface="Arial"/>
-        <a:defRPr b="0" i="0" sz="1400" u="none" cap="none" strike="noStrike">
+        <a:defRPr sz="1400" b="0" i="0" u="none" strike="noStrike" cap="none">
           <a:solidFill>
             <a:srgbClr val="000000"/>
           </a:solidFill>
@@ -7425,7 +7183,7 @@
           <a:sym typeface="Arial"/>
         </a:defRPr>
       </a:lvl1pPr>
-      <a:lvl2pPr lvl="1" marR="0" rtl="0" algn="l">
+      <a:lvl2pPr marR="0" lvl="1" algn="l" rtl="0">
         <a:lnSpc>
           <a:spcPct val="100000"/>
         </a:lnSpc>
@@ -7439,7 +7197,7 @@
           <a:srgbClr val="000000"/>
         </a:buClr>
         <a:buFont typeface="Arial"/>
-        <a:defRPr b="0" i="0" sz="1400" u="none" cap="none" strike="noStrike">
+        <a:defRPr sz="1400" b="0" i="0" u="none" strike="noStrike" cap="none">
           <a:solidFill>
             <a:srgbClr val="000000"/>
           </a:solidFill>
@@ -7449,7 +7207,7 @@
           <a:sym typeface="Arial"/>
         </a:defRPr>
       </a:lvl2pPr>
-      <a:lvl3pPr lvl="2" marR="0" rtl="0" algn="l">
+      <a:lvl3pPr marR="0" lvl="2" algn="l" rtl="0">
         <a:lnSpc>
           <a:spcPct val="100000"/>
         </a:lnSpc>
@@ -7463,7 +7221,7 @@
           <a:srgbClr val="000000"/>
         </a:buClr>
         <a:buFont typeface="Arial"/>
-        <a:defRPr b="0" i="0" sz="1400" u="none" cap="none" strike="noStrike">
+        <a:defRPr sz="1400" b="0" i="0" u="none" strike="noStrike" cap="none">
           <a:solidFill>
             <a:srgbClr val="000000"/>
           </a:solidFill>
@@ -7473,7 +7231,7 @@
           <a:sym typeface="Arial"/>
         </a:defRPr>
       </a:lvl3pPr>
-      <a:lvl4pPr lvl="3" marR="0" rtl="0" algn="l">
+      <a:lvl4pPr marR="0" lvl="3" algn="l" rtl="0">
         <a:lnSpc>
           <a:spcPct val="100000"/>
         </a:lnSpc>
@@ -7487,7 +7245,7 @@
           <a:srgbClr val="000000"/>
         </a:buClr>
         <a:buFont typeface="Arial"/>
-        <a:defRPr b="0" i="0" sz="1400" u="none" cap="none" strike="noStrike">
+        <a:defRPr sz="1400" b="0" i="0" u="none" strike="noStrike" cap="none">
           <a:solidFill>
             <a:srgbClr val="000000"/>
           </a:solidFill>
@@ -7497,7 +7255,7 @@
           <a:sym typeface="Arial"/>
         </a:defRPr>
       </a:lvl4pPr>
-      <a:lvl5pPr lvl="4" marR="0" rtl="0" algn="l">
+      <a:lvl5pPr marR="0" lvl="4" algn="l" rtl="0">
         <a:lnSpc>
           <a:spcPct val="100000"/>
         </a:lnSpc>
@@ -7511,7 +7269,7 @@
           <a:srgbClr val="000000"/>
         </a:buClr>
         <a:buFont typeface="Arial"/>
-        <a:defRPr b="0" i="0" sz="1400" u="none" cap="none" strike="noStrike">
+        <a:defRPr sz="1400" b="0" i="0" u="none" strike="noStrike" cap="none">
           <a:solidFill>
             <a:srgbClr val="000000"/>
           </a:solidFill>
@@ -7521,7 +7279,7 @@
           <a:sym typeface="Arial"/>
         </a:defRPr>
       </a:lvl5pPr>
-      <a:lvl6pPr lvl="5" marR="0" rtl="0" algn="l">
+      <a:lvl6pPr marR="0" lvl="5" algn="l" rtl="0">
         <a:lnSpc>
           <a:spcPct val="100000"/>
         </a:lnSpc>
@@ -7535,7 +7293,7 @@
           <a:srgbClr val="000000"/>
         </a:buClr>
         <a:buFont typeface="Arial"/>
-        <a:defRPr b="0" i="0" sz="1400" u="none" cap="none" strike="noStrike">
+        <a:defRPr sz="1400" b="0" i="0" u="none" strike="noStrike" cap="none">
           <a:solidFill>
             <a:srgbClr val="000000"/>
           </a:solidFill>
@@ -7545,7 +7303,7 @@
           <a:sym typeface="Arial"/>
         </a:defRPr>
       </a:lvl6pPr>
-      <a:lvl7pPr lvl="6" marR="0" rtl="0" algn="l">
+      <a:lvl7pPr marR="0" lvl="6" algn="l" rtl="0">
         <a:lnSpc>
           <a:spcPct val="100000"/>
         </a:lnSpc>
@@ -7559,7 +7317,7 @@
           <a:srgbClr val="000000"/>
         </a:buClr>
         <a:buFont typeface="Arial"/>
-        <a:defRPr b="0" i="0" sz="1400" u="none" cap="none" strike="noStrike">
+        <a:defRPr sz="1400" b="0" i="0" u="none" strike="noStrike" cap="none">
           <a:solidFill>
             <a:srgbClr val="000000"/>
           </a:solidFill>
@@ -7569,7 +7327,7 @@
           <a:sym typeface="Arial"/>
         </a:defRPr>
       </a:lvl7pPr>
-      <a:lvl8pPr lvl="7" marR="0" rtl="0" algn="l">
+      <a:lvl8pPr marR="0" lvl="7" algn="l" rtl="0">
         <a:lnSpc>
           <a:spcPct val="100000"/>
         </a:lnSpc>
@@ -7583,7 +7341,7 @@
           <a:srgbClr val="000000"/>
         </a:buClr>
         <a:buFont typeface="Arial"/>
-        <a:defRPr b="0" i="0" sz="1400" u="none" cap="none" strike="noStrike">
+        <a:defRPr sz="1400" b="0" i="0" u="none" strike="noStrike" cap="none">
           <a:solidFill>
             <a:srgbClr val="000000"/>
           </a:solidFill>
@@ -7593,7 +7351,7 @@
           <a:sym typeface="Arial"/>
         </a:defRPr>
       </a:lvl8pPr>
-      <a:lvl9pPr lvl="8" marR="0" rtl="0" algn="l">
+      <a:lvl9pPr marR="0" lvl="8" algn="l" rtl="0">
         <a:lnSpc>
           <a:spcPct val="100000"/>
         </a:lnSpc>
@@ -7607,7 +7365,7 @@
           <a:srgbClr val="000000"/>
         </a:buClr>
         <a:buFont typeface="Arial"/>
-        <a:defRPr b="0" i="0" sz="1400" u="none" cap="none" strike="noStrike">
+        <a:defRPr sz="1400" b="0" i="0" u="none" strike="noStrike" cap="none">
           <a:solidFill>
             <a:srgbClr val="000000"/>
           </a:solidFill>
@@ -7623,11 +7381,11 @@
 </file>
 
 <file path=ppt/slides/slide1.xml><?xml version="1.0" encoding="utf-8"?>
-<p:sld xmlns:a="http://schemas.openxmlformats.org/drawingml/2006/main" xmlns:r="http://schemas.openxmlformats.org/officeDocument/2006/relationships" xmlns:mc="http://schemas.openxmlformats.org/markup-compatibility/2006" xmlns:mv="urn:schemas-microsoft-com:mac:vml" xmlns:p="http://schemas.openxmlformats.org/presentationml/2006/main" xmlns:c="http://schemas.openxmlformats.org/drawingml/2006/chart" xmlns:dgm="http://schemas.openxmlformats.org/drawingml/2006/diagram" xmlns:o="urn:schemas-microsoft-com:office:office" xmlns:v="urn:schemas-microsoft-com:vml" xmlns:pvml="urn:schemas-microsoft-com:office:powerpoint" xmlns:com="http://schemas.openxmlformats.org/drawingml/2006/compatibility" xmlns:p14="http://schemas.microsoft.com/office/powerpoint/2010/main" xmlns:p15="http://schemas.microsoft.com/office/powerpoint/2012/main" xmlns:ahyp="http://schemas.microsoft.com/office/drawing/2018/hyperlinkcolor">
+<p:sld xmlns:a="http://schemas.openxmlformats.org/drawingml/2006/main" xmlns:r="http://schemas.openxmlformats.org/officeDocument/2006/relationships" xmlns:p="http://schemas.openxmlformats.org/presentationml/2006/main">
   <p:cSld>
     <p:spTree>
       <p:nvGrpSpPr>
-        <p:cNvPr id="73" name="Shape 73"/>
+        <p:cNvPr id="1" name="Shape 73"/>
         <p:cNvGrpSpPr/>
         <p:nvPr/>
       </p:nvGrpSpPr>
@@ -7676,11 +7434,11 @@
 </file>
 
 <file path=ppt/slides/slide2.xml><?xml version="1.0" encoding="utf-8"?>
-<p:sld xmlns:a="http://schemas.openxmlformats.org/drawingml/2006/main" xmlns:r="http://schemas.openxmlformats.org/officeDocument/2006/relationships" xmlns:mc="http://schemas.openxmlformats.org/markup-compatibility/2006" xmlns:mv="urn:schemas-microsoft-com:mac:vml" xmlns:p="http://schemas.openxmlformats.org/presentationml/2006/main" xmlns:c="http://schemas.openxmlformats.org/drawingml/2006/chart" xmlns:dgm="http://schemas.openxmlformats.org/drawingml/2006/diagram" xmlns:o="urn:schemas-microsoft-com:office:office" xmlns:v="urn:schemas-microsoft-com:vml" xmlns:pvml="urn:schemas-microsoft-com:office:powerpoint" xmlns:com="http://schemas.openxmlformats.org/drawingml/2006/compatibility" xmlns:p14="http://schemas.microsoft.com/office/powerpoint/2010/main" xmlns:p15="http://schemas.microsoft.com/office/powerpoint/2012/main" xmlns:ahyp="http://schemas.microsoft.com/office/drawing/2018/hyperlinkcolor">
+<p:sld xmlns:a="http://schemas.openxmlformats.org/drawingml/2006/main" xmlns:r="http://schemas.openxmlformats.org/officeDocument/2006/relationships" xmlns:p="http://schemas.openxmlformats.org/presentationml/2006/main">
   <p:cSld>
     <p:spTree>
       <p:nvGrpSpPr>
-        <p:cNvPr id="78" name="Shape 78"/>
+        <p:cNvPr id="1" name="Shape 96"/>
         <p:cNvGrpSpPr/>
         <p:nvPr/>
       </p:nvGrpSpPr>
@@ -7694,227 +7452,353 @@
       </p:grpSpPr>
       <p:sp>
         <p:nvSpPr>
-          <p:cNvPr id="79" name="Google Shape;79;p18"/>
+          <p:cNvPr id="3" name="TextBox 2">
+            <a:extLst>
+              <a:ext uri="{FF2B5EF4-FFF2-40B4-BE49-F238E27FC236}">
+                <a16:creationId xmlns:a16="http://schemas.microsoft.com/office/drawing/2014/main" id="{C6FCD7CA-F2BD-A685-3097-F732AE117610}"/>
+              </a:ext>
+            </a:extLst>
+          </p:cNvPr>
           <p:cNvSpPr txBox="1"/>
-          <p:nvPr>
-            <p:ph type="title"/>
-          </p:nvPr>
+          <p:nvPr/>
         </p:nvSpPr>
         <p:spPr>
           <a:xfrm>
-            <a:off x="311700" y="445025"/>
-            <a:ext cx="8520600" cy="572700"/>
+            <a:off x="156117" y="428049"/>
+            <a:ext cx="8831765" cy="4049507"/>
           </a:xfrm>
           <a:prstGeom prst="rect">
             <a:avLst/>
           </a:prstGeom>
+          <a:noFill/>
         </p:spPr>
         <p:txBody>
-          <a:bodyPr anchorCtr="0" anchor="t" bIns="91425" lIns="91425" spcFirstLastPara="1" rIns="91425" wrap="square" tIns="91425">
-            <a:normAutofit/>
+          <a:bodyPr wrap="square" rtlCol="0">
+            <a:spAutoFit/>
           </a:bodyPr>
           <a:lstStyle/>
           <a:p>
-            <a:pPr indent="0" lvl="0" marL="0" rtl="0" algn="l">
+            <a:pPr>
               <a:lnSpc>
-                <a:spcPct val="115000"/>
+                <a:spcPct val="150000"/>
               </a:lnSpc>
-              <a:spcBef>
-                <a:spcPts val="0"/>
-              </a:spcBef>
-              <a:spcAft>
-                <a:spcPts val="0"/>
-              </a:spcAft>
-              <a:buClr>
-                <a:schemeClr val="dk1"/>
-              </a:buClr>
-              <a:buSzPts val="1100"/>
-              <a:buFont typeface="Arial"/>
-              <a:buNone/>
             </a:pPr>
             <a:r>
-              <a:rPr b="1" lang="en" sz="1900"/>
-              <a:t>1st Slide - Team Intro</a:t>
+              <a:rPr lang="en-IN" sz="2000" b="1" dirty="0">
+                <a:solidFill>
+                  <a:schemeClr val="accent6">
+                    <a:lumMod val="60000"/>
+                    <a:lumOff val="40000"/>
+                  </a:schemeClr>
+                </a:solidFill>
+                <a:latin typeface="Arial Rounded MT Bold" panose="020F0704030504030204" pitchFamily="34" charset="0"/>
+              </a:rPr>
+              <a:t>Title</a:t>
             </a:r>
-            <a:endParaRPr sz="3700"/>
+            <a:r>
+              <a:rPr lang="en-IN" sz="2000" dirty="0">
+                <a:solidFill>
+                  <a:schemeClr val="accent6">
+                    <a:lumMod val="60000"/>
+                    <a:lumOff val="40000"/>
+                  </a:schemeClr>
+                </a:solidFill>
+                <a:latin typeface="Arial Rounded MT Bold" panose="020F0704030504030204" pitchFamily="34" charset="0"/>
+              </a:rPr>
+              <a:t>: </a:t>
+            </a:r>
+            <a:r>
+              <a:rPr lang="en-IN" sz="1800" dirty="0">
+                <a:solidFill>
+                  <a:schemeClr val="accent6">
+                    <a:lumMod val="60000"/>
+                    <a:lumOff val="40000"/>
+                  </a:schemeClr>
+                </a:solidFill>
+                <a:latin typeface="Arial Rounded MT Bold" panose="020F0704030504030204" pitchFamily="34" charset="0"/>
+              </a:rPr>
+              <a:t>Smart Vision Solution for Freshness Detection in Fruits and Vegetables</a:t>
+            </a:r>
+            <a:br>
+              <a:rPr lang="en-IN" sz="2000" dirty="0">
+                <a:solidFill>
+                  <a:schemeClr val="accent6">
+                    <a:lumMod val="60000"/>
+                    <a:lumOff val="40000"/>
+                  </a:schemeClr>
+                </a:solidFill>
+                <a:latin typeface="Arial Rounded MT Bold" panose="020F0704030504030204" pitchFamily="34" charset="0"/>
+              </a:rPr>
+            </a:br>
+            <a:r>
+              <a:rPr lang="en-IN" sz="2000" b="1" dirty="0">
+                <a:solidFill>
+                  <a:schemeClr val="accent6">
+                    <a:lumMod val="60000"/>
+                    <a:lumOff val="40000"/>
+                  </a:schemeClr>
+                </a:solidFill>
+                <a:latin typeface="Arial Rounded MT Bold" panose="020F0704030504030204" pitchFamily="34" charset="0"/>
+              </a:rPr>
+              <a:t>Track Name</a:t>
+            </a:r>
+            <a:r>
+              <a:rPr lang="en-IN" sz="2000" dirty="0">
+                <a:solidFill>
+                  <a:schemeClr val="accent6">
+                    <a:lumMod val="60000"/>
+                    <a:lumOff val="40000"/>
+                  </a:schemeClr>
+                </a:solidFill>
+                <a:latin typeface="Arial Rounded MT Bold" panose="020F0704030504030204" pitchFamily="34" charset="0"/>
+              </a:rPr>
+              <a:t>: </a:t>
+            </a:r>
+            <a:r>
+              <a:rPr lang="en-IN" sz="1800" dirty="0">
+                <a:solidFill>
+                  <a:schemeClr val="accent6">
+                    <a:lumMod val="60000"/>
+                    <a:lumOff val="40000"/>
+                  </a:schemeClr>
+                </a:solidFill>
+                <a:latin typeface="Arial Rounded MT Bold" panose="020F0704030504030204" pitchFamily="34" charset="0"/>
+              </a:rPr>
+              <a:t>AI/ML</a:t>
+            </a:r>
           </a:p>
-        </p:txBody>
-      </p:sp>
-      <p:sp>
-        <p:nvSpPr>
-          <p:cNvPr id="80" name="Google Shape;80;p18"/>
-          <p:cNvSpPr txBox="1"/>
-          <p:nvPr>
-            <p:ph idx="1" type="body"/>
-          </p:nvPr>
-        </p:nvSpPr>
-        <p:spPr>
-          <a:xfrm>
-            <a:off x="311700" y="1152475"/>
-            <a:ext cx="8520600" cy="3416400"/>
-          </a:xfrm>
-          <a:prstGeom prst="rect">
-            <a:avLst/>
-          </a:prstGeom>
-        </p:spPr>
-        <p:txBody>
-          <a:bodyPr anchorCtr="0" anchor="t" bIns="91425" lIns="91425" spcFirstLastPara="1" rIns="91425" wrap="square" tIns="91425">
-            <a:normAutofit/>
-          </a:bodyPr>
-          <a:lstStyle/>
           <a:p>
-            <a:pPr indent="0" lvl="0" marL="0" rtl="0" algn="l">
-              <a:spcBef>
-                <a:spcPts val="0"/>
-              </a:spcBef>
-              <a:spcAft>
-                <a:spcPts val="0"/>
-              </a:spcAft>
-              <a:buNone/>
+            <a:pPr>
+              <a:lnSpc>
+                <a:spcPct val="150000"/>
+              </a:lnSpc>
             </a:pPr>
-            <a:r>
-              <a:t/>
-            </a:r>
-            <a:endParaRPr b="1" sz="1200">
+            <a:endParaRPr lang="en-IN" sz="1800" dirty="0">
               <a:solidFill>
-                <a:srgbClr val="000000"/>
+                <a:schemeClr val="accent6">
+                  <a:lumMod val="60000"/>
+                  <a:lumOff val="40000"/>
+                </a:schemeClr>
               </a:solidFill>
+              <a:latin typeface="Arial Rounded MT Bold" panose="020F0704030504030204" pitchFamily="34" charset="0"/>
             </a:endParaRPr>
           </a:p>
           <a:p>
-            <a:pPr indent="0" lvl="0" marL="0" rtl="0" algn="l">
-              <a:spcBef>
-                <a:spcPts val="0"/>
-              </a:spcBef>
-              <a:spcAft>
-                <a:spcPts val="0"/>
-              </a:spcAft>
-              <a:buNone/>
+            <a:pPr>
+              <a:lnSpc>
+                <a:spcPct val="150000"/>
+              </a:lnSpc>
             </a:pPr>
             <a:r>
-              <a:rPr lang="en" sz="1200">
-                <a:solidFill>
-                  <a:srgbClr val="000000"/>
-                </a:solidFill>
+              <a:rPr lang="en-IN" sz="2000" b="1" dirty="0">
+                <a:solidFill>
+                  <a:schemeClr val="accent6">
+                    <a:lumMod val="60000"/>
+                    <a:lumOff val="40000"/>
+                  </a:schemeClr>
+                </a:solidFill>
+                <a:latin typeface="Arial Rounded MT Bold" panose="020F0704030504030204" pitchFamily="34" charset="0"/>
               </a:rPr>
-              <a:t>Title: Title of the Solution/PS Name + Track name (Infosec)</a:t>
+              <a:t>Team Name</a:t>
             </a:r>
-            <a:endParaRPr sz="1200">
+            <a:r>
+              <a:rPr lang="en-IN" sz="2000" dirty="0">
+                <a:solidFill>
+                  <a:schemeClr val="accent6">
+                    <a:lumMod val="60000"/>
+                    <a:lumOff val="40000"/>
+                  </a:schemeClr>
+                </a:solidFill>
+                <a:latin typeface="Arial Rounded MT Bold" panose="020F0704030504030204" pitchFamily="34" charset="0"/>
+              </a:rPr>
+              <a:t>: </a:t>
+            </a:r>
+            <a:r>
+              <a:rPr lang="en-IN" sz="1800" dirty="0" err="1">
+                <a:solidFill>
+                  <a:schemeClr val="accent6">
+                    <a:lumMod val="60000"/>
+                    <a:lumOff val="40000"/>
+                  </a:schemeClr>
+                </a:solidFill>
+                <a:latin typeface="Arial Rounded MT Bold" panose="020F0704030504030204" pitchFamily="34" charset="0"/>
+              </a:rPr>
+              <a:t>WhiteCoder</a:t>
+            </a:r>
+            <a:br>
+              <a:rPr lang="en-IN" sz="2000" dirty="0">
+                <a:solidFill>
+                  <a:schemeClr val="accent6">
+                    <a:lumMod val="60000"/>
+                    <a:lumOff val="40000"/>
+                  </a:schemeClr>
+                </a:solidFill>
+                <a:latin typeface="Arial Rounded MT Bold" panose="020F0704030504030204" pitchFamily="34" charset="0"/>
+              </a:rPr>
+            </a:br>
+            <a:r>
+              <a:rPr lang="en-IN" sz="2000" b="1" dirty="0">
+                <a:solidFill>
+                  <a:schemeClr val="accent6">
+                    <a:lumMod val="60000"/>
+                    <a:lumOff val="40000"/>
+                  </a:schemeClr>
+                </a:solidFill>
+                <a:latin typeface="Arial Rounded MT Bold" panose="020F0704030504030204" pitchFamily="34" charset="0"/>
+              </a:rPr>
+              <a:t>Team Member</a:t>
+            </a:r>
+            <a:r>
+              <a:rPr lang="en-IN" sz="2000" dirty="0">
+                <a:solidFill>
+                  <a:schemeClr val="accent6">
+                    <a:lumMod val="60000"/>
+                    <a:lumOff val="40000"/>
+                  </a:schemeClr>
+                </a:solidFill>
+                <a:latin typeface="Arial Rounded MT Bold" panose="020F0704030504030204" pitchFamily="34" charset="0"/>
+              </a:rPr>
+              <a:t>:</a:t>
+            </a:r>
+          </a:p>
+          <a:p>
+            <a:pPr marL="342900" indent="-342900">
+              <a:lnSpc>
+                <a:spcPct val="150000"/>
+              </a:lnSpc>
+              <a:buFont typeface="Wingdings" panose="05000000000000000000" pitchFamily="2" charset="2"/>
+              <a:buChar char="§"/>
+            </a:pPr>
+            <a:r>
+              <a:rPr lang="en-IN" sz="1800" b="1" dirty="0">
+                <a:solidFill>
+                  <a:schemeClr val="accent6">
+                    <a:lumMod val="60000"/>
+                    <a:lumOff val="40000"/>
+                  </a:schemeClr>
+                </a:solidFill>
+                <a:latin typeface="Arial Rounded MT Bold" panose="020F0704030504030204" pitchFamily="34" charset="0"/>
+              </a:rPr>
+              <a:t>Md Shahid Ansari</a:t>
+            </a:r>
+            <a:r>
+              <a:rPr lang="en-IN" sz="1800" dirty="0">
+                <a:solidFill>
+                  <a:schemeClr val="accent6">
+                    <a:lumMod val="60000"/>
+                    <a:lumOff val="40000"/>
+                  </a:schemeClr>
+                </a:solidFill>
+                <a:latin typeface="Arial Rounded MT Bold" panose="020F0704030504030204" pitchFamily="34" charset="0"/>
+              </a:rPr>
+              <a:t> (Individual Participant, Developer &amp; Researcher)</a:t>
+            </a:r>
+          </a:p>
+          <a:p>
+            <a:pPr>
+              <a:lnSpc>
+                <a:spcPct val="150000"/>
+              </a:lnSpc>
+            </a:pPr>
+            <a:endParaRPr lang="en-IN" sz="1800" dirty="0">
               <a:solidFill>
-                <a:srgbClr val="000000"/>
+                <a:schemeClr val="accent6">
+                  <a:lumMod val="60000"/>
+                  <a:lumOff val="40000"/>
+                </a:schemeClr>
               </a:solidFill>
+              <a:latin typeface="Arial Rounded MT Bold" panose="020F0704030504030204" pitchFamily="34" charset="0"/>
             </a:endParaRPr>
           </a:p>
           <a:p>
-            <a:pPr indent="0" lvl="0" marL="0" rtl="0" algn="l">
-              <a:spcBef>
-                <a:spcPts val="0"/>
-              </a:spcBef>
-              <a:spcAft>
-                <a:spcPts val="0"/>
-              </a:spcAft>
-              <a:buNone/>
+            <a:pPr>
+              <a:lnSpc>
+                <a:spcPct val="150000"/>
+              </a:lnSpc>
             </a:pPr>
             <a:r>
-              <a:rPr lang="en" sz="1200">
-                <a:solidFill>
-                  <a:srgbClr val="000000"/>
-                </a:solidFill>
+              <a:rPr lang="en-IN" sz="2000" b="1" dirty="0">
+                <a:solidFill>
+                  <a:schemeClr val="accent6">
+                    <a:lumMod val="60000"/>
+                    <a:lumOff val="40000"/>
+                  </a:schemeClr>
+                </a:solidFill>
+                <a:latin typeface="Arial Rounded MT Bold" panose="020F0704030504030204" pitchFamily="34" charset="0"/>
               </a:rPr>
-              <a:t>Team Name: Name of the Team </a:t>
+              <a:t>University</a:t>
             </a:r>
-            <a:endParaRPr sz="1200">
-              <a:solidFill>
-                <a:srgbClr val="000000"/>
-              </a:solidFill>
-            </a:endParaRPr>
-          </a:p>
-          <a:p>
-            <a:pPr indent="0" lvl="0" marL="0" rtl="0" algn="l">
-              <a:spcBef>
-                <a:spcPts val="0"/>
-              </a:spcBef>
-              <a:spcAft>
-                <a:spcPts val="0"/>
-              </a:spcAft>
-              <a:buNone/>
-            </a:pPr>
             <a:r>
-              <a:rPr lang="en" sz="1200">
-                <a:solidFill>
-                  <a:srgbClr val="000000"/>
-                </a:solidFill>
+              <a:rPr lang="en-IN" sz="2000" dirty="0">
+                <a:solidFill>
+                  <a:schemeClr val="accent6">
+                    <a:lumMod val="60000"/>
+                    <a:lumOff val="40000"/>
+                  </a:schemeClr>
+                </a:solidFill>
+                <a:latin typeface="Arial Rounded MT Bold" panose="020F0704030504030204" pitchFamily="34" charset="0"/>
               </a:rPr>
-              <a:t>Team Members: List of Team Members with their Roles</a:t>
+              <a:t>: </a:t>
             </a:r>
-            <a:endParaRPr sz="1200">
-              <a:solidFill>
-                <a:srgbClr val="000000"/>
-              </a:solidFill>
-            </a:endParaRPr>
-          </a:p>
-          <a:p>
-            <a:pPr indent="0" lvl="0" marL="0" rtl="0" algn="l">
-              <a:spcBef>
-                <a:spcPts val="0"/>
-              </a:spcBef>
-              <a:spcAft>
-                <a:spcPts val="0"/>
-              </a:spcAft>
-              <a:buNone/>
-            </a:pPr>
             <a:r>
-              <a:rPr lang="en" sz="1200">
-                <a:solidFill>
-                  <a:srgbClr val="000000"/>
-                </a:solidFill>
+              <a:rPr lang="en-IN" sz="1800" dirty="0">
+                <a:solidFill>
+                  <a:schemeClr val="accent6">
+                    <a:lumMod val="60000"/>
+                    <a:lumOff val="40000"/>
+                  </a:schemeClr>
+                </a:solidFill>
+                <a:latin typeface="Arial Rounded MT Bold" panose="020F0704030504030204" pitchFamily="34" charset="0"/>
               </a:rPr>
-              <a:t>College/University: Name of the Institution</a:t>
+              <a:t>Aliah University</a:t>
             </a:r>
-            <a:endParaRPr sz="1200">
-              <a:solidFill>
-                <a:srgbClr val="000000"/>
-              </a:solidFill>
-            </a:endParaRPr>
-          </a:p>
-          <a:p>
-            <a:pPr indent="0" lvl="0" marL="0" rtl="0" algn="l">
-              <a:spcBef>
-                <a:spcPts val="0"/>
-              </a:spcBef>
-              <a:spcAft>
-                <a:spcPts val="0"/>
-              </a:spcAft>
-              <a:buNone/>
-            </a:pPr>
+            <a:br>
+              <a:rPr lang="en-IN" sz="2000" dirty="0">
+                <a:solidFill>
+                  <a:schemeClr val="accent6">
+                    <a:lumMod val="60000"/>
+                    <a:lumOff val="40000"/>
+                  </a:schemeClr>
+                </a:solidFill>
+                <a:latin typeface="Arial Rounded MT Bold" panose="020F0704030504030204" pitchFamily="34" charset="0"/>
+              </a:rPr>
+            </a:br>
             <a:r>
-              <a:rPr lang="en" sz="1200">
-                <a:solidFill>
-                  <a:srgbClr val="000000"/>
-                </a:solidFill>
+              <a:rPr lang="en-IN" sz="2000" b="1" dirty="0">
+                <a:solidFill>
+                  <a:schemeClr val="accent6">
+                    <a:lumMod val="60000"/>
+                    <a:lumOff val="40000"/>
+                  </a:schemeClr>
+                </a:solidFill>
+                <a:latin typeface="Arial Rounded MT Bold" panose="020F0704030504030204" pitchFamily="34" charset="0"/>
               </a:rPr>
-              <a:t>Date: Date of Submission</a:t>
+              <a:t>Date</a:t>
             </a:r>
-            <a:endParaRPr sz="1200">
-              <a:solidFill>
-                <a:srgbClr val="000000"/>
-              </a:solidFill>
-            </a:endParaRPr>
-          </a:p>
-          <a:p>
-            <a:pPr indent="0" lvl="0" marL="0" rtl="0" algn="l">
-              <a:spcBef>
-                <a:spcPts val="0"/>
-              </a:spcBef>
-              <a:spcAft>
-                <a:spcPts val="1200"/>
-              </a:spcAft>
-              <a:buNone/>
-            </a:pPr>
             <a:r>
-              <a:t/>
+              <a:rPr lang="en-IN" sz="2000" dirty="0">
+                <a:solidFill>
+                  <a:schemeClr val="accent6">
+                    <a:lumMod val="60000"/>
+                    <a:lumOff val="40000"/>
+                  </a:schemeClr>
+                </a:solidFill>
+                <a:latin typeface="Arial Rounded MT Bold" panose="020F0704030504030204" pitchFamily="34" charset="0"/>
+              </a:rPr>
+              <a:t>: </a:t>
             </a:r>
-            <a:endParaRPr/>
+            <a:r>
+              <a:rPr lang="en-IN" sz="1800" dirty="0">
+                <a:solidFill>
+                  <a:schemeClr val="accent6">
+                    <a:lumMod val="60000"/>
+                    <a:lumOff val="40000"/>
+                  </a:schemeClr>
+                </a:solidFill>
+                <a:latin typeface="Arial Rounded MT Bold" panose="020F0704030504030204" pitchFamily="34" charset="0"/>
+              </a:rPr>
+              <a:t>20-10-2024</a:t>
+            </a:r>
           </a:p>
         </p:txBody>
       </p:sp>
@@ -7927,11 +7811,17 @@
 </file>
 
 <file path=ppt/slides/slide3.xml><?xml version="1.0" encoding="utf-8"?>
-<p:sld xmlns:a="http://schemas.openxmlformats.org/drawingml/2006/main" xmlns:r="http://schemas.openxmlformats.org/officeDocument/2006/relationships" xmlns:mc="http://schemas.openxmlformats.org/markup-compatibility/2006" xmlns:mv="urn:schemas-microsoft-com:mac:vml" xmlns:p="http://schemas.openxmlformats.org/presentationml/2006/main" xmlns:c="http://schemas.openxmlformats.org/drawingml/2006/chart" xmlns:dgm="http://schemas.openxmlformats.org/drawingml/2006/diagram" xmlns:o="urn:schemas-microsoft-com:office:office" xmlns:v="urn:schemas-microsoft-com:vml" xmlns:pvml="urn:schemas-microsoft-com:office:powerpoint" xmlns:com="http://schemas.openxmlformats.org/drawingml/2006/compatibility" xmlns:p14="http://schemas.microsoft.com/office/powerpoint/2010/main" xmlns:p15="http://schemas.microsoft.com/office/powerpoint/2012/main" xmlns:ahyp="http://schemas.microsoft.com/office/drawing/2018/hyperlinkcolor">
+<p:sld xmlns:a="http://schemas.openxmlformats.org/drawingml/2006/main" xmlns:r="http://schemas.openxmlformats.org/officeDocument/2006/relationships" xmlns:p="http://schemas.openxmlformats.org/presentationml/2006/main">
   <p:cSld>
     <p:spTree>
       <p:nvGrpSpPr>
-        <p:cNvPr id="84" name="Shape 84"/>
+        <p:cNvPr id="1" name="Shape 96">
+          <a:extLst>
+            <a:ext uri="{FF2B5EF4-FFF2-40B4-BE49-F238E27FC236}">
+              <a16:creationId xmlns:a16="http://schemas.microsoft.com/office/drawing/2014/main" id="{673EA3E8-CC61-7EE6-C0D7-EC1E2E782043}"/>
+            </a:ext>
+          </a:extLst>
+        </p:cNvPr>
         <p:cNvGrpSpPr/>
         <p:nvPr/>
       </p:nvGrpSpPr>
@@ -7945,125 +7835,279 @@
       </p:grpSpPr>
       <p:sp>
         <p:nvSpPr>
-          <p:cNvPr id="85" name="Google Shape;85;p19"/>
-          <p:cNvSpPr txBox="1"/>
-          <p:nvPr>
-            <p:ph type="title"/>
-          </p:nvPr>
+          <p:cNvPr id="4" name="Rectangle 1">
+            <a:extLst>
+              <a:ext uri="{FF2B5EF4-FFF2-40B4-BE49-F238E27FC236}">
+                <a16:creationId xmlns:a16="http://schemas.microsoft.com/office/drawing/2014/main" id="{4BC4D683-7442-54A4-6FAA-1C1D36DA1628}"/>
+              </a:ext>
+            </a:extLst>
+          </p:cNvPr>
+          <p:cNvSpPr>
+            <a:spLocks noChangeArrowheads="1"/>
+          </p:cNvSpPr>
+          <p:nvPr/>
         </p:nvSpPr>
-        <p:spPr>
+        <p:spPr bwMode="auto">
           <a:xfrm>
-            <a:off x="311700" y="445025"/>
-            <a:ext cx="8520600" cy="572700"/>
+            <a:off x="167640" y="725090"/>
+            <a:ext cx="8808720" cy="3693319"/>
           </a:xfrm>
           <a:prstGeom prst="rect">
             <a:avLst/>
           </a:prstGeom>
+          <a:noFill/>
+          <a:ln>
+            <a:noFill/>
+          </a:ln>
+          <a:effectLst/>
+          <a:extLst>
+            <a:ext uri="{909E8E84-426E-40DD-AFC4-6F175D3DCCD1}">
+              <a14:hiddenFill xmlns:a14="http://schemas.microsoft.com/office/drawing/2010/main">
+                <a:solidFill>
+                  <a:schemeClr val="accent1"/>
+                </a:solidFill>
+              </a14:hiddenFill>
+            </a:ext>
+            <a:ext uri="{91240B29-F687-4F45-9708-019B960494DF}">
+              <a14:hiddenLine xmlns:a14="http://schemas.microsoft.com/office/drawing/2010/main" w="9525">
+                <a:solidFill>
+                  <a:schemeClr val="tx1"/>
+                </a:solidFill>
+                <a:miter lim="800000"/>
+                <a:headEnd/>
+                <a:tailEnd/>
+              </a14:hiddenLine>
+            </a:ext>
+            <a:ext uri="{AF507438-7753-43E0-B8FC-AC1667EBCBE1}">
+              <a14:hiddenEffects xmlns:a14="http://schemas.microsoft.com/office/drawing/2010/main">
+                <a:effectLst>
+                  <a:outerShdw dist="35921" dir="2700000" algn="ctr" rotWithShape="0">
+                    <a:schemeClr val="bg2"/>
+                  </a:outerShdw>
+                </a:effectLst>
+              </a14:hiddenEffects>
+            </a:ext>
+          </a:extLst>
         </p:spPr>
         <p:txBody>
-          <a:bodyPr anchorCtr="0" anchor="t" bIns="91425" lIns="91425" spcFirstLastPara="1" rIns="91425" wrap="square" tIns="91425">
-            <a:normAutofit/>
+          <a:bodyPr vert="horz" wrap="square" lIns="91440" tIns="45720" rIns="91440" bIns="45720" numCol="1" anchor="ctr" anchorCtr="0" compatLnSpc="1">
+            <a:prstTxWarp prst="textNoShape">
+              <a:avLst/>
+            </a:prstTxWarp>
+            <a:spAutoFit/>
           </a:bodyPr>
           <a:lstStyle/>
           <a:p>
-            <a:pPr indent="0" lvl="0" marL="0" rtl="0" algn="l">
-              <a:lnSpc>
-                <a:spcPct val="115000"/>
-              </a:lnSpc>
-              <a:spcBef>
-                <a:spcPts val="0"/>
-              </a:spcBef>
-              <a:spcAft>
-                <a:spcPts val="0"/>
-              </a:spcAft>
-              <a:buNone/>
+            <a:pPr marR="0" lvl="0" algn="l" defTabSz="914400" rtl="0" eaLnBrk="0" fontAlgn="base" latinLnBrk="0" hangingPunct="0">
+              <a:spcBef>
+                <a:spcPct val="0"/>
+              </a:spcBef>
+              <a:spcAft>
+                <a:spcPct val="0"/>
+              </a:spcAft>
+              <a:buClrTx/>
+              <a:buSzTx/>
+              <a:tabLst/>
             </a:pPr>
             <a:r>
-              <a:rPr b="1" lang="en" sz="1900"/>
-              <a:t>2nd slide: Executive Summary:</a:t>
+              <a:rPr lang="en-GB" sz="1800" dirty="0">
+                <a:solidFill>
+                  <a:schemeClr val="accent6">
+                    <a:lumMod val="60000"/>
+                    <a:lumOff val="40000"/>
+                  </a:schemeClr>
+                </a:solidFill>
+                <a:latin typeface="Arial Rounded MT Bold" panose="020F0704030504030204" pitchFamily="34" charset="0"/>
+              </a:rPr>
+              <a:t>The proposed solution addresses the challenge of detecting the freshness of fruits and vegetables using AI. </a:t>
             </a:r>
-            <a:endParaRPr sz="3700"/>
           </a:p>
-        </p:txBody>
-      </p:sp>
-      <p:sp>
-        <p:nvSpPr>
-          <p:cNvPr id="86" name="Google Shape;86;p19"/>
-          <p:cNvSpPr txBox="1"/>
-          <p:nvPr>
-            <p:ph idx="1" type="body"/>
-          </p:nvPr>
-        </p:nvSpPr>
-        <p:spPr>
-          <a:xfrm>
-            <a:off x="311700" y="1152475"/>
-            <a:ext cx="8520600" cy="3416400"/>
-          </a:xfrm>
-          <a:prstGeom prst="rect">
-            <a:avLst/>
-          </a:prstGeom>
-        </p:spPr>
-        <p:txBody>
-          <a:bodyPr anchorCtr="0" anchor="t" bIns="91425" lIns="91425" spcFirstLastPara="1" rIns="91425" wrap="square" tIns="91425">
-            <a:normAutofit/>
-          </a:bodyPr>
-          <a:lstStyle/>
           <a:p>
-            <a:pPr indent="0" lvl="0" marL="0" rtl="0" algn="l">
-              <a:spcBef>
-                <a:spcPts val="0"/>
-              </a:spcBef>
-              <a:spcAft>
-                <a:spcPts val="0"/>
-              </a:spcAft>
-              <a:buNone/>
+            <a:pPr marR="0" lvl="0" algn="l" defTabSz="914400" rtl="0" eaLnBrk="0" fontAlgn="base" latinLnBrk="0" hangingPunct="0">
+              <a:spcBef>
+                <a:spcPct val="0"/>
+              </a:spcBef>
+              <a:spcAft>
+                <a:spcPct val="0"/>
+              </a:spcAft>
+              <a:buClrTx/>
+              <a:buSzTx/>
+              <a:tabLst/>
             </a:pPr>
-            <a:r>
-              <a:t/>
-            </a:r>
-            <a:endParaRPr sz="1200">
+            <a:endParaRPr lang="en-GB" sz="1800" dirty="0">
               <a:solidFill>
-                <a:srgbClr val="000000"/>
+                <a:schemeClr val="accent6">
+                  <a:lumMod val="60000"/>
+                  <a:lumOff val="40000"/>
+                </a:schemeClr>
               </a:solidFill>
+              <a:latin typeface="Arial Rounded MT Bold" panose="020F0704030504030204" pitchFamily="34" charset="0"/>
             </a:endParaRPr>
           </a:p>
           <a:p>
-            <a:pPr indent="0" lvl="0" marL="0" rtl="0" algn="l">
-              <a:spcBef>
-                <a:spcPts val="0"/>
-              </a:spcBef>
-              <a:spcAft>
-                <a:spcPts val="0"/>
-              </a:spcAft>
-              <a:buNone/>
+            <a:pPr marR="0" lvl="0" algn="l" defTabSz="914400" rtl="0" eaLnBrk="0" fontAlgn="base" latinLnBrk="0" hangingPunct="0">
+              <a:spcBef>
+                <a:spcPct val="0"/>
+              </a:spcBef>
+              <a:spcAft>
+                <a:spcPct val="0"/>
+              </a:spcAft>
+              <a:buClrTx/>
+              <a:buSzTx/>
+              <a:tabLst/>
             </a:pPr>
             <a:r>
-              <a:t/>
+              <a:rPr lang="en-GB" sz="1800" dirty="0">
+                <a:solidFill>
+                  <a:schemeClr val="accent6">
+                    <a:lumMod val="60000"/>
+                    <a:lumOff val="40000"/>
+                  </a:schemeClr>
+                </a:solidFill>
+                <a:latin typeface="Arial Rounded MT Bold" panose="020F0704030504030204" pitchFamily="34" charset="0"/>
+              </a:rPr>
+              <a:t>The system leverages object detection (YOLOv8) to identify different fruits and vegetables from images and then </a:t>
             </a:r>
-            <a:endParaRPr sz="1000">
+            <a:r>
+              <a:rPr lang="en-GB" sz="1800" dirty="0" err="1">
+                <a:solidFill>
+                  <a:schemeClr val="accent6">
+                    <a:lumMod val="60000"/>
+                    <a:lumOff val="40000"/>
+                  </a:schemeClr>
+                </a:solidFill>
+                <a:latin typeface="Arial Rounded MT Bold" panose="020F0704030504030204" pitchFamily="34" charset="0"/>
+              </a:rPr>
+              <a:t>analyzes</a:t>
+            </a:r>
+            <a:r>
+              <a:rPr lang="en-GB" sz="1800" dirty="0">
+                <a:solidFill>
+                  <a:schemeClr val="accent6">
+                    <a:lumMod val="60000"/>
+                    <a:lumOff val="40000"/>
+                  </a:schemeClr>
+                </a:solidFill>
+                <a:latin typeface="Arial Rounded MT Bold" panose="020F0704030504030204" pitchFamily="34" charset="0"/>
+              </a:rPr>
+              <a:t> their freshness through a machine learning model based on ResNet-18. </a:t>
+            </a:r>
+          </a:p>
+          <a:p>
+            <a:pPr marR="0" lvl="0" algn="l" defTabSz="914400" rtl="0" eaLnBrk="0" fontAlgn="base" latinLnBrk="0" hangingPunct="0">
+              <a:spcBef>
+                <a:spcPct val="0"/>
+              </a:spcBef>
+              <a:spcAft>
+                <a:spcPct val="0"/>
+              </a:spcAft>
+              <a:buClrTx/>
+              <a:buSzTx/>
+              <a:tabLst/>
+            </a:pPr>
+            <a:endParaRPr lang="en-GB" sz="1800" dirty="0">
               <a:solidFill>
-                <a:srgbClr val="000000"/>
+                <a:schemeClr val="accent6">
+                  <a:lumMod val="60000"/>
+                  <a:lumOff val="40000"/>
+                </a:schemeClr>
               </a:solidFill>
+              <a:latin typeface="Arial Rounded MT Bold" panose="020F0704030504030204" pitchFamily="34" charset="0"/>
             </a:endParaRPr>
           </a:p>
           <a:p>
-            <a:pPr indent="0" lvl="0" marL="0" rtl="0" algn="l">
-              <a:spcBef>
-                <a:spcPts val="0"/>
-              </a:spcBef>
-              <a:spcAft>
-                <a:spcPts val="1200"/>
-              </a:spcAft>
-              <a:buNone/>
+            <a:pPr marR="0" lvl="0" algn="l" defTabSz="914400" rtl="0" eaLnBrk="0" fontAlgn="base" latinLnBrk="0" hangingPunct="0">
+              <a:spcBef>
+                <a:spcPct val="0"/>
+              </a:spcBef>
+              <a:spcAft>
+                <a:spcPct val="0"/>
+              </a:spcAft>
+              <a:buClrTx/>
+              <a:buSzTx/>
+              <a:tabLst/>
             </a:pPr>
             <a:r>
-              <a:t/>
+              <a:rPr lang="en-GB" sz="1800" dirty="0">
+                <a:solidFill>
+                  <a:schemeClr val="accent6">
+                    <a:lumMod val="60000"/>
+                    <a:lumOff val="40000"/>
+                  </a:schemeClr>
+                </a:solidFill>
+                <a:latin typeface="Arial Rounded MT Bold" panose="020F0704030504030204" pitchFamily="34" charset="0"/>
+              </a:rPr>
+              <a:t>Trained on a large dataset, the model distinguishes between fresh and rotten produce for categories like apples, bananas, and oranges. </a:t>
             </a:r>
-            <a:endParaRPr/>
+          </a:p>
+          <a:p>
+            <a:pPr marR="0" lvl="0" algn="l" defTabSz="914400" rtl="0" eaLnBrk="0" fontAlgn="base" latinLnBrk="0" hangingPunct="0">
+              <a:spcBef>
+                <a:spcPct val="0"/>
+              </a:spcBef>
+              <a:spcAft>
+                <a:spcPct val="0"/>
+              </a:spcAft>
+              <a:buClrTx/>
+              <a:buSzTx/>
+              <a:tabLst/>
+            </a:pPr>
+            <a:endParaRPr lang="en-GB" sz="1800" dirty="0">
+              <a:solidFill>
+                <a:schemeClr val="accent6">
+                  <a:lumMod val="60000"/>
+                  <a:lumOff val="40000"/>
+                </a:schemeClr>
+              </a:solidFill>
+              <a:latin typeface="Arial Rounded MT Bold" panose="020F0704030504030204" pitchFamily="34" charset="0"/>
+            </a:endParaRPr>
+          </a:p>
+          <a:p>
+            <a:pPr marR="0" lvl="0" algn="l" defTabSz="914400" rtl="0" eaLnBrk="0" fontAlgn="base" latinLnBrk="0" hangingPunct="0">
+              <a:spcBef>
+                <a:spcPct val="0"/>
+              </a:spcBef>
+              <a:spcAft>
+                <a:spcPct val="0"/>
+              </a:spcAft>
+              <a:buClrTx/>
+              <a:buSzTx/>
+              <a:tabLst/>
+            </a:pPr>
+            <a:r>
+              <a:rPr lang="en-GB" sz="1800" dirty="0">
+                <a:solidFill>
+                  <a:schemeClr val="accent6">
+                    <a:lumMod val="60000"/>
+                    <a:lumOff val="40000"/>
+                  </a:schemeClr>
+                </a:solidFill>
+                <a:latin typeface="Arial Rounded MT Bold" panose="020F0704030504030204" pitchFamily="34" charset="0"/>
+              </a:rPr>
+              <a:t>This system is designed for real-world applications, such as automated quality control in supermarkets, warehouses, and food supply chains, offering an efficient solution for classifying produce based on its freshness.</a:t>
+            </a:r>
+            <a:endParaRPr kumimoji="0" lang="en-US" altLang="en-US" sz="1800" b="0" i="0" u="none" strike="noStrike" cap="none" normalizeH="0" baseline="0" dirty="0">
+              <a:ln>
+                <a:noFill/>
+              </a:ln>
+              <a:solidFill>
+                <a:schemeClr val="accent6">
+                  <a:lumMod val="60000"/>
+                  <a:lumOff val="40000"/>
+                </a:schemeClr>
+              </a:solidFill>
+              <a:effectLst/>
+              <a:latin typeface="Arial Rounded MT Bold" panose="020F0704030504030204" pitchFamily="34" charset="0"/>
+            </a:endParaRPr>
           </a:p>
         </p:txBody>
       </p:sp>
     </p:spTree>
+    <p:extLst>
+      <p:ext uri="{BB962C8B-B14F-4D97-AF65-F5344CB8AC3E}">
+        <p14:creationId xmlns:p14="http://schemas.microsoft.com/office/powerpoint/2010/main" val="2172030479"/>
+      </p:ext>
+    </p:extLst>
   </p:cSld>
   <p:clrMapOvr>
     <a:masterClrMapping/>
@@ -8072,11 +8116,17 @@
 </file>
 
 <file path=ppt/slides/slide4.xml><?xml version="1.0" encoding="utf-8"?>
-<p:sld xmlns:a="http://schemas.openxmlformats.org/drawingml/2006/main" xmlns:r="http://schemas.openxmlformats.org/officeDocument/2006/relationships" xmlns:mc="http://schemas.openxmlformats.org/markup-compatibility/2006" xmlns:mv="urn:schemas-microsoft-com:mac:vml" xmlns:p="http://schemas.openxmlformats.org/presentationml/2006/main" xmlns:c="http://schemas.openxmlformats.org/drawingml/2006/chart" xmlns:dgm="http://schemas.openxmlformats.org/drawingml/2006/diagram" xmlns:o="urn:schemas-microsoft-com:office:office" xmlns:v="urn:schemas-microsoft-com:vml" xmlns:pvml="urn:schemas-microsoft-com:office:powerpoint" xmlns:com="http://schemas.openxmlformats.org/drawingml/2006/compatibility" xmlns:p14="http://schemas.microsoft.com/office/powerpoint/2010/main" xmlns:p15="http://schemas.microsoft.com/office/powerpoint/2012/main" xmlns:ahyp="http://schemas.microsoft.com/office/drawing/2018/hyperlinkcolor">
+<p:sld xmlns:a="http://schemas.openxmlformats.org/drawingml/2006/main" xmlns:r="http://schemas.openxmlformats.org/officeDocument/2006/relationships" xmlns:p="http://schemas.openxmlformats.org/presentationml/2006/main">
   <p:cSld>
     <p:spTree>
       <p:nvGrpSpPr>
-        <p:cNvPr id="90" name="Shape 90"/>
+        <p:cNvPr id="1" name="Shape 96">
+          <a:extLst>
+            <a:ext uri="{FF2B5EF4-FFF2-40B4-BE49-F238E27FC236}">
+              <a16:creationId xmlns:a16="http://schemas.microsoft.com/office/drawing/2014/main" id="{6AA7BA21-44D4-C8FF-EF5A-C6CF8113118B}"/>
+            </a:ext>
+          </a:extLst>
+        </p:cNvPr>
         <p:cNvGrpSpPr/>
         <p:nvPr/>
       </p:nvGrpSpPr>
@@ -8090,161 +8140,802 @@
       </p:grpSpPr>
       <p:sp>
         <p:nvSpPr>
-          <p:cNvPr id="91" name="Google Shape;91;p20"/>
+          <p:cNvPr id="2" name="TextBox 1">
+            <a:extLst>
+              <a:ext uri="{FF2B5EF4-FFF2-40B4-BE49-F238E27FC236}">
+                <a16:creationId xmlns:a16="http://schemas.microsoft.com/office/drawing/2014/main" id="{F013B252-49DA-1AC5-FEA9-FE877ADD4C39}"/>
+              </a:ext>
+            </a:extLst>
+          </p:cNvPr>
           <p:cNvSpPr txBox="1"/>
-          <p:nvPr>
-            <p:ph type="title"/>
-          </p:nvPr>
+          <p:nvPr/>
         </p:nvSpPr>
         <p:spPr>
           <a:xfrm>
-            <a:off x="311700" y="445025"/>
-            <a:ext cx="8520600" cy="572700"/>
+            <a:off x="126380" y="364274"/>
+            <a:ext cx="8891240" cy="4185761"/>
           </a:xfrm>
           <a:prstGeom prst="rect">
             <a:avLst/>
           </a:prstGeom>
+          <a:noFill/>
         </p:spPr>
         <p:txBody>
-          <a:bodyPr anchorCtr="0" anchor="t" bIns="91425" lIns="91425" spcFirstLastPara="1" rIns="91425" wrap="square" tIns="91425">
-            <a:normAutofit/>
+          <a:bodyPr wrap="square" rtlCol="0">
+            <a:spAutoFit/>
           </a:bodyPr>
           <a:lstStyle/>
           <a:p>
-            <a:pPr indent="0" lvl="0" marL="0" rtl="0" algn="l">
-              <a:lnSpc>
-                <a:spcPct val="115000"/>
-              </a:lnSpc>
-              <a:spcBef>
-                <a:spcPts val="0"/>
-              </a:spcBef>
-              <a:spcAft>
-                <a:spcPts val="0"/>
-              </a:spcAft>
-              <a:buNone/>
+            <a:r>
+              <a:rPr lang="en-IN" b="1" dirty="0">
+                <a:solidFill>
+                  <a:schemeClr val="accent6">
+                    <a:lumMod val="60000"/>
+                    <a:lumOff val="40000"/>
+                  </a:schemeClr>
+                </a:solidFill>
+                <a:latin typeface="Arial Rounded MT Bold" panose="020F0704030504030204" pitchFamily="34" charset="0"/>
+              </a:rPr>
+              <a:t>Technology Used</a:t>
+            </a:r>
+            <a:r>
+              <a:rPr lang="en-IN" dirty="0">
+                <a:solidFill>
+                  <a:schemeClr val="accent6">
+                    <a:lumMod val="60000"/>
+                    <a:lumOff val="40000"/>
+                  </a:schemeClr>
+                </a:solidFill>
+                <a:latin typeface="Arial Rounded MT Bold" panose="020F0704030504030204" pitchFamily="34" charset="0"/>
+              </a:rPr>
+              <a:t>:</a:t>
+            </a:r>
+          </a:p>
+          <a:p>
+            <a:pPr marL="285750" indent="-285750">
+              <a:buClr>
+                <a:schemeClr val="bg1"/>
+              </a:buClr>
+              <a:buFont typeface="Wingdings" panose="05000000000000000000" pitchFamily="2" charset="2"/>
+              <a:buChar char="§"/>
             </a:pPr>
             <a:r>
-              <a:rPr b="1" lang="en" sz="1900"/>
-              <a:t>3rd Slide. Technical Approach:</a:t>
+              <a:rPr lang="en-IN" b="1" dirty="0">
+                <a:solidFill>
+                  <a:schemeClr val="accent6">
+                    <a:lumMod val="60000"/>
+                    <a:lumOff val="40000"/>
+                  </a:schemeClr>
+                </a:solidFill>
+                <a:latin typeface="Arial Rounded MT Bold" panose="020F0704030504030204" pitchFamily="34" charset="0"/>
+              </a:rPr>
+              <a:t>Object Detection</a:t>
             </a:r>
-            <a:endParaRPr sz="3700"/>
+            <a:r>
+              <a:rPr lang="en-IN" dirty="0">
+                <a:solidFill>
+                  <a:schemeClr val="accent6">
+                    <a:lumMod val="60000"/>
+                    <a:lumOff val="40000"/>
+                  </a:schemeClr>
+                </a:solidFill>
+                <a:latin typeface="Arial Rounded MT Bold" panose="020F0704030504030204" pitchFamily="34" charset="0"/>
+              </a:rPr>
+              <a:t>: YOLOv8 for detecting fruits and vegetables in front and back images.</a:t>
+            </a:r>
           </a:p>
-        </p:txBody>
-      </p:sp>
-      <p:sp>
-        <p:nvSpPr>
-          <p:cNvPr id="92" name="Google Shape;92;p20"/>
-          <p:cNvSpPr txBox="1"/>
-          <p:nvPr>
-            <p:ph idx="1" type="body"/>
-          </p:nvPr>
-        </p:nvSpPr>
-        <p:spPr>
-          <a:xfrm>
-            <a:off x="311700" y="1152475"/>
-            <a:ext cx="8520600" cy="3416400"/>
-          </a:xfrm>
-          <a:prstGeom prst="rect">
-            <a:avLst/>
-          </a:prstGeom>
-        </p:spPr>
-        <p:txBody>
-          <a:bodyPr anchorCtr="0" anchor="t" bIns="91425" lIns="91425" spcFirstLastPara="1" rIns="91425" wrap="square" tIns="91425">
-            <a:normAutofit/>
-          </a:bodyPr>
-          <a:lstStyle/>
           <a:p>
-            <a:pPr indent="0" lvl="0" marL="0" rtl="0" algn="l">
-              <a:spcBef>
-                <a:spcPts val="0"/>
-              </a:spcBef>
-              <a:spcAft>
-                <a:spcPts val="0"/>
-              </a:spcAft>
-              <a:buNone/>
+            <a:pPr marL="285750" indent="-285750">
+              <a:buClr>
+                <a:schemeClr val="bg1"/>
+              </a:buClr>
+              <a:buFont typeface="Wingdings" panose="05000000000000000000" pitchFamily="2" charset="2"/>
+              <a:buChar char="§"/>
             </a:pPr>
             <a:r>
-              <a:rPr b="1" lang="en" sz="1200">
-                <a:solidFill>
-                  <a:schemeClr val="dk1"/>
-                </a:solidFill>
+              <a:rPr lang="en-IN" b="1" dirty="0">
+                <a:solidFill>
+                  <a:schemeClr val="accent6">
+                    <a:lumMod val="60000"/>
+                    <a:lumOff val="40000"/>
+                  </a:schemeClr>
+                </a:solidFill>
+                <a:latin typeface="Arial Rounded MT Bold" panose="020F0704030504030204" pitchFamily="34" charset="0"/>
               </a:rPr>
-              <a:t>Teams to submit a solution proposal ppt that includes details on the technology used, hardware specifications, items used to train the model, and code, accompanied by a video simulation</a:t>
+              <a:t>Classification Model</a:t>
             </a:r>
-            <a:endParaRPr b="1" sz="1200">
+            <a:r>
+              <a:rPr lang="en-IN" dirty="0">
+                <a:solidFill>
+                  <a:schemeClr val="accent6">
+                    <a:lumMod val="60000"/>
+                    <a:lumOff val="40000"/>
+                  </a:schemeClr>
+                </a:solidFill>
+                <a:latin typeface="Arial Rounded MT Bold" panose="020F0704030504030204" pitchFamily="34" charset="0"/>
+              </a:rPr>
+              <a:t>: ResNet-18 fine-tuned for freshness classification of six categories (fresh/rotten apples, bananas, and oranges).</a:t>
+            </a:r>
+          </a:p>
+          <a:p>
+            <a:pPr marL="285750" indent="-285750">
+              <a:buClr>
+                <a:schemeClr val="bg1"/>
+              </a:buClr>
+              <a:buFont typeface="Wingdings" panose="05000000000000000000" pitchFamily="2" charset="2"/>
+              <a:buChar char="§"/>
+            </a:pPr>
+            <a:r>
+              <a:rPr lang="en-IN" b="1" dirty="0">
+                <a:solidFill>
+                  <a:schemeClr val="accent6">
+                    <a:lumMod val="60000"/>
+                    <a:lumOff val="40000"/>
+                  </a:schemeClr>
+                </a:solidFill>
+                <a:latin typeface="Arial Rounded MT Bold" panose="020F0704030504030204" pitchFamily="34" charset="0"/>
+              </a:rPr>
+              <a:t>Programming Languages</a:t>
+            </a:r>
+            <a:r>
+              <a:rPr lang="en-IN" dirty="0">
+                <a:solidFill>
+                  <a:schemeClr val="accent6">
+                    <a:lumMod val="60000"/>
+                    <a:lumOff val="40000"/>
+                  </a:schemeClr>
+                </a:solidFill>
+                <a:latin typeface="Arial Rounded MT Bold" panose="020F0704030504030204" pitchFamily="34" charset="0"/>
+              </a:rPr>
+              <a:t>: Python</a:t>
+            </a:r>
+          </a:p>
+          <a:p>
+            <a:pPr marL="285750" indent="-285750">
+              <a:buClr>
+                <a:schemeClr val="bg1"/>
+              </a:buClr>
+              <a:buFont typeface="Wingdings" panose="05000000000000000000" pitchFamily="2" charset="2"/>
+              <a:buChar char="§"/>
+            </a:pPr>
+            <a:r>
+              <a:rPr lang="en-IN" b="1" dirty="0">
+                <a:solidFill>
+                  <a:schemeClr val="accent6">
+                    <a:lumMod val="60000"/>
+                    <a:lumOff val="40000"/>
+                  </a:schemeClr>
+                </a:solidFill>
+                <a:latin typeface="Arial Rounded MT Bold" panose="020F0704030504030204" pitchFamily="34" charset="0"/>
+              </a:rPr>
+              <a:t>Libraries</a:t>
+            </a:r>
+            <a:r>
+              <a:rPr lang="en-IN" dirty="0">
+                <a:solidFill>
+                  <a:schemeClr val="accent6">
+                    <a:lumMod val="60000"/>
+                    <a:lumOff val="40000"/>
+                  </a:schemeClr>
+                </a:solidFill>
+                <a:latin typeface="Arial Rounded MT Bold" panose="020F0704030504030204" pitchFamily="34" charset="0"/>
+              </a:rPr>
+              <a:t>: </a:t>
+            </a:r>
+            <a:r>
+              <a:rPr lang="en-IN" dirty="0" err="1">
+                <a:solidFill>
+                  <a:schemeClr val="accent6">
+                    <a:lumMod val="60000"/>
+                    <a:lumOff val="40000"/>
+                  </a:schemeClr>
+                </a:solidFill>
+                <a:latin typeface="Arial Rounded MT Bold" panose="020F0704030504030204" pitchFamily="34" charset="0"/>
+              </a:rPr>
+              <a:t>PyTorch</a:t>
+            </a:r>
+            <a:r>
+              <a:rPr lang="en-IN" dirty="0">
+                <a:solidFill>
+                  <a:schemeClr val="accent6">
+                    <a:lumMod val="60000"/>
+                    <a:lumOff val="40000"/>
+                  </a:schemeClr>
+                </a:solidFill>
+                <a:latin typeface="Arial Rounded MT Bold" panose="020F0704030504030204" pitchFamily="34" charset="0"/>
+              </a:rPr>
+              <a:t>, </a:t>
+            </a:r>
+            <a:r>
+              <a:rPr lang="en-IN" dirty="0" err="1">
+                <a:solidFill>
+                  <a:schemeClr val="accent6">
+                    <a:lumMod val="60000"/>
+                    <a:lumOff val="40000"/>
+                  </a:schemeClr>
+                </a:solidFill>
+                <a:latin typeface="Arial Rounded MT Bold" panose="020F0704030504030204" pitchFamily="34" charset="0"/>
+              </a:rPr>
+              <a:t>torchvision</a:t>
+            </a:r>
+            <a:r>
+              <a:rPr lang="en-IN" dirty="0">
+                <a:solidFill>
+                  <a:schemeClr val="accent6">
+                    <a:lumMod val="60000"/>
+                    <a:lumOff val="40000"/>
+                  </a:schemeClr>
+                </a:solidFill>
+                <a:latin typeface="Arial Rounded MT Bold" panose="020F0704030504030204" pitchFamily="34" charset="0"/>
+              </a:rPr>
+              <a:t>, OpenCV, </a:t>
+            </a:r>
+            <a:r>
+              <a:rPr lang="en-IN" dirty="0" err="1">
+                <a:solidFill>
+                  <a:schemeClr val="accent6">
+                    <a:lumMod val="60000"/>
+                    <a:lumOff val="40000"/>
+                  </a:schemeClr>
+                </a:solidFill>
+                <a:latin typeface="Arial Rounded MT Bold" panose="020F0704030504030204" pitchFamily="34" charset="0"/>
+              </a:rPr>
+              <a:t>tqdm</a:t>
+            </a:r>
+            <a:endParaRPr lang="en-IN" dirty="0">
               <a:solidFill>
-                <a:schemeClr val="dk1"/>
+                <a:schemeClr val="accent6">
+                  <a:lumMod val="60000"/>
+                  <a:lumOff val="40000"/>
+                </a:schemeClr>
               </a:solidFill>
+              <a:latin typeface="Arial Rounded MT Bold" panose="020F0704030504030204" pitchFamily="34" charset="0"/>
             </a:endParaRPr>
           </a:p>
           <a:p>
-            <a:pPr indent="0" lvl="0" marL="0" rtl="0" algn="l">
-              <a:spcBef>
-                <a:spcPts val="0"/>
-              </a:spcBef>
-              <a:spcAft>
-                <a:spcPts val="0"/>
-              </a:spcAft>
+            <a:pPr>
               <a:buClr>
-                <a:schemeClr val="dk1"/>
+                <a:schemeClr val="bg1"/>
               </a:buClr>
-              <a:buSzPts val="1100"/>
-              <a:buFont typeface="Arial"/>
-              <a:buNone/>
             </a:pPr>
-            <a:r>
-              <a:t/>
-            </a:r>
-            <a:endParaRPr b="1" sz="1000">
+            <a:endParaRPr lang="en-IN" dirty="0">
               <a:solidFill>
-                <a:schemeClr val="dk1"/>
+                <a:schemeClr val="accent6">
+                  <a:lumMod val="60000"/>
+                  <a:lumOff val="40000"/>
+                </a:schemeClr>
               </a:solidFill>
-              <a:highlight>
-                <a:srgbClr val="FFFFFF"/>
-              </a:highlight>
+              <a:latin typeface="Arial Rounded MT Bold" panose="020F0704030504030204" pitchFamily="34" charset="0"/>
             </a:endParaRPr>
           </a:p>
           <a:p>
-            <a:pPr indent="0" lvl="0" marL="0" rtl="0" algn="l">
-              <a:spcBef>
-                <a:spcPts val="0"/>
-              </a:spcBef>
-              <a:spcAft>
-                <a:spcPts val="0"/>
-              </a:spcAft>
-              <a:buNone/>
+            <a:r>
+              <a:rPr lang="en-IN" b="1" dirty="0">
+                <a:solidFill>
+                  <a:schemeClr val="accent6">
+                    <a:lumMod val="60000"/>
+                    <a:lumOff val="40000"/>
+                  </a:schemeClr>
+                </a:solidFill>
+                <a:latin typeface="Arial Rounded MT Bold" panose="020F0704030504030204" pitchFamily="34" charset="0"/>
+              </a:rPr>
+              <a:t>Hardware Specifications</a:t>
+            </a:r>
+            <a:r>
+              <a:rPr lang="en-IN" dirty="0">
+                <a:solidFill>
+                  <a:schemeClr val="accent6">
+                    <a:lumMod val="60000"/>
+                    <a:lumOff val="40000"/>
+                  </a:schemeClr>
+                </a:solidFill>
+                <a:latin typeface="Arial Rounded MT Bold" panose="020F0704030504030204" pitchFamily="34" charset="0"/>
+              </a:rPr>
+              <a:t>:</a:t>
+            </a:r>
+          </a:p>
+          <a:p>
+            <a:pPr marL="285750" indent="-285750">
+              <a:buClr>
+                <a:schemeClr val="bg1"/>
+              </a:buClr>
+              <a:buSzPct val="100000"/>
+              <a:buFont typeface="Wingdings" panose="05000000000000000000" pitchFamily="2" charset="2"/>
+              <a:buChar char="§"/>
             </a:pPr>
             <a:r>
-              <a:t/>
+              <a:rPr lang="en-IN" b="1" dirty="0">
+                <a:solidFill>
+                  <a:schemeClr val="accent6">
+                    <a:lumMod val="60000"/>
+                    <a:lumOff val="40000"/>
+                  </a:schemeClr>
+                </a:solidFill>
+                <a:latin typeface="Arial Rounded MT Bold" panose="020F0704030504030204" pitchFamily="34" charset="0"/>
+              </a:rPr>
+              <a:t>GPU</a:t>
             </a:r>
-            <a:endParaRPr sz="1300">
+            <a:r>
+              <a:rPr lang="en-IN" dirty="0">
+                <a:solidFill>
+                  <a:schemeClr val="accent6">
+                    <a:lumMod val="60000"/>
+                    <a:lumOff val="40000"/>
+                  </a:schemeClr>
+                </a:solidFill>
+                <a:latin typeface="Arial Rounded MT Bold" panose="020F0704030504030204" pitchFamily="34" charset="0"/>
+              </a:rPr>
+              <a:t>: CUDA (if available) for faster training</a:t>
+            </a:r>
+          </a:p>
+          <a:p>
+            <a:pPr marL="285750" indent="-285750">
+              <a:buClr>
+                <a:schemeClr val="bg1"/>
+              </a:buClr>
+              <a:buSzPct val="100000"/>
+              <a:buFont typeface="Wingdings" panose="05000000000000000000" pitchFamily="2" charset="2"/>
+              <a:buChar char="§"/>
+            </a:pPr>
+            <a:r>
+              <a:rPr lang="en-IN" b="1" dirty="0">
+                <a:solidFill>
+                  <a:schemeClr val="accent6">
+                    <a:lumMod val="60000"/>
+                    <a:lumOff val="40000"/>
+                  </a:schemeClr>
+                </a:solidFill>
+                <a:latin typeface="Arial Rounded MT Bold" panose="020F0704030504030204" pitchFamily="34" charset="0"/>
+              </a:rPr>
+              <a:t>CPU</a:t>
+            </a:r>
+            <a:r>
+              <a:rPr lang="en-IN" dirty="0">
+                <a:solidFill>
+                  <a:schemeClr val="accent6">
+                    <a:lumMod val="60000"/>
+                    <a:lumOff val="40000"/>
+                  </a:schemeClr>
+                </a:solidFill>
+                <a:latin typeface="Arial Rounded MT Bold" panose="020F0704030504030204" pitchFamily="34" charset="0"/>
+              </a:rPr>
+              <a:t>: Intel/AMD-based system</a:t>
+            </a:r>
+          </a:p>
+          <a:p>
+            <a:pPr>
+              <a:buClr>
+                <a:schemeClr val="bg1"/>
+              </a:buClr>
+              <a:buSzPct val="100000"/>
+            </a:pPr>
+            <a:endParaRPr lang="en-IN" dirty="0">
               <a:solidFill>
-                <a:srgbClr val="000000"/>
+                <a:schemeClr val="accent6">
+                  <a:lumMod val="60000"/>
+                  <a:lumOff val="40000"/>
+                </a:schemeClr>
               </a:solidFill>
+              <a:latin typeface="Arial Rounded MT Bold" panose="020F0704030504030204" pitchFamily="34" charset="0"/>
             </a:endParaRPr>
           </a:p>
           <a:p>
-            <a:pPr indent="0" lvl="0" marL="0" rtl="0" algn="l">
-              <a:spcBef>
-                <a:spcPts val="0"/>
-              </a:spcBef>
-              <a:spcAft>
-                <a:spcPts val="0"/>
-              </a:spcAft>
-              <a:buNone/>
+            <a:r>
+              <a:rPr lang="en-IN" b="1" dirty="0">
+                <a:solidFill>
+                  <a:schemeClr val="accent6">
+                    <a:lumMod val="60000"/>
+                    <a:lumOff val="40000"/>
+                  </a:schemeClr>
+                </a:solidFill>
+                <a:latin typeface="Arial Rounded MT Bold" panose="020F0704030504030204" pitchFamily="34" charset="0"/>
+              </a:rPr>
+              <a:t>Items Used to Train the Model</a:t>
+            </a:r>
+            <a:r>
+              <a:rPr lang="en-IN" dirty="0">
+                <a:solidFill>
+                  <a:schemeClr val="accent6">
+                    <a:lumMod val="60000"/>
+                    <a:lumOff val="40000"/>
+                  </a:schemeClr>
+                </a:solidFill>
+                <a:latin typeface="Arial Rounded MT Bold" panose="020F0704030504030204" pitchFamily="34" charset="0"/>
+              </a:rPr>
+              <a:t>:</a:t>
+            </a:r>
+          </a:p>
+          <a:p>
+            <a:pPr marL="285750" indent="-285750">
+              <a:buClr>
+                <a:schemeClr val="bg1"/>
+              </a:buClr>
+              <a:buFont typeface="Wingdings" panose="05000000000000000000" pitchFamily="2" charset="2"/>
+              <a:buChar char="§"/>
             </a:pPr>
             <a:r>
-              <a:t/>
+              <a:rPr lang="en-IN" b="1" dirty="0">
+                <a:solidFill>
+                  <a:schemeClr val="accent6">
+                    <a:lumMod val="60000"/>
+                    <a:lumOff val="40000"/>
+                  </a:schemeClr>
+                </a:solidFill>
+                <a:latin typeface="Arial Rounded MT Bold" panose="020F0704030504030204" pitchFamily="34" charset="0"/>
+              </a:rPr>
+              <a:t>Dataset</a:t>
             </a:r>
-            <a:endParaRPr b="1" sz="1000">
+            <a:r>
+              <a:rPr lang="en-IN" dirty="0">
+                <a:solidFill>
+                  <a:schemeClr val="accent6">
+                    <a:lumMod val="60000"/>
+                    <a:lumOff val="40000"/>
+                  </a:schemeClr>
+                </a:solidFill>
+                <a:latin typeface="Arial Rounded MT Bold" panose="020F0704030504030204" pitchFamily="34" charset="0"/>
+              </a:rPr>
+              <a:t>: Large collection of fresh and rotten fruit images in various orientations</a:t>
+            </a:r>
+          </a:p>
+          <a:p>
+            <a:pPr marL="285750" indent="-285750">
+              <a:buClr>
+                <a:schemeClr val="bg1"/>
+              </a:buClr>
+              <a:buFont typeface="Wingdings" panose="05000000000000000000" pitchFamily="2" charset="2"/>
+              <a:buChar char="§"/>
+            </a:pPr>
+            <a:r>
+              <a:rPr lang="en-IN" b="1" dirty="0">
+                <a:solidFill>
+                  <a:schemeClr val="accent6">
+                    <a:lumMod val="60000"/>
+                    <a:lumOff val="40000"/>
+                  </a:schemeClr>
+                </a:solidFill>
+                <a:latin typeface="Arial Rounded MT Bold" panose="020F0704030504030204" pitchFamily="34" charset="0"/>
+              </a:rPr>
+              <a:t>Classes</a:t>
+            </a:r>
+            <a:r>
+              <a:rPr lang="en-IN" dirty="0">
+                <a:solidFill>
+                  <a:schemeClr val="accent6">
+                    <a:lumMod val="60000"/>
+                    <a:lumOff val="40000"/>
+                  </a:schemeClr>
+                </a:solidFill>
+                <a:latin typeface="Arial Rounded MT Bold" panose="020F0704030504030204" pitchFamily="34" charset="0"/>
+              </a:rPr>
+              <a:t>: </a:t>
+            </a:r>
+            <a:r>
+              <a:rPr lang="en-IN" dirty="0" err="1">
+                <a:solidFill>
+                  <a:schemeClr val="accent6">
+                    <a:lumMod val="60000"/>
+                    <a:lumOff val="40000"/>
+                  </a:schemeClr>
+                </a:solidFill>
+                <a:latin typeface="Arial Rounded MT Bold" panose="020F0704030504030204" pitchFamily="34" charset="0"/>
+              </a:rPr>
+              <a:t>freshapples</a:t>
+            </a:r>
+            <a:r>
+              <a:rPr lang="en-IN" dirty="0">
+                <a:solidFill>
+                  <a:schemeClr val="accent6">
+                    <a:lumMod val="60000"/>
+                    <a:lumOff val="40000"/>
+                  </a:schemeClr>
+                </a:solidFill>
+                <a:latin typeface="Arial Rounded MT Bold" panose="020F0704030504030204" pitchFamily="34" charset="0"/>
+              </a:rPr>
+              <a:t>, </a:t>
+            </a:r>
+            <a:r>
+              <a:rPr lang="en-IN" dirty="0" err="1">
+                <a:solidFill>
+                  <a:schemeClr val="accent6">
+                    <a:lumMod val="60000"/>
+                    <a:lumOff val="40000"/>
+                  </a:schemeClr>
+                </a:solidFill>
+                <a:latin typeface="Arial Rounded MT Bold" panose="020F0704030504030204" pitchFamily="34" charset="0"/>
+              </a:rPr>
+              <a:t>freshbanana</a:t>
+            </a:r>
+            <a:r>
+              <a:rPr lang="en-IN" dirty="0">
+                <a:solidFill>
+                  <a:schemeClr val="accent6">
+                    <a:lumMod val="60000"/>
+                    <a:lumOff val="40000"/>
+                  </a:schemeClr>
+                </a:solidFill>
+                <a:latin typeface="Arial Rounded MT Bold" panose="020F0704030504030204" pitchFamily="34" charset="0"/>
+              </a:rPr>
+              <a:t>, </a:t>
+            </a:r>
+            <a:r>
+              <a:rPr lang="en-IN" dirty="0" err="1">
+                <a:solidFill>
+                  <a:schemeClr val="accent6">
+                    <a:lumMod val="60000"/>
+                    <a:lumOff val="40000"/>
+                  </a:schemeClr>
+                </a:solidFill>
+                <a:latin typeface="Arial Rounded MT Bold" panose="020F0704030504030204" pitchFamily="34" charset="0"/>
+              </a:rPr>
+              <a:t>freshoranges</a:t>
+            </a:r>
+            <a:r>
+              <a:rPr lang="en-IN" dirty="0">
+                <a:solidFill>
+                  <a:schemeClr val="accent6">
+                    <a:lumMod val="60000"/>
+                    <a:lumOff val="40000"/>
+                  </a:schemeClr>
+                </a:solidFill>
+                <a:latin typeface="Arial Rounded MT Bold" panose="020F0704030504030204" pitchFamily="34" charset="0"/>
+              </a:rPr>
+              <a:t>, </a:t>
+            </a:r>
+            <a:r>
+              <a:rPr lang="en-IN" dirty="0" err="1">
+                <a:solidFill>
+                  <a:schemeClr val="accent6">
+                    <a:lumMod val="60000"/>
+                    <a:lumOff val="40000"/>
+                  </a:schemeClr>
+                </a:solidFill>
+                <a:latin typeface="Arial Rounded MT Bold" panose="020F0704030504030204" pitchFamily="34" charset="0"/>
+              </a:rPr>
+              <a:t>rottenapples</a:t>
+            </a:r>
+            <a:r>
+              <a:rPr lang="en-IN" dirty="0">
+                <a:solidFill>
+                  <a:schemeClr val="accent6">
+                    <a:lumMod val="60000"/>
+                    <a:lumOff val="40000"/>
+                  </a:schemeClr>
+                </a:solidFill>
+                <a:latin typeface="Arial Rounded MT Bold" panose="020F0704030504030204" pitchFamily="34" charset="0"/>
+              </a:rPr>
+              <a:t>, </a:t>
+            </a:r>
+            <a:r>
+              <a:rPr lang="en-IN" dirty="0" err="1">
+                <a:solidFill>
+                  <a:schemeClr val="accent6">
+                    <a:lumMod val="60000"/>
+                    <a:lumOff val="40000"/>
+                  </a:schemeClr>
+                </a:solidFill>
+                <a:latin typeface="Arial Rounded MT Bold" panose="020F0704030504030204" pitchFamily="34" charset="0"/>
+              </a:rPr>
+              <a:t>rottenbanana</a:t>
+            </a:r>
+            <a:r>
+              <a:rPr lang="en-IN" dirty="0">
+                <a:solidFill>
+                  <a:schemeClr val="accent6">
+                    <a:lumMod val="60000"/>
+                    <a:lumOff val="40000"/>
+                  </a:schemeClr>
+                </a:solidFill>
+                <a:latin typeface="Arial Rounded MT Bold" panose="020F0704030504030204" pitchFamily="34" charset="0"/>
+              </a:rPr>
+              <a:t>, </a:t>
+            </a:r>
+            <a:r>
+              <a:rPr lang="en-IN" dirty="0" err="1">
+                <a:solidFill>
+                  <a:schemeClr val="accent6">
+                    <a:lumMod val="60000"/>
+                    <a:lumOff val="40000"/>
+                  </a:schemeClr>
+                </a:solidFill>
+                <a:latin typeface="Arial Rounded MT Bold" panose="020F0704030504030204" pitchFamily="34" charset="0"/>
+              </a:rPr>
+              <a:t>rottenoranges</a:t>
+            </a:r>
+            <a:endParaRPr lang="en-IN" dirty="0">
               <a:solidFill>
-                <a:schemeClr val="dk1"/>
+                <a:schemeClr val="accent6">
+                  <a:lumMod val="60000"/>
+                  <a:lumOff val="40000"/>
+                </a:schemeClr>
               </a:solidFill>
+              <a:latin typeface="Arial Rounded MT Bold" panose="020F0704030504030204" pitchFamily="34" charset="0"/>
+            </a:endParaRPr>
+          </a:p>
+          <a:p>
+            <a:pPr marL="285750" indent="-285750">
+              <a:buClr>
+                <a:schemeClr val="bg1"/>
+              </a:buClr>
+              <a:buFont typeface="Wingdings" panose="05000000000000000000" pitchFamily="2" charset="2"/>
+              <a:buChar char="§"/>
+            </a:pPr>
+            <a:r>
+              <a:rPr lang="en-IN" b="1" dirty="0">
+                <a:solidFill>
+                  <a:schemeClr val="accent6">
+                    <a:lumMod val="60000"/>
+                    <a:lumOff val="40000"/>
+                  </a:schemeClr>
+                </a:solidFill>
+                <a:latin typeface="Arial Rounded MT Bold" panose="020F0704030504030204" pitchFamily="34" charset="0"/>
+              </a:rPr>
+              <a:t>Data Augmentation</a:t>
+            </a:r>
+            <a:r>
+              <a:rPr lang="en-IN" dirty="0">
+                <a:solidFill>
+                  <a:schemeClr val="accent6">
+                    <a:lumMod val="60000"/>
+                    <a:lumOff val="40000"/>
+                  </a:schemeClr>
+                </a:solidFill>
+                <a:latin typeface="Arial Rounded MT Bold" panose="020F0704030504030204" pitchFamily="34" charset="0"/>
+              </a:rPr>
+              <a:t>: Random rotations, rescaling, and normalization to improve model robustness.</a:t>
+            </a:r>
+          </a:p>
+          <a:p>
+            <a:endParaRPr lang="en-IN" dirty="0">
+              <a:solidFill>
+                <a:schemeClr val="accent6">
+                  <a:lumMod val="60000"/>
+                  <a:lumOff val="40000"/>
+                </a:schemeClr>
+              </a:solidFill>
+              <a:latin typeface="Arial Rounded MT Bold" panose="020F0704030504030204" pitchFamily="34" charset="0"/>
+            </a:endParaRPr>
+          </a:p>
+          <a:p>
+            <a:r>
+              <a:rPr lang="en-IN" b="1" dirty="0">
+                <a:solidFill>
+                  <a:schemeClr val="accent6">
+                    <a:lumMod val="60000"/>
+                    <a:lumOff val="40000"/>
+                  </a:schemeClr>
+                </a:solidFill>
+                <a:latin typeface="Arial Rounded MT Bold" panose="020F0704030504030204" pitchFamily="34" charset="0"/>
+              </a:rPr>
+              <a:t>GitHub Code Link</a:t>
+            </a:r>
+            <a:r>
+              <a:rPr lang="en-IN" dirty="0">
+                <a:solidFill>
+                  <a:schemeClr val="accent6">
+                    <a:lumMod val="60000"/>
+                    <a:lumOff val="40000"/>
+                  </a:schemeClr>
+                </a:solidFill>
+                <a:latin typeface="Arial Rounded MT Bold" panose="020F0704030504030204" pitchFamily="34" charset="0"/>
+              </a:rPr>
+              <a:t>: </a:t>
+            </a:r>
+            <a:r>
+              <a:rPr lang="en-IN" dirty="0">
+                <a:solidFill>
+                  <a:schemeClr val="accent6">
+                    <a:lumMod val="60000"/>
+                    <a:lumOff val="40000"/>
+                  </a:schemeClr>
+                </a:solidFill>
+                <a:latin typeface="Arial Rounded MT Bold" panose="020F0704030504030204" pitchFamily="34" charset="0"/>
+                <a:hlinkClick r:id="rId3"/>
+              </a:rPr>
+              <a:t>Flipkart </a:t>
+            </a:r>
+            <a:r>
+              <a:rPr lang="en-IN" dirty="0" err="1">
+                <a:solidFill>
+                  <a:schemeClr val="accent6">
+                    <a:lumMod val="60000"/>
+                    <a:lumOff val="40000"/>
+                  </a:schemeClr>
+                </a:solidFill>
+                <a:latin typeface="Arial Rounded MT Bold" panose="020F0704030504030204" pitchFamily="34" charset="0"/>
+                <a:hlinkClick r:id="rId3"/>
+              </a:rPr>
+              <a:t>Robotics.git</a:t>
+            </a:r>
+            <a:endParaRPr lang="en-IN" dirty="0">
+              <a:solidFill>
+                <a:schemeClr val="accent6">
+                  <a:lumMod val="60000"/>
+                  <a:lumOff val="40000"/>
+                </a:schemeClr>
+              </a:solidFill>
+              <a:latin typeface="Arial Rounded MT Bold" panose="020F0704030504030204" pitchFamily="34" charset="0"/>
+            </a:endParaRPr>
+          </a:p>
+          <a:p>
+            <a:r>
+              <a:rPr lang="en-IN" b="1" dirty="0">
+                <a:solidFill>
+                  <a:schemeClr val="accent6">
+                    <a:lumMod val="60000"/>
+                    <a:lumOff val="40000"/>
+                  </a:schemeClr>
+                </a:solidFill>
+                <a:latin typeface="Arial Rounded MT Bold" panose="020F0704030504030204" pitchFamily="34" charset="0"/>
+              </a:rPr>
+              <a:t>Video Simulation</a:t>
+            </a:r>
+            <a:r>
+              <a:rPr lang="en-IN" dirty="0">
+                <a:solidFill>
+                  <a:schemeClr val="accent6">
+                    <a:lumMod val="60000"/>
+                    <a:lumOff val="40000"/>
+                  </a:schemeClr>
+                </a:solidFill>
+                <a:latin typeface="Arial Rounded MT Bold" panose="020F0704030504030204" pitchFamily="34" charset="0"/>
+              </a:rPr>
+              <a:t>: [Insert Google Drive Video Link] *</a:t>
+            </a:r>
+            <a:r>
+              <a:rPr lang="en-IN" dirty="0" err="1">
+                <a:solidFill>
+                  <a:schemeClr val="accent6">
+                    <a:lumMod val="60000"/>
+                    <a:lumOff val="40000"/>
+                  </a:schemeClr>
+                </a:solidFill>
+                <a:latin typeface="Arial Rounded MT Bold" panose="020F0704030504030204" pitchFamily="34" charset="0"/>
+              </a:rPr>
+              <a:t>banaunga</a:t>
+            </a:r>
+            <a:r>
+              <a:rPr lang="en-IN" dirty="0">
+                <a:solidFill>
+                  <a:schemeClr val="accent6">
+                    <a:lumMod val="60000"/>
+                    <a:lumOff val="40000"/>
+                  </a:schemeClr>
+                </a:solidFill>
+                <a:latin typeface="Arial Rounded MT Bold" panose="020F0704030504030204" pitchFamily="34" charset="0"/>
+              </a:rPr>
+              <a:t> to de </a:t>
+            </a:r>
+            <a:r>
+              <a:rPr lang="en-IN" dirty="0" err="1">
+                <a:solidFill>
+                  <a:schemeClr val="accent6">
+                    <a:lumMod val="60000"/>
+                    <a:lumOff val="40000"/>
+                  </a:schemeClr>
+                </a:solidFill>
+                <a:latin typeface="Arial Rounded MT Bold" panose="020F0704030504030204" pitchFamily="34" charset="0"/>
+              </a:rPr>
+              <a:t>dunga</a:t>
+            </a:r>
+            <a:endParaRPr lang="en-IN" dirty="0">
+              <a:solidFill>
+                <a:schemeClr val="accent6">
+                  <a:lumMod val="60000"/>
+                  <a:lumOff val="40000"/>
+                </a:schemeClr>
+              </a:solidFill>
+              <a:latin typeface="Arial Rounded MT Bold" panose="020F0704030504030204" pitchFamily="34" charset="0"/>
             </a:endParaRPr>
           </a:p>
         </p:txBody>
       </p:sp>
     </p:spTree>
+    <p:extLst>
+      <p:ext uri="{BB962C8B-B14F-4D97-AF65-F5344CB8AC3E}">
+        <p14:creationId xmlns:p14="http://schemas.microsoft.com/office/powerpoint/2010/main" val="3056648560"/>
+      </p:ext>
+    </p:extLst>
   </p:cSld>
   <p:clrMapOvr>
     <a:masterClrMapping/>
@@ -8253,36 +8944,11 @@
 </file>
 
 <file path=ppt/slides/slide5.xml><?xml version="1.0" encoding="utf-8"?>
-<p:sld xmlns:a="http://schemas.openxmlformats.org/drawingml/2006/main" xmlns:r="http://schemas.openxmlformats.org/officeDocument/2006/relationships" xmlns:mc="http://schemas.openxmlformats.org/markup-compatibility/2006" xmlns:mv="urn:schemas-microsoft-com:mac:vml" xmlns:p="http://schemas.openxmlformats.org/presentationml/2006/main" xmlns:c="http://schemas.openxmlformats.org/drawingml/2006/chart" xmlns:dgm="http://schemas.openxmlformats.org/drawingml/2006/diagram" xmlns:o="urn:schemas-microsoft-com:office:office" xmlns:v="urn:schemas-microsoft-com:vml" xmlns:pvml="urn:schemas-microsoft-com:office:powerpoint" xmlns:com="http://schemas.openxmlformats.org/drawingml/2006/compatibility" xmlns:p14="http://schemas.microsoft.com/office/powerpoint/2010/main" xmlns:p15="http://schemas.microsoft.com/office/powerpoint/2012/main" xmlns:ahyp="http://schemas.microsoft.com/office/drawing/2018/hyperlinkcolor">
+<p:sld xmlns:a="http://schemas.openxmlformats.org/drawingml/2006/main" xmlns:r="http://schemas.openxmlformats.org/officeDocument/2006/relationships" xmlns:p="http://schemas.openxmlformats.org/presentationml/2006/main">
   <p:cSld>
     <p:spTree>
       <p:nvGrpSpPr>
-        <p:cNvPr id="96" name="Shape 96"/>
-        <p:cNvGrpSpPr/>
-        <p:nvPr/>
-      </p:nvGrpSpPr>
-      <p:grpSpPr>
-        <a:xfrm>
-          <a:off x="0" y="0"/>
-          <a:ext cx="0" cy="0"/>
-          <a:chOff x="0" y="0"/>
-          <a:chExt cx="0" cy="0"/>
-        </a:xfrm>
-      </p:grpSpPr>
-    </p:spTree>
-  </p:cSld>
-  <p:clrMapOvr>
-    <a:masterClrMapping/>
-  </p:clrMapOvr>
-</p:sld>
-</file>
-
-<file path=ppt/slides/slide6.xml><?xml version="1.0" encoding="utf-8"?>
-<p:sld xmlns:a="http://schemas.openxmlformats.org/drawingml/2006/main" xmlns:r="http://schemas.openxmlformats.org/officeDocument/2006/relationships" xmlns:mc="http://schemas.openxmlformats.org/markup-compatibility/2006" xmlns:mv="urn:schemas-microsoft-com:mac:vml" xmlns:p="http://schemas.openxmlformats.org/presentationml/2006/main" xmlns:c="http://schemas.openxmlformats.org/drawingml/2006/chart" xmlns:dgm="http://schemas.openxmlformats.org/drawingml/2006/diagram" xmlns:o="urn:schemas-microsoft-com:office:office" xmlns:v="urn:schemas-microsoft-com:vml" xmlns:pvml="urn:schemas-microsoft-com:office:powerpoint" xmlns:com="http://schemas.openxmlformats.org/drawingml/2006/compatibility" xmlns:p14="http://schemas.microsoft.com/office/powerpoint/2010/main" xmlns:p15="http://schemas.microsoft.com/office/powerpoint/2012/main" xmlns:ahyp="http://schemas.microsoft.com/office/drawing/2018/hyperlinkcolor">
-  <p:cSld>
-    <p:spTree>
-      <p:nvGrpSpPr>
-        <p:cNvPr id="100" name="Shape 100"/>
+        <p:cNvPr id="1" name="Shape 100"/>
         <p:cNvGrpSpPr/>
         <p:nvPr/>
       </p:nvGrpSpPr>
@@ -8303,7 +8969,7 @@
 </file>
 
 <file path=ppt/theme/theme1.xml><?xml version="1.0" encoding="utf-8"?>
-<a:theme xmlns:a="http://schemas.openxmlformats.org/drawingml/2006/main" xmlns:r="http://schemas.openxmlformats.org/officeDocument/2006/relationships" name="Simple Light">
+<a:theme xmlns:a="http://schemas.openxmlformats.org/drawingml/2006/main" name="Simple Light">
   <a:themeElements>
     <a:clrScheme name="Simple Light">
       <a:dk1>
@@ -8578,11 +9244,13 @@
       </a:bgFillStyleLst>
     </a:fmtScheme>
   </a:themeElements>
+  <a:objectDefaults/>
+  <a:extraClrSchemeLst/>
 </a:theme>
 </file>
 
 <file path=ppt/theme/theme2.xml><?xml version="1.0" encoding="utf-8"?>
-<a:theme xmlns:a="http://schemas.openxmlformats.org/drawingml/2006/main" xmlns:r="http://schemas.openxmlformats.org/officeDocument/2006/relationships">
+<a:theme xmlns:a="http://schemas.openxmlformats.org/drawingml/2006/main">
   <a:themeElements>
     <a:clrScheme name="Default">
       <a:dk1>
@@ -8857,5 +9525,7 @@
       </a:bgFillStyleLst>
     </a:fmtScheme>
   </a:themeElements>
+  <a:objectDefaults/>
+  <a:extraClrSchemeLst/>
 </a:theme>
 </file>